--- a/doc/02.角色.pptx
+++ b/doc/02.角色.pptx
@@ -281,7 +281,7 @@
           <a:p>
             <a:fld id="{1B7BBEA4-24BC-4F9A-BA49-26A596A24E96}" type="datetimeFigureOut">
               <a:rPr lang="zh-CN" altLang="en-US" smtClean="0"/>
-              <a:t>2021/4/14</a:t>
+              <a:t>2021/4/15</a:t>
             </a:fld>
             <a:endParaRPr lang="zh-CN" altLang="en-US"/>
           </a:p>
@@ -479,7 +479,7 @@
           <a:p>
             <a:fld id="{1B7BBEA4-24BC-4F9A-BA49-26A596A24E96}" type="datetimeFigureOut">
               <a:rPr lang="zh-CN" altLang="en-US" smtClean="0"/>
-              <a:t>2021/4/14</a:t>
+              <a:t>2021/4/15</a:t>
             </a:fld>
             <a:endParaRPr lang="zh-CN" altLang="en-US"/>
           </a:p>
@@ -687,7 +687,7 @@
           <a:p>
             <a:fld id="{1B7BBEA4-24BC-4F9A-BA49-26A596A24E96}" type="datetimeFigureOut">
               <a:rPr lang="zh-CN" altLang="en-US" smtClean="0"/>
-              <a:t>2021/4/14</a:t>
+              <a:t>2021/4/15</a:t>
             </a:fld>
             <a:endParaRPr lang="zh-CN" altLang="en-US"/>
           </a:p>
@@ -885,7 +885,7 @@
           <a:p>
             <a:fld id="{1B7BBEA4-24BC-4F9A-BA49-26A596A24E96}" type="datetimeFigureOut">
               <a:rPr lang="zh-CN" altLang="en-US" smtClean="0"/>
-              <a:t>2021/4/14</a:t>
+              <a:t>2021/4/15</a:t>
             </a:fld>
             <a:endParaRPr lang="zh-CN" altLang="en-US"/>
           </a:p>
@@ -1160,7 +1160,7 @@
           <a:p>
             <a:fld id="{1B7BBEA4-24BC-4F9A-BA49-26A596A24E96}" type="datetimeFigureOut">
               <a:rPr lang="zh-CN" altLang="en-US" smtClean="0"/>
-              <a:t>2021/4/14</a:t>
+              <a:t>2021/4/15</a:t>
             </a:fld>
             <a:endParaRPr lang="zh-CN" altLang="en-US"/>
           </a:p>
@@ -1425,7 +1425,7 @@
           <a:p>
             <a:fld id="{1B7BBEA4-24BC-4F9A-BA49-26A596A24E96}" type="datetimeFigureOut">
               <a:rPr lang="zh-CN" altLang="en-US" smtClean="0"/>
-              <a:t>2021/4/14</a:t>
+              <a:t>2021/4/15</a:t>
             </a:fld>
             <a:endParaRPr lang="zh-CN" altLang="en-US"/>
           </a:p>
@@ -1837,7 +1837,7 @@
           <a:p>
             <a:fld id="{1B7BBEA4-24BC-4F9A-BA49-26A596A24E96}" type="datetimeFigureOut">
               <a:rPr lang="zh-CN" altLang="en-US" smtClean="0"/>
-              <a:t>2021/4/14</a:t>
+              <a:t>2021/4/15</a:t>
             </a:fld>
             <a:endParaRPr lang="zh-CN" altLang="en-US"/>
           </a:p>
@@ -1978,7 +1978,7 @@
           <a:p>
             <a:fld id="{1B7BBEA4-24BC-4F9A-BA49-26A596A24E96}" type="datetimeFigureOut">
               <a:rPr lang="zh-CN" altLang="en-US" smtClean="0"/>
-              <a:t>2021/4/14</a:t>
+              <a:t>2021/4/15</a:t>
             </a:fld>
             <a:endParaRPr lang="zh-CN" altLang="en-US"/>
           </a:p>
@@ -2091,7 +2091,7 @@
           <a:p>
             <a:fld id="{1B7BBEA4-24BC-4F9A-BA49-26A596A24E96}" type="datetimeFigureOut">
               <a:rPr lang="zh-CN" altLang="en-US" smtClean="0"/>
-              <a:t>2021/4/14</a:t>
+              <a:t>2021/4/15</a:t>
             </a:fld>
             <a:endParaRPr lang="zh-CN" altLang="en-US"/>
           </a:p>
@@ -2402,7 +2402,7 @@
           <a:p>
             <a:fld id="{1B7BBEA4-24BC-4F9A-BA49-26A596A24E96}" type="datetimeFigureOut">
               <a:rPr lang="zh-CN" altLang="en-US" smtClean="0"/>
-              <a:t>2021/4/14</a:t>
+              <a:t>2021/4/15</a:t>
             </a:fld>
             <a:endParaRPr lang="zh-CN" altLang="en-US"/>
           </a:p>
@@ -2690,7 +2690,7 @@
           <a:p>
             <a:fld id="{1B7BBEA4-24BC-4F9A-BA49-26A596A24E96}" type="datetimeFigureOut">
               <a:rPr lang="zh-CN" altLang="en-US" smtClean="0"/>
-              <a:t>2021/4/14</a:t>
+              <a:t>2021/4/15</a:t>
             </a:fld>
             <a:endParaRPr lang="zh-CN" altLang="en-US"/>
           </a:p>
@@ -2931,7 +2931,7 @@
           <a:p>
             <a:fld id="{1B7BBEA4-24BC-4F9A-BA49-26A596A24E96}" type="datetimeFigureOut">
               <a:rPr lang="zh-CN" altLang="en-US" smtClean="0"/>
-              <a:t>2021/4/14</a:t>
+              <a:t>2021/4/15</a:t>
             </a:fld>
             <a:endParaRPr lang="zh-CN" altLang="en-US"/>
           </a:p>
@@ -3464,7 +3464,7 @@
         <p:spPr>
           <a:xfrm>
             <a:off x="722687" y="138400"/>
-            <a:ext cx="2236510" cy="584775"/>
+            <a:ext cx="1005403" cy="584775"/>
           </a:xfrm>
           <a:prstGeom prst="rect">
             <a:avLst/>
@@ -3482,7 +3482,7 @@
                 <a:latin typeface="Consolas" panose="020B0609020204030204" pitchFamily="49" charset="0"/>
                 <a:ea typeface="微软雅黑" panose="020B0503020204020204" pitchFamily="34" charset="-122"/>
               </a:rPr>
-              <a:t>大纲及流程</a:t>
+              <a:t>目录</a:t>
             </a:r>
           </a:p>
         </p:txBody>
@@ -8692,7 +8692,7 @@
         </p:nvSpPr>
         <p:spPr>
           <a:xfrm>
-            <a:off x="712379" y="1415886"/>
+            <a:off x="712379" y="1212686"/>
             <a:ext cx="1728000" cy="648000"/>
           </a:xfrm>
           <a:prstGeom prst="roundRect">
@@ -8784,8 +8784,8 @@
         </p:nvSpPr>
         <p:spPr>
           <a:xfrm>
-            <a:off x="712379" y="2057635"/>
-            <a:ext cx="1728000" cy="2533026"/>
+            <a:off x="712378" y="1854434"/>
+            <a:ext cx="3617025" cy="4800362"/>
           </a:xfrm>
           <a:prstGeom prst="roundRect">
             <a:avLst>
@@ -8869,7 +8869,7 @@
                 <a:latin typeface="微软雅黑" panose="020B0503020204020204" pitchFamily="34" charset="-122"/>
                 <a:ea typeface="微软雅黑" panose="020B0503020204020204" pitchFamily="34" charset="-122"/>
               </a:rPr>
-              <a:t>姓名</a:t>
+              <a:t>头像哈希</a:t>
             </a:r>
             <a:endParaRPr lang="en-US" altLang="zh-CN" sz="1400" b="1">
               <a:solidFill>
@@ -8888,7 +8888,7 @@
                 <a:latin typeface="微软雅黑" panose="020B0503020204020204" pitchFamily="34" charset="-122"/>
                 <a:ea typeface="微软雅黑" panose="020B0503020204020204" pitchFamily="34" charset="-122"/>
               </a:rPr>
-              <a:t>性别</a:t>
+              <a:t>姓名</a:t>
             </a:r>
             <a:endParaRPr lang="en-US" altLang="zh-CN" sz="1400" b="1">
               <a:solidFill>
@@ -8907,7 +8907,7 @@
                 <a:latin typeface="微软雅黑" panose="020B0503020204020204" pitchFamily="34" charset="-122"/>
                 <a:ea typeface="微软雅黑" panose="020B0503020204020204" pitchFamily="34" charset="-122"/>
               </a:rPr>
-              <a:t>手机号</a:t>
+              <a:t>性别</a:t>
             </a:r>
             <a:endParaRPr lang="en-US" altLang="zh-CN" sz="1400" b="1">
               <a:solidFill>
@@ -8926,64 +8926,7 @@
                 <a:latin typeface="微软雅黑" panose="020B0503020204020204" pitchFamily="34" charset="-122"/>
                 <a:ea typeface="微软雅黑" panose="020B0503020204020204" pitchFamily="34" charset="-122"/>
               </a:rPr>
-              <a:t>微信号</a:t>
-            </a:r>
-            <a:br>
-              <a:rPr lang="en-US" altLang="zh-CN" sz="1400" b="1">
-                <a:solidFill>
-                  <a:schemeClr val="tx1"/>
-                </a:solidFill>
-                <a:latin typeface="微软雅黑" panose="020B0503020204020204" pitchFamily="34" charset="-122"/>
-                <a:ea typeface="微软雅黑" panose="020B0503020204020204" pitchFamily="34" charset="-122"/>
-              </a:rPr>
-            </a:br>
-            <a:r>
-              <a:rPr lang="zh-CN" altLang="en-US" sz="1400" b="1">
-                <a:solidFill>
-                  <a:schemeClr val="tx1"/>
-                </a:solidFill>
-                <a:latin typeface="微软雅黑" panose="020B0503020204020204" pitchFamily="34" charset="-122"/>
-                <a:ea typeface="微软雅黑" panose="020B0503020204020204" pitchFamily="34" charset="-122"/>
-              </a:rPr>
-              <a:t>邮箱</a:t>
-            </a:r>
-            <a:br>
-              <a:rPr lang="en-US" altLang="zh-CN" sz="1400" b="1">
-                <a:solidFill>
-                  <a:schemeClr val="tx1"/>
-                </a:solidFill>
-                <a:latin typeface="微软雅黑" panose="020B0503020204020204" pitchFamily="34" charset="-122"/>
-                <a:ea typeface="微软雅黑" panose="020B0503020204020204" pitchFamily="34" charset="-122"/>
-              </a:rPr>
-            </a:br>
-            <a:r>
-              <a:rPr lang="zh-CN" altLang="en-US" sz="1400" b="1">
-                <a:solidFill>
-                  <a:schemeClr val="tx1"/>
-                </a:solidFill>
-                <a:latin typeface="微软雅黑" panose="020B0503020204020204" pitchFamily="34" charset="-122"/>
-                <a:ea typeface="微软雅黑" panose="020B0503020204020204" pitchFamily="34" charset="-122"/>
-              </a:rPr>
-              <a:t>家庭地址</a:t>
-            </a:r>
-            <a:br>
-              <a:rPr lang="en-US" altLang="zh-CN" sz="1400" b="1">
-                <a:solidFill>
-                  <a:schemeClr val="tx1"/>
-                </a:solidFill>
-                <a:latin typeface="微软雅黑" panose="020B0503020204020204" pitchFamily="34" charset="-122"/>
-                <a:ea typeface="微软雅黑" panose="020B0503020204020204" pitchFamily="34" charset="-122"/>
-              </a:rPr>
-            </a:br>
-            <a:r>
-              <a:rPr lang="zh-CN" altLang="en-US" sz="1400" b="1">
-                <a:solidFill>
-                  <a:schemeClr val="tx1"/>
-                </a:solidFill>
-                <a:latin typeface="微软雅黑" panose="020B0503020204020204" pitchFamily="34" charset="-122"/>
-                <a:ea typeface="微软雅黑" panose="020B0503020204020204" pitchFamily="34" charset="-122"/>
-              </a:rPr>
-              <a:t>出生年月日</a:t>
+              <a:t>手机号</a:t>
             </a:r>
             <a:endParaRPr lang="en-US" altLang="zh-CN" sz="1400" b="1">
               <a:solidFill>
@@ -9002,7 +8945,64 @@
                 <a:latin typeface="微软雅黑" panose="020B0503020204020204" pitchFamily="34" charset="-122"/>
                 <a:ea typeface="微软雅黑" panose="020B0503020204020204" pitchFamily="34" charset="-122"/>
               </a:rPr>
-              <a:t>身份证</a:t>
+              <a:t>微信号</a:t>
+            </a:r>
+            <a:br>
+              <a:rPr lang="en-US" altLang="zh-CN" sz="1400" b="1">
+                <a:solidFill>
+                  <a:schemeClr val="tx1"/>
+                </a:solidFill>
+                <a:latin typeface="微软雅黑" panose="020B0503020204020204" pitchFamily="34" charset="-122"/>
+                <a:ea typeface="微软雅黑" panose="020B0503020204020204" pitchFamily="34" charset="-122"/>
+              </a:rPr>
+            </a:br>
+            <a:r>
+              <a:rPr lang="zh-CN" altLang="en-US" sz="1400" b="1">
+                <a:solidFill>
+                  <a:schemeClr val="tx1"/>
+                </a:solidFill>
+                <a:latin typeface="微软雅黑" panose="020B0503020204020204" pitchFamily="34" charset="-122"/>
+                <a:ea typeface="微软雅黑" panose="020B0503020204020204" pitchFamily="34" charset="-122"/>
+              </a:rPr>
+              <a:t>邮箱</a:t>
+            </a:r>
+            <a:br>
+              <a:rPr lang="en-US" altLang="zh-CN" sz="1400" b="1">
+                <a:solidFill>
+                  <a:schemeClr val="tx1"/>
+                </a:solidFill>
+                <a:latin typeface="微软雅黑" panose="020B0503020204020204" pitchFamily="34" charset="-122"/>
+                <a:ea typeface="微软雅黑" panose="020B0503020204020204" pitchFamily="34" charset="-122"/>
+              </a:rPr>
+            </a:br>
+            <a:r>
+              <a:rPr lang="zh-CN" altLang="en-US" sz="1400" b="1">
+                <a:solidFill>
+                  <a:schemeClr val="tx1"/>
+                </a:solidFill>
+                <a:latin typeface="微软雅黑" panose="020B0503020204020204" pitchFamily="34" charset="-122"/>
+                <a:ea typeface="微软雅黑" panose="020B0503020204020204" pitchFamily="34" charset="-122"/>
+              </a:rPr>
+              <a:t>家庭地址</a:t>
+            </a:r>
+            <a:br>
+              <a:rPr lang="en-US" altLang="zh-CN" sz="1400" b="1">
+                <a:solidFill>
+                  <a:schemeClr val="tx1"/>
+                </a:solidFill>
+                <a:latin typeface="微软雅黑" panose="020B0503020204020204" pitchFamily="34" charset="-122"/>
+                <a:ea typeface="微软雅黑" panose="020B0503020204020204" pitchFamily="34" charset="-122"/>
+              </a:rPr>
+            </a:br>
+            <a:r>
+              <a:rPr lang="zh-CN" altLang="en-US" sz="1400" b="1">
+                <a:solidFill>
+                  <a:schemeClr val="tx1"/>
+                </a:solidFill>
+                <a:latin typeface="微软雅黑" panose="020B0503020204020204" pitchFamily="34" charset="-122"/>
+                <a:ea typeface="微软雅黑" panose="020B0503020204020204" pitchFamily="34" charset="-122"/>
+              </a:rPr>
+              <a:t>出生年月日</a:t>
             </a:r>
             <a:endParaRPr lang="en-US" altLang="zh-CN" sz="1400" b="1">
               <a:solidFill>
@@ -9021,7 +9021,210 @@
                 <a:latin typeface="微软雅黑" panose="020B0503020204020204" pitchFamily="34" charset="-122"/>
                 <a:ea typeface="微软雅黑" panose="020B0503020204020204" pitchFamily="34" charset="-122"/>
               </a:rPr>
+              <a:t>身份证</a:t>
+            </a:r>
+            <a:endParaRPr lang="en-US" altLang="zh-CN" sz="1400" b="1">
+              <a:solidFill>
+                <a:schemeClr val="tx1"/>
+              </a:solidFill>
+              <a:latin typeface="微软雅黑" panose="020B0503020204020204" pitchFamily="34" charset="-122"/>
+              <a:ea typeface="微软雅黑" panose="020B0503020204020204" pitchFamily="34" charset="-122"/>
+            </a:endParaRPr>
+          </a:p>
+          <a:p>
+            <a:r>
+              <a:rPr lang="zh-CN" altLang="en-US" sz="1400" b="1">
+                <a:solidFill>
+                  <a:schemeClr val="tx1"/>
+                </a:solidFill>
+                <a:latin typeface="微软雅黑" panose="020B0503020204020204" pitchFamily="34" charset="-122"/>
+                <a:ea typeface="微软雅黑" panose="020B0503020204020204" pitchFamily="34" charset="-122"/>
+              </a:rPr>
               <a:t>其他证件</a:t>
+            </a:r>
+            <a:endParaRPr lang="en-US" altLang="zh-CN" sz="1400" b="1">
+              <a:solidFill>
+                <a:schemeClr val="tx1"/>
+              </a:solidFill>
+              <a:latin typeface="微软雅黑" panose="020B0503020204020204" pitchFamily="34" charset="-122"/>
+              <a:ea typeface="微软雅黑" panose="020B0503020204020204" pitchFamily="34" charset="-122"/>
+            </a:endParaRPr>
+          </a:p>
+          <a:p>
+            <a:r>
+              <a:rPr lang="zh-CN" altLang="en-US" sz="1400" b="1">
+                <a:solidFill>
+                  <a:schemeClr val="tx1"/>
+                </a:solidFill>
+                <a:latin typeface="微软雅黑" panose="020B0503020204020204" pitchFamily="34" charset="-122"/>
+                <a:ea typeface="微软雅黑" panose="020B0503020204020204" pitchFamily="34" charset="-122"/>
+              </a:rPr>
+              <a:t>照片哈希 </a:t>
+            </a:r>
+            <a:r>
+              <a:rPr lang="en-US" altLang="zh-CN" sz="1400" b="1">
+                <a:solidFill>
+                  <a:schemeClr val="tx1"/>
+                </a:solidFill>
+                <a:latin typeface="微软雅黑" panose="020B0503020204020204" pitchFamily="34" charset="-122"/>
+                <a:ea typeface="微软雅黑" panose="020B0503020204020204" pitchFamily="34" charset="-122"/>
+              </a:rPr>
+              <a:t>[111,222,333]</a:t>
+            </a:r>
+          </a:p>
+          <a:p>
+            <a:r>
+              <a:rPr lang="zh-CN" altLang="en-US" sz="1400" b="1">
+                <a:solidFill>
+                  <a:schemeClr val="tx1"/>
+                </a:solidFill>
+                <a:latin typeface="微软雅黑" panose="020B0503020204020204" pitchFamily="34" charset="-122"/>
+                <a:ea typeface="微软雅黑" panose="020B0503020204020204" pitchFamily="34" charset="-122"/>
+              </a:rPr>
+              <a:t>简介哈希</a:t>
+            </a:r>
+            <a:endParaRPr lang="en-US" altLang="zh-CN" sz="1400" b="1">
+              <a:solidFill>
+                <a:schemeClr val="tx1"/>
+              </a:solidFill>
+              <a:latin typeface="微软雅黑" panose="020B0503020204020204" pitchFamily="34" charset="-122"/>
+              <a:ea typeface="微软雅黑" panose="020B0503020204020204" pitchFamily="34" charset="-122"/>
+            </a:endParaRPr>
+          </a:p>
+          <a:p>
+            <a:r>
+              <a:rPr lang="zh-CN" altLang="en-US" sz="1400" b="1">
+                <a:solidFill>
+                  <a:schemeClr val="tx1"/>
+                </a:solidFill>
+                <a:latin typeface="微软雅黑" panose="020B0503020204020204" pitchFamily="34" charset="-122"/>
+                <a:ea typeface="微软雅黑" panose="020B0503020204020204" pitchFamily="34" charset="-122"/>
+              </a:rPr>
+              <a:t>学历</a:t>
+            </a:r>
+            <a:endParaRPr lang="en-US" altLang="zh-CN" sz="1400" b="1">
+              <a:solidFill>
+                <a:schemeClr val="tx1"/>
+              </a:solidFill>
+              <a:latin typeface="微软雅黑" panose="020B0503020204020204" pitchFamily="34" charset="-122"/>
+              <a:ea typeface="微软雅黑" panose="020B0503020204020204" pitchFamily="34" charset="-122"/>
+            </a:endParaRPr>
+          </a:p>
+          <a:p>
+            <a:r>
+              <a:rPr lang="zh-CN" altLang="en-US" sz="1400" b="1">
+                <a:solidFill>
+                  <a:schemeClr val="tx1"/>
+                </a:solidFill>
+                <a:latin typeface="微软雅黑" panose="020B0503020204020204" pitchFamily="34" charset="-122"/>
+                <a:ea typeface="微软雅黑" panose="020B0503020204020204" pitchFamily="34" charset="-122"/>
+              </a:rPr>
+              <a:t>职业</a:t>
+            </a:r>
+            <a:endParaRPr lang="en-US" altLang="zh-CN" sz="1400" b="1">
+              <a:solidFill>
+                <a:schemeClr val="tx1"/>
+              </a:solidFill>
+              <a:latin typeface="微软雅黑" panose="020B0503020204020204" pitchFamily="34" charset="-122"/>
+              <a:ea typeface="微软雅黑" panose="020B0503020204020204" pitchFamily="34" charset="-122"/>
+            </a:endParaRPr>
+          </a:p>
+          <a:p>
+            <a:r>
+              <a:rPr lang="zh-CN" altLang="en-US" sz="1400" b="1">
+                <a:solidFill>
+                  <a:schemeClr val="tx1"/>
+                </a:solidFill>
+                <a:latin typeface="微软雅黑" panose="020B0503020204020204" pitchFamily="34" charset="-122"/>
+                <a:ea typeface="微软雅黑" panose="020B0503020204020204" pitchFamily="34" charset="-122"/>
+              </a:rPr>
+              <a:t>收入</a:t>
+            </a:r>
+            <a:endParaRPr lang="en-US" altLang="zh-CN" sz="1400" b="1">
+              <a:solidFill>
+                <a:schemeClr val="tx1"/>
+              </a:solidFill>
+              <a:latin typeface="微软雅黑" panose="020B0503020204020204" pitchFamily="34" charset="-122"/>
+              <a:ea typeface="微软雅黑" panose="020B0503020204020204" pitchFamily="34" charset="-122"/>
+            </a:endParaRPr>
+          </a:p>
+          <a:p>
+            <a:r>
+              <a:rPr lang="zh-CN" altLang="en-US" sz="1400" b="1">
+                <a:solidFill>
+                  <a:schemeClr val="tx1"/>
+                </a:solidFill>
+                <a:latin typeface="微软雅黑" panose="020B0503020204020204" pitchFamily="34" charset="-122"/>
+                <a:ea typeface="微软雅黑" panose="020B0503020204020204" pitchFamily="34" charset="-122"/>
+              </a:rPr>
+              <a:t>婚姻状况</a:t>
+            </a:r>
+            <a:endParaRPr lang="en-US" altLang="zh-CN" sz="1400" b="1">
+              <a:solidFill>
+                <a:schemeClr val="tx1"/>
+              </a:solidFill>
+              <a:latin typeface="微软雅黑" panose="020B0503020204020204" pitchFamily="34" charset="-122"/>
+              <a:ea typeface="微软雅黑" panose="020B0503020204020204" pitchFamily="34" charset="-122"/>
+            </a:endParaRPr>
+          </a:p>
+          <a:p>
+            <a:r>
+              <a:rPr lang="zh-CN" altLang="en-US" sz="1400" b="1">
+                <a:solidFill>
+                  <a:schemeClr val="tx1"/>
+                </a:solidFill>
+                <a:latin typeface="微软雅黑" panose="020B0503020204020204" pitchFamily="34" charset="-122"/>
+                <a:ea typeface="微软雅黑" panose="020B0503020204020204" pitchFamily="34" charset="-122"/>
+              </a:rPr>
+              <a:t>爱好</a:t>
+            </a:r>
+            <a:endParaRPr lang="en-US" altLang="zh-CN" sz="1400" b="1">
+              <a:solidFill>
+                <a:schemeClr val="tx1"/>
+              </a:solidFill>
+              <a:latin typeface="微软雅黑" panose="020B0503020204020204" pitchFamily="34" charset="-122"/>
+              <a:ea typeface="微软雅黑" panose="020B0503020204020204" pitchFamily="34" charset="-122"/>
+            </a:endParaRPr>
+          </a:p>
+          <a:p>
+            <a:r>
+              <a:rPr lang="zh-CN" altLang="en-US" sz="1400" b="1">
+                <a:solidFill>
+                  <a:schemeClr val="tx1"/>
+                </a:solidFill>
+                <a:latin typeface="微软雅黑" panose="020B0503020204020204" pitchFamily="34" charset="-122"/>
+                <a:ea typeface="微软雅黑" panose="020B0503020204020204" pitchFamily="34" charset="-122"/>
+              </a:rPr>
+              <a:t>推荐人</a:t>
+            </a:r>
+            <a:r>
+              <a:rPr lang="en-US" altLang="zh-CN" sz="1400" b="1">
+                <a:solidFill>
+                  <a:schemeClr val="tx1"/>
+                </a:solidFill>
+                <a:latin typeface="微软雅黑" panose="020B0503020204020204" pitchFamily="34" charset="-122"/>
+                <a:ea typeface="微软雅黑" panose="020B0503020204020204" pitchFamily="34" charset="-122"/>
+              </a:rPr>
+              <a:t>id</a:t>
+            </a:r>
+            <a:br>
+              <a:rPr lang="en-US" altLang="zh-CN" sz="1400" b="1">
+                <a:solidFill>
+                  <a:schemeClr val="tx1"/>
+                </a:solidFill>
+                <a:latin typeface="微软雅黑" panose="020B0503020204020204" pitchFamily="34" charset="-122"/>
+                <a:ea typeface="微软雅黑" panose="020B0503020204020204" pitchFamily="34" charset="-122"/>
+              </a:rPr>
+            </a:br>
+            <a:r>
+              <a:rPr lang="zh-CN" altLang="en-US" sz="1400" b="1">
+                <a:solidFill>
+                  <a:schemeClr val="tx1"/>
+                </a:solidFill>
+                <a:latin typeface="微软雅黑" panose="020B0503020204020204" pitchFamily="34" charset="-122"/>
+                <a:ea typeface="微软雅黑" panose="020B0503020204020204" pitchFamily="34" charset="-122"/>
+              </a:rPr>
+              <a:t>信佛时长</a:t>
             </a:r>
             <a:endParaRPr lang="en-US" altLang="zh-CN" sz="1400" b="1">
               <a:solidFill>
@@ -9814,7 +10017,7 @@
         <p:spPr>
           <a:xfrm>
             <a:off x="712379" y="2073217"/>
-            <a:ext cx="1728000" cy="1500407"/>
+            <a:ext cx="1728000" cy="1752334"/>
           </a:xfrm>
           <a:prstGeom prst="roundRect">
             <a:avLst>
@@ -9918,6 +10121,25 @@
                 <a:ea typeface="微软雅黑" panose="020B0503020204020204" pitchFamily="34" charset="-122"/>
               </a:rPr>
               <a:t>地址</a:t>
+            </a:r>
+            <a:endParaRPr lang="en-US" altLang="zh-CN" sz="1400" b="1">
+              <a:solidFill>
+                <a:schemeClr val="tx1"/>
+              </a:solidFill>
+              <a:latin typeface="微软雅黑" panose="020B0503020204020204" pitchFamily="34" charset="-122"/>
+              <a:ea typeface="微软雅黑" panose="020B0503020204020204" pitchFamily="34" charset="-122"/>
+            </a:endParaRPr>
+          </a:p>
+          <a:p>
+            <a:r>
+              <a:rPr lang="zh-CN" altLang="en-US" sz="1400" b="1">
+                <a:solidFill>
+                  <a:schemeClr val="tx1"/>
+                </a:solidFill>
+                <a:latin typeface="微软雅黑" panose="020B0503020204020204" pitchFamily="34" charset="-122"/>
+                <a:ea typeface="微软雅黑" panose="020B0503020204020204" pitchFamily="34" charset="-122"/>
+              </a:rPr>
+              <a:t>宗派</a:t>
             </a:r>
             <a:br>
               <a:rPr lang="en-US" altLang="zh-CN" sz="1400" b="1">
@@ -10246,7 +10468,7 @@
         <p:spPr>
           <a:xfrm>
             <a:off x="712379" y="2213176"/>
-            <a:ext cx="1728000" cy="1021607"/>
+            <a:ext cx="1728000" cy="1360448"/>
           </a:xfrm>
           <a:prstGeom prst="roundRect">
             <a:avLst>
@@ -10312,6 +10534,25 @@
                 <a:ea typeface="微软雅黑" panose="020B0503020204020204" pitchFamily="34" charset="-122"/>
               </a:rPr>
               <a:t>法号</a:t>
+            </a:r>
+            <a:endParaRPr lang="en-US" altLang="zh-CN" sz="1400" b="1">
+              <a:solidFill>
+                <a:schemeClr val="tx1"/>
+              </a:solidFill>
+              <a:latin typeface="微软雅黑" panose="020B0503020204020204" pitchFamily="34" charset="-122"/>
+              <a:ea typeface="微软雅黑" panose="020B0503020204020204" pitchFamily="34" charset="-122"/>
+            </a:endParaRPr>
+          </a:p>
+          <a:p>
+            <a:r>
+              <a:rPr lang="zh-CN" altLang="en-US" sz="1400" b="1">
+                <a:solidFill>
+                  <a:schemeClr val="tx1"/>
+                </a:solidFill>
+                <a:latin typeface="微软雅黑" panose="020B0503020204020204" pitchFamily="34" charset="-122"/>
+                <a:ea typeface="微软雅黑" panose="020B0503020204020204" pitchFamily="34" charset="-122"/>
+              </a:rPr>
+              <a:t>宗派</a:t>
             </a:r>
             <a:endParaRPr lang="en-US" altLang="zh-CN" sz="1400" b="1">
               <a:solidFill>

--- a/doc/02.角色.pptx
+++ b/doc/02.角色.pptx
@@ -10016,8 +10016,8 @@
         </p:nvSpPr>
         <p:spPr>
           <a:xfrm>
-            <a:off x="712379" y="2073217"/>
-            <a:ext cx="1728000" cy="1752334"/>
+            <a:off x="712379" y="2073216"/>
+            <a:ext cx="1728000" cy="2041583"/>
           </a:xfrm>
           <a:prstGeom prst="roundRect">
             <a:avLst>
@@ -10072,6 +10072,25 @@
               </a:rPr>
               <a:t>id</a:t>
             </a:r>
+          </a:p>
+          <a:p>
+            <a:r>
+              <a:rPr lang="zh-CN" altLang="en-US" sz="1400" b="1">
+                <a:solidFill>
+                  <a:schemeClr val="tx1"/>
+                </a:solidFill>
+                <a:latin typeface="微软雅黑" panose="020B0503020204020204" pitchFamily="34" charset="-122"/>
+                <a:ea typeface="微软雅黑" panose="020B0503020204020204" pitchFamily="34" charset="-122"/>
+              </a:rPr>
+              <a:t>图片哈希</a:t>
+            </a:r>
+            <a:endParaRPr lang="en-US" altLang="zh-CN" sz="1400" b="1">
+              <a:solidFill>
+                <a:schemeClr val="tx1"/>
+              </a:solidFill>
+              <a:latin typeface="微软雅黑" panose="020B0503020204020204" pitchFamily="34" charset="-122"/>
+              <a:ea typeface="微软雅黑" panose="020B0503020204020204" pitchFamily="34" charset="-122"/>
+            </a:endParaRPr>
           </a:p>
           <a:p>
             <a:r>
@@ -10467,8 +10486,8 @@
         </p:nvSpPr>
         <p:spPr>
           <a:xfrm>
-            <a:off x="712379" y="2213176"/>
-            <a:ext cx="1728000" cy="1360448"/>
+            <a:off x="712379" y="2213175"/>
+            <a:ext cx="1728000" cy="1519069"/>
           </a:xfrm>
           <a:prstGeom prst="roundRect">
             <a:avLst>
@@ -10523,6 +10542,25 @@
               </a:rPr>
               <a:t>id</a:t>
             </a:r>
+          </a:p>
+          <a:p>
+            <a:r>
+              <a:rPr lang="zh-CN" altLang="en-US" sz="1400" b="1">
+                <a:solidFill>
+                  <a:schemeClr val="tx1"/>
+                </a:solidFill>
+                <a:latin typeface="微软雅黑" panose="020B0503020204020204" pitchFamily="34" charset="-122"/>
+                <a:ea typeface="微软雅黑" panose="020B0503020204020204" pitchFamily="34" charset="-122"/>
+              </a:rPr>
+              <a:t>头像哈希</a:t>
+            </a:r>
+            <a:endParaRPr lang="en-US" altLang="zh-CN" sz="1400" b="1">
+              <a:solidFill>
+                <a:schemeClr val="tx1"/>
+              </a:solidFill>
+              <a:latin typeface="微软雅黑" panose="020B0503020204020204" pitchFamily="34" charset="-122"/>
+              <a:ea typeface="微软雅黑" panose="020B0503020204020204" pitchFamily="34" charset="-122"/>
+            </a:endParaRPr>
           </a:p>
           <a:p>
             <a:r>

--- a/doc/02.角色.pptx
+++ b/doc/02.角色.pptx
@@ -9,13 +9,14 @@
     <p:sldId id="289" r:id="rId3"/>
     <p:sldId id="287" r:id="rId4"/>
     <p:sldId id="292" r:id="rId5"/>
-    <p:sldId id="288" r:id="rId6"/>
-    <p:sldId id="290" r:id="rId7"/>
-    <p:sldId id="291" r:id="rId8"/>
-    <p:sldId id="293" r:id="rId9"/>
-    <p:sldId id="265" r:id="rId10"/>
-    <p:sldId id="266" r:id="rId11"/>
-    <p:sldId id="267" r:id="rId12"/>
+    <p:sldId id="294" r:id="rId6"/>
+    <p:sldId id="291" r:id="rId7"/>
+    <p:sldId id="290" r:id="rId8"/>
+    <p:sldId id="288" r:id="rId9"/>
+    <p:sldId id="266" r:id="rId10"/>
+    <p:sldId id="295" r:id="rId11"/>
+    <p:sldId id="265" r:id="rId12"/>
+    <p:sldId id="267" r:id="rId13"/>
   </p:sldIdLst>
   <p:sldSz cx="12192000" cy="6858000"/>
   <p:notesSz cx="6858000" cy="9144000"/>
@@ -3502,9 +3503,9 @@
         <p:grpSpPr>
           <a:xfrm>
             <a:off x="1199043" y="1043775"/>
-            <a:ext cx="6634783" cy="369332"/>
+            <a:ext cx="3587561" cy="369332"/>
             <a:chOff x="1199043" y="1043775"/>
-            <a:chExt cx="6634783" cy="369332"/>
+            <a:chExt cx="3587561" cy="369332"/>
           </a:xfrm>
         </p:grpSpPr>
         <p:sp>
@@ -3572,7 +3573,7 @@
           <p:spPr>
             <a:xfrm>
               <a:off x="1736272" y="1043775"/>
-              <a:ext cx="6097554" cy="369332"/>
+              <a:ext cx="3050332" cy="369332"/>
             </a:xfrm>
             <a:prstGeom prst="rect">
               <a:avLst/>
@@ -3611,10 +3612,10 @@
         </p:nvGrpSpPr>
         <p:grpSpPr>
           <a:xfrm>
-            <a:off x="1199043" y="4720702"/>
-            <a:ext cx="6634783" cy="369332"/>
+            <a:off x="6096000" y="1043775"/>
+            <a:ext cx="3587561" cy="369332"/>
             <a:chOff x="1199043" y="4720702"/>
-            <a:chExt cx="6634783" cy="369332"/>
+            <a:chExt cx="3587561" cy="369332"/>
           </a:xfrm>
         </p:grpSpPr>
         <p:sp>
@@ -3682,7 +3683,7 @@
           <p:spPr>
             <a:xfrm>
               <a:off x="1736272" y="4720702"/>
-              <a:ext cx="6097554" cy="369332"/>
+              <a:ext cx="3050332" cy="369332"/>
             </a:xfrm>
             <a:prstGeom prst="rect">
               <a:avLst/>
@@ -3724,10 +3725,10 @@
         </p:nvGrpSpPr>
         <p:grpSpPr>
           <a:xfrm>
-            <a:off x="1628272" y="1548091"/>
-            <a:ext cx="6485472" cy="369332"/>
+            <a:off x="1628271" y="1548091"/>
+            <a:ext cx="3158333" cy="369332"/>
             <a:chOff x="1628272" y="1548091"/>
-            <a:chExt cx="6485472" cy="369332"/>
+            <a:chExt cx="3038482" cy="369332"/>
           </a:xfrm>
         </p:grpSpPr>
         <p:sp>
@@ -3745,7 +3746,7 @@
           <p:spPr>
             <a:xfrm>
               <a:off x="2016190" y="1548091"/>
-              <a:ext cx="6097554" cy="369332"/>
+              <a:ext cx="2650564" cy="369332"/>
             </a:xfrm>
             <a:prstGeom prst="rect">
               <a:avLst/>
@@ -3764,7 +3765,7 @@
                   <a:ea typeface="微软雅黑" panose="020B0503020204020204" pitchFamily="34" charset="-122"/>
                   <a:hlinkClick r:id="rId2" action="ppaction://hlinksldjump"/>
                 </a:rPr>
-                <a:t>角色</a:t>
+                <a:t>身份</a:t>
               </a:r>
               <a:endParaRPr lang="zh-CN" altLang="en-US"/>
             </a:p>
@@ -3831,10 +3832,10 @@
         </p:nvGrpSpPr>
         <p:grpSpPr>
           <a:xfrm>
-            <a:off x="1628272" y="1972597"/>
-            <a:ext cx="6485472" cy="369332"/>
+            <a:off x="1628272" y="1973393"/>
+            <a:ext cx="3158332" cy="369332"/>
             <a:chOff x="1628272" y="1988082"/>
-            <a:chExt cx="6485472" cy="369332"/>
+            <a:chExt cx="3158332" cy="369332"/>
           </a:xfrm>
         </p:grpSpPr>
         <p:sp>
@@ -3852,7 +3853,7 @@
           <p:spPr>
             <a:xfrm>
               <a:off x="2016190" y="1988082"/>
-              <a:ext cx="6097554" cy="369332"/>
+              <a:ext cx="2770414" cy="369332"/>
             </a:xfrm>
             <a:prstGeom prst="rect">
               <a:avLst/>
@@ -3938,10 +3939,10 @@
         </p:nvGrpSpPr>
         <p:grpSpPr>
           <a:xfrm>
-            <a:off x="1628272" y="2397103"/>
-            <a:ext cx="6485472" cy="369332"/>
+            <a:off x="1628272" y="2398695"/>
+            <a:ext cx="3158332" cy="369332"/>
             <a:chOff x="1628272" y="2488205"/>
-            <a:chExt cx="6485472" cy="369332"/>
+            <a:chExt cx="3158332" cy="369332"/>
           </a:xfrm>
         </p:grpSpPr>
         <p:sp>
@@ -3959,7 +3960,7 @@
           <p:spPr>
             <a:xfrm>
               <a:off x="2016190" y="2488205"/>
-              <a:ext cx="6097554" cy="369332"/>
+              <a:ext cx="2770414" cy="369332"/>
             </a:xfrm>
             <a:prstGeom prst="rect">
               <a:avLst/>
@@ -4045,10 +4046,10 @@
         </p:nvGrpSpPr>
         <p:grpSpPr>
           <a:xfrm>
-            <a:off x="1628272" y="2821609"/>
-            <a:ext cx="6485472" cy="369332"/>
+            <a:off x="1628272" y="4099901"/>
+            <a:ext cx="3158332" cy="369332"/>
             <a:chOff x="1628272" y="2916973"/>
-            <a:chExt cx="6485472" cy="369332"/>
+            <a:chExt cx="3158332" cy="369332"/>
           </a:xfrm>
         </p:grpSpPr>
         <p:sp>
@@ -4066,7 +4067,7 @@
           <p:spPr>
             <a:xfrm>
               <a:off x="2016190" y="2916973"/>
-              <a:ext cx="6097554" cy="369332"/>
+              <a:ext cx="2770414" cy="369332"/>
             </a:xfrm>
             <a:prstGeom prst="rect">
               <a:avLst/>
@@ -4152,10 +4153,10 @@
         </p:nvGrpSpPr>
         <p:grpSpPr>
           <a:xfrm>
-            <a:off x="1628272" y="3246115"/>
-            <a:ext cx="6485472" cy="369332"/>
+            <a:off x="1628272" y="3674601"/>
+            <a:ext cx="3158332" cy="369332"/>
             <a:chOff x="1628272" y="3360729"/>
-            <a:chExt cx="6485472" cy="369332"/>
+            <a:chExt cx="3158332" cy="369332"/>
           </a:xfrm>
         </p:grpSpPr>
         <p:sp>
@@ -4173,7 +4174,7 @@
           <p:spPr>
             <a:xfrm>
               <a:off x="2016190" y="3360729"/>
-              <a:ext cx="6097554" cy="369332"/>
+              <a:ext cx="2770414" cy="369332"/>
             </a:xfrm>
             <a:prstGeom prst="rect">
               <a:avLst/>
@@ -4259,10 +4260,10 @@
         </p:nvGrpSpPr>
         <p:grpSpPr>
           <a:xfrm>
-            <a:off x="1628272" y="3670621"/>
-            <a:ext cx="6485472" cy="369332"/>
+            <a:off x="1628272" y="3249299"/>
+            <a:ext cx="3158332" cy="369332"/>
             <a:chOff x="1628272" y="3689578"/>
-            <a:chExt cx="6485472" cy="369332"/>
+            <a:chExt cx="3158332" cy="369332"/>
           </a:xfrm>
         </p:grpSpPr>
         <p:sp>
@@ -4280,7 +4281,7 @@
           <p:spPr>
             <a:xfrm>
               <a:off x="2016190" y="3689578"/>
-              <a:ext cx="6097554" cy="369332"/>
+              <a:ext cx="2770414" cy="369332"/>
             </a:xfrm>
             <a:prstGeom prst="rect">
               <a:avLst/>
@@ -4366,10 +4367,10 @@
         </p:nvGrpSpPr>
         <p:grpSpPr>
           <a:xfrm>
-            <a:off x="1628272" y="4095130"/>
-            <a:ext cx="6485472" cy="369332"/>
+            <a:off x="1628272" y="2823997"/>
+            <a:ext cx="3158332" cy="369332"/>
             <a:chOff x="1628272" y="4095130"/>
-            <a:chExt cx="6485472" cy="369332"/>
+            <a:chExt cx="3158332" cy="369332"/>
           </a:xfrm>
         </p:grpSpPr>
         <p:sp>
@@ -4387,7 +4388,7 @@
           <p:spPr>
             <a:xfrm>
               <a:off x="2016190" y="4095130"/>
-              <a:ext cx="6097554" cy="369332"/>
+              <a:ext cx="2770414" cy="369332"/>
             </a:xfrm>
             <a:prstGeom prst="rect">
               <a:avLst/>
@@ -4406,7 +4407,7 @@
                   <a:ea typeface="微软雅黑" panose="020B0503020204020204" pitchFamily="34" charset="-122"/>
                   <a:hlinkClick r:id="rId8" action="ppaction://hlinksldjump"/>
                 </a:rPr>
-                <a:t>寺院法师</a:t>
+                <a:t>认证用户</a:t>
               </a:r>
               <a:endParaRPr lang="zh-CN" altLang="en-US"/>
             </a:p>
@@ -4473,10 +4474,10 @@
         </p:nvGrpSpPr>
         <p:grpSpPr>
           <a:xfrm>
-            <a:off x="1628272" y="5238274"/>
-            <a:ext cx="6485472" cy="369332"/>
+            <a:off x="6525228" y="2325528"/>
+            <a:ext cx="3158332" cy="369332"/>
             <a:chOff x="1628272" y="3360729"/>
-            <a:chExt cx="6485472" cy="369332"/>
+            <a:chExt cx="3158332" cy="369332"/>
           </a:xfrm>
         </p:grpSpPr>
         <p:sp>
@@ -4494,7 +4495,7 @@
           <p:spPr>
             <a:xfrm>
               <a:off x="2016190" y="3360729"/>
-              <a:ext cx="6097554" cy="369332"/>
+              <a:ext cx="2770414" cy="369332"/>
             </a:xfrm>
             <a:prstGeom prst="rect">
               <a:avLst/>
@@ -4583,10 +4584,10 @@
         </p:nvGrpSpPr>
         <p:grpSpPr>
           <a:xfrm>
-            <a:off x="1628272" y="5662780"/>
-            <a:ext cx="6485472" cy="369332"/>
+            <a:off x="6525228" y="1914122"/>
+            <a:ext cx="3158332" cy="369332"/>
             <a:chOff x="1628272" y="3689578"/>
-            <a:chExt cx="6485472" cy="369332"/>
+            <a:chExt cx="3438250" cy="369332"/>
           </a:xfrm>
         </p:grpSpPr>
         <p:sp>
@@ -4604,7 +4605,7 @@
           <p:spPr>
             <a:xfrm>
               <a:off x="2016190" y="3689578"/>
-              <a:ext cx="6097554" cy="369332"/>
+              <a:ext cx="3050332" cy="369332"/>
             </a:xfrm>
             <a:prstGeom prst="rect">
               <a:avLst/>
@@ -4693,10 +4694,10 @@
         </p:nvGrpSpPr>
         <p:grpSpPr>
           <a:xfrm>
-            <a:off x="1628272" y="6087289"/>
-            <a:ext cx="6485472" cy="369332"/>
+            <a:off x="6525228" y="2736935"/>
+            <a:ext cx="3158333" cy="369332"/>
             <a:chOff x="1628272" y="4095130"/>
-            <a:chExt cx="6485472" cy="369332"/>
+            <a:chExt cx="3346433" cy="369332"/>
           </a:xfrm>
         </p:grpSpPr>
         <p:sp>
@@ -4713,8 +4714,8 @@
           </p:nvSpPr>
           <p:spPr>
             <a:xfrm>
-              <a:off x="2016190" y="4095130"/>
-              <a:ext cx="6097554" cy="369332"/>
+              <a:off x="2016191" y="4095130"/>
+              <a:ext cx="2958514" cy="369332"/>
             </a:xfrm>
             <a:prstGeom prst="rect">
               <a:avLst/>
@@ -4757,6 +4758,116 @@
           <p:spPr>
             <a:xfrm>
               <a:off x="1628272" y="4171796"/>
+              <a:ext cx="216000" cy="216000"/>
+            </a:xfrm>
+            <a:prstGeom prst="diamond">
+              <a:avLst/>
+            </a:prstGeom>
+          </p:spPr>
+          <p:style>
+            <a:lnRef idx="2">
+              <a:schemeClr val="accent1">
+                <a:shade val="50000"/>
+              </a:schemeClr>
+            </a:lnRef>
+            <a:fillRef idx="1">
+              <a:schemeClr val="accent1"/>
+            </a:fillRef>
+            <a:effectRef idx="0">
+              <a:schemeClr val="accent1"/>
+            </a:effectRef>
+            <a:fontRef idx="minor">
+              <a:schemeClr val="lt1"/>
+            </a:fontRef>
+          </p:style>
+          <p:txBody>
+            <a:bodyPr rtlCol="0" anchor="ctr"/>
+            <a:lstStyle/>
+            <a:p>
+              <a:pPr algn="ctr"/>
+              <a:endParaRPr lang="zh-CN" altLang="en-US"/>
+            </a:p>
+          </p:txBody>
+        </p:sp>
+      </p:grpSp>
+      <p:grpSp>
+        <p:nvGrpSpPr>
+          <p:cNvPr id="41" name="组合 40">
+            <a:extLst>
+              <a:ext uri="{FF2B5EF4-FFF2-40B4-BE49-F238E27FC236}">
+                <a16:creationId xmlns:a16="http://schemas.microsoft.com/office/drawing/2014/main" id="{2F4A7AAD-E86F-403D-B255-32FCF2A6F50D}"/>
+              </a:ext>
+            </a:extLst>
+          </p:cNvPr>
+          <p:cNvGrpSpPr/>
+          <p:nvPr/>
+        </p:nvGrpSpPr>
+        <p:grpSpPr>
+          <a:xfrm>
+            <a:off x="6525228" y="1502716"/>
+            <a:ext cx="3158332" cy="369332"/>
+            <a:chOff x="1628272" y="3689578"/>
+            <a:chExt cx="3438250" cy="369332"/>
+          </a:xfrm>
+        </p:grpSpPr>
+        <p:sp>
+          <p:nvSpPr>
+            <p:cNvPr id="42" name="文本框 41">
+              <a:extLst>
+                <a:ext uri="{FF2B5EF4-FFF2-40B4-BE49-F238E27FC236}">
+                  <a16:creationId xmlns:a16="http://schemas.microsoft.com/office/drawing/2014/main" id="{A64C087D-973D-40C0-967A-E25F8AE4D457}"/>
+                </a:ext>
+              </a:extLst>
+            </p:cNvPr>
+            <p:cNvSpPr txBox="1"/>
+            <p:nvPr/>
+          </p:nvSpPr>
+          <p:spPr>
+            <a:xfrm>
+              <a:off x="2016190" y="3689578"/>
+              <a:ext cx="3050332" cy="369332"/>
+            </a:xfrm>
+            <a:prstGeom prst="rect">
+              <a:avLst/>
+            </a:prstGeom>
+            <a:noFill/>
+          </p:spPr>
+          <p:txBody>
+            <a:bodyPr wrap="square">
+              <a:spAutoFit/>
+            </a:bodyPr>
+            <a:lstStyle/>
+            <a:p>
+              <a:r>
+                <a:rPr lang="zh-CN" altLang="en-US" sz="1800" b="1">
+                  <a:latin typeface="Consolas" panose="020B0609020204030204" pitchFamily="49" charset="0"/>
+                  <a:ea typeface="微软雅黑" panose="020B0503020204020204" pitchFamily="34" charset="-122"/>
+                  <a:hlinkClick r:id="rId12" action="ppaction://hlinksldjump"/>
+                </a:rPr>
+                <a:t>申请成为认证用户</a:t>
+              </a:r>
+              <a:endParaRPr lang="zh-CN" altLang="en-US" sz="1800" b="1">
+                <a:latin typeface="Consolas" panose="020B0609020204030204" pitchFamily="49" charset="0"/>
+                <a:ea typeface="微软雅黑" panose="020B0503020204020204" pitchFamily="34" charset="-122"/>
+              </a:endParaRPr>
+            </a:p>
+          </p:txBody>
+        </p:sp>
+        <p:sp>
+          <p:nvSpPr>
+            <p:cNvPr id="43" name="菱形 42">
+              <a:extLst>
+                <a:ext uri="{FF2B5EF4-FFF2-40B4-BE49-F238E27FC236}">
+                  <a16:creationId xmlns:a16="http://schemas.microsoft.com/office/drawing/2014/main" id="{8B38EF08-45BF-4481-B035-36C188CEA245}"/>
+                </a:ext>
+              </a:extLst>
+            </p:cNvPr>
+            <p:cNvSpPr/>
+            <p:nvPr/>
+          </p:nvSpPr>
+          <p:spPr>
+            <a:xfrm>
+              <a:off x="1628272" y="3766244"/>
               <a:ext cx="216000" cy="216000"/>
             </a:xfrm>
             <a:prstGeom prst="diamond">
@@ -5938,7 +6049,7 @@
                 <a:latin typeface="微软雅黑" panose="020B0503020204020204" pitchFamily="34" charset="-122"/>
                 <a:ea typeface="微软雅黑" panose="020B0503020204020204" pitchFamily="34" charset="-122"/>
               </a:rPr>
-              <a:t>法师表</a:t>
+              <a:t>身份表</a:t>
             </a:r>
             <a:endParaRPr lang="en-US" altLang="zh-CN" sz="1600" b="1">
               <a:solidFill>
@@ -6229,7 +6340,7 @@
     </p:spTree>
     <p:extLst>
       <p:ext uri="{BB962C8B-B14F-4D97-AF65-F5344CB8AC3E}">
-        <p14:creationId xmlns:p14="http://schemas.microsoft.com/office/powerpoint/2010/main" val="2609802873"/>
+        <p14:creationId xmlns:p14="http://schemas.microsoft.com/office/powerpoint/2010/main" val="4079951574"/>
       </p:ext>
     </p:extLst>
   </p:cSld>
@@ -6270,8 +6381,8 @@
         </p:nvSpPr>
         <p:spPr>
           <a:xfrm>
-            <a:off x="3188824" y="1427340"/>
-            <a:ext cx="2232000" cy="648000"/>
+            <a:off x="3549980" y="1827254"/>
+            <a:ext cx="2016000" cy="648000"/>
           </a:xfrm>
           <a:prstGeom prst="roundRect">
             <a:avLst/>
@@ -6334,7 +6445,7 @@
                 <a:latin typeface="微软雅黑" panose="020B0503020204020204" pitchFamily="34" charset="-122"/>
                 <a:ea typeface="微软雅黑" panose="020B0503020204020204" pitchFamily="34" charset="-122"/>
               </a:rPr>
-              <a:t>apply_join_temple</a:t>
+              <a:t>apply_temple</a:t>
             </a:r>
             <a:endParaRPr lang="zh-CN" altLang="en-US" sz="1600" b="1">
               <a:solidFill>
@@ -6360,7 +6471,7 @@
         </p:nvSpPr>
         <p:spPr>
           <a:xfrm>
-            <a:off x="708410" y="1531176"/>
+            <a:off x="712379" y="1650966"/>
             <a:ext cx="1080000" cy="432000"/>
           </a:xfrm>
           <a:prstGeom prst="roundRect">
@@ -6404,17 +6515,17 @@
                 <a:latin typeface="微软雅黑" panose="020B0503020204020204" pitchFamily="34" charset="-122"/>
                 <a:ea typeface="微软雅黑" panose="020B0503020204020204" pitchFamily="34" charset="-122"/>
               </a:rPr>
-              <a:t>法师</a:t>
+              <a:t>单签账户</a:t>
             </a:r>
           </a:p>
         </p:txBody>
       </p:sp>
       <p:sp>
         <p:nvSpPr>
-          <p:cNvPr id="61" name="矩形: 圆角 60">
-            <a:extLst>
-              <a:ext uri="{FF2B5EF4-FFF2-40B4-BE49-F238E27FC236}">
-                <a16:creationId xmlns:a16="http://schemas.microsoft.com/office/drawing/2014/main" id="{E3777F73-EAAB-43DE-8A90-6B6D895B1B1F}"/>
+          <p:cNvPr id="51" name="矩形: 圆角 50">
+            <a:extLst>
+              <a:ext uri="{FF2B5EF4-FFF2-40B4-BE49-F238E27FC236}">
+                <a16:creationId xmlns:a16="http://schemas.microsoft.com/office/drawing/2014/main" id="{3362D236-1F3E-4777-B34E-3E36721FFCFC}"/>
               </a:ext>
             </a:extLst>
           </p:cNvPr>
@@ -6423,7 +6534,7 @@
         </p:nvSpPr>
         <p:spPr>
           <a:xfrm>
-            <a:off x="708410" y="2663380"/>
+            <a:off x="710743" y="2192218"/>
             <a:ext cx="1080000" cy="432000"/>
           </a:xfrm>
           <a:prstGeom prst="roundRect">
@@ -6467,7 +6578,70 @@
                 <a:latin typeface="微软雅黑" panose="020B0503020204020204" pitchFamily="34" charset="-122"/>
                 <a:ea typeface="微软雅黑" panose="020B0503020204020204" pitchFamily="34" charset="-122"/>
               </a:rPr>
-              <a:t>寺院</a:t>
+              <a:t>多签账户</a:t>
+            </a:r>
+          </a:p>
+        </p:txBody>
+      </p:sp>
+      <p:sp>
+        <p:nvSpPr>
+          <p:cNvPr id="61" name="矩形: 圆角 60">
+            <a:extLst>
+              <a:ext uri="{FF2B5EF4-FFF2-40B4-BE49-F238E27FC236}">
+                <a16:creationId xmlns:a16="http://schemas.microsoft.com/office/drawing/2014/main" id="{E3777F73-EAAB-43DE-8A90-6B6D895B1B1F}"/>
+              </a:ext>
+            </a:extLst>
+          </p:cNvPr>
+          <p:cNvSpPr/>
+          <p:nvPr/>
+        </p:nvSpPr>
+        <p:spPr>
+          <a:xfrm>
+            <a:off x="710743" y="3466510"/>
+            <a:ext cx="1080000" cy="432000"/>
+          </a:xfrm>
+          <a:prstGeom prst="roundRect">
+            <a:avLst/>
+          </a:prstGeom>
+          <a:solidFill>
+            <a:srgbClr val="00B0F0"/>
+          </a:solidFill>
+          <a:ln>
+            <a:solidFill>
+              <a:schemeClr val="tx1"/>
+            </a:solidFill>
+          </a:ln>
+        </p:spPr>
+        <p:style>
+          <a:lnRef idx="2">
+            <a:schemeClr val="accent1">
+              <a:shade val="50000"/>
+            </a:schemeClr>
+          </a:lnRef>
+          <a:fillRef idx="1">
+            <a:schemeClr val="accent1"/>
+          </a:fillRef>
+          <a:effectRef idx="0">
+            <a:schemeClr val="accent1"/>
+          </a:effectRef>
+          <a:fontRef idx="minor">
+            <a:schemeClr val="lt1"/>
+          </a:fontRef>
+        </p:style>
+        <p:txBody>
+          <a:bodyPr wrap="none" lIns="36000" tIns="36000" rIns="36000" bIns="36000" rtlCol="0" anchor="ctr" anchorCtr="0"/>
+          <a:lstStyle/>
+          <a:p>
+            <a:pPr algn="ctr"/>
+            <a:r>
+              <a:rPr lang="zh-CN" altLang="en-US" sz="1600" b="1">
+                <a:solidFill>
+                  <a:schemeClr val="tx1"/>
+                </a:solidFill>
+                <a:latin typeface="微软雅黑" panose="020B0503020204020204" pitchFamily="34" charset="-122"/>
+                <a:ea typeface="微软雅黑" panose="020B0503020204020204" pitchFamily="34" charset="-122"/>
+              </a:rPr>
+              <a:t>基金会会员</a:t>
             </a:r>
           </a:p>
         </p:txBody>
@@ -6486,8 +6660,8 @@
         </p:nvSpPr>
         <p:spPr>
           <a:xfrm>
-            <a:off x="3188824" y="2555380"/>
-            <a:ext cx="2232000" cy="648000"/>
+            <a:off x="3549980" y="3358510"/>
+            <a:ext cx="2016000" cy="648000"/>
           </a:xfrm>
           <a:prstGeom prst="roundRect">
             <a:avLst/>
@@ -6530,7 +6704,7 @@
                 <a:latin typeface="微软雅黑" panose="020B0503020204020204" pitchFamily="34" charset="-122"/>
                 <a:ea typeface="微软雅黑" panose="020B0503020204020204" pitchFamily="34" charset="-122"/>
               </a:rPr>
-              <a:t>查找申请</a:t>
+              <a:t>查看申请者</a:t>
             </a:r>
             <a:endParaRPr lang="en-US" altLang="zh-CN" sz="1600" b="1">
               <a:solidFill>
@@ -6550,7 +6724,7 @@
                 <a:latin typeface="微软雅黑" panose="020B0503020204020204" pitchFamily="34" charset="-122"/>
                 <a:ea typeface="微软雅黑" panose="020B0503020204020204" pitchFamily="34" charset="-122"/>
               </a:rPr>
-              <a:t>list_temple_master</a:t>
+              <a:t>list_temple</a:t>
             </a:r>
             <a:endParaRPr lang="zh-CN" altLang="en-US" sz="1600" b="1">
               <a:solidFill>
@@ -6573,15 +6747,15 @@
           </p:cNvPr>
           <p:cNvCxnSpPr>
             <a:cxnSpLocks/>
-            <a:stCxn id="62" idx="3"/>
+            <a:stCxn id="53" idx="3"/>
             <a:endCxn id="36" idx="1"/>
           </p:cNvCxnSpPr>
           <p:nvPr/>
         </p:nvCxnSpPr>
         <p:spPr>
           <a:xfrm>
-            <a:off x="5420824" y="4011584"/>
-            <a:ext cx="1396602" cy="295"/>
+            <a:off x="5565980" y="2151254"/>
+            <a:ext cx="1888230" cy="0"/>
           </a:xfrm>
           <a:prstGeom prst="straightConnector1">
             <a:avLst/>
@@ -6619,15 +6793,15 @@
           </p:cNvPr>
           <p:cNvCxnSpPr>
             <a:cxnSpLocks/>
-            <a:stCxn id="53" idx="3"/>
-            <a:endCxn id="34" idx="1"/>
+            <a:stCxn id="49" idx="3"/>
+            <a:endCxn id="52" idx="1"/>
           </p:cNvCxnSpPr>
           <p:nvPr/>
         </p:nvCxnSpPr>
         <p:spPr>
-          <a:xfrm flipV="1">
-            <a:off x="5420824" y="1747176"/>
-            <a:ext cx="1400414" cy="4164"/>
+          <a:xfrm>
+            <a:off x="5565980" y="4853241"/>
+            <a:ext cx="1888230" cy="0"/>
           </a:xfrm>
           <a:prstGeom prst="straightConnector1">
             <a:avLst/>
@@ -6656,10 +6830,10 @@
       </p:cxnSp>
       <p:sp>
         <p:nvSpPr>
-          <p:cNvPr id="89" name="矩形: 圆角 88">
-            <a:extLst>
-              <a:ext uri="{FF2B5EF4-FFF2-40B4-BE49-F238E27FC236}">
-                <a16:creationId xmlns:a16="http://schemas.microsoft.com/office/drawing/2014/main" id="{BCB76878-D819-48AC-AEB8-9F028A450BD7}"/>
+          <p:cNvPr id="47" name="矩形: 圆角 46">
+            <a:extLst>
+              <a:ext uri="{FF2B5EF4-FFF2-40B4-BE49-F238E27FC236}">
+                <a16:creationId xmlns:a16="http://schemas.microsoft.com/office/drawing/2014/main" id="{A2832FAA-26D6-45C7-81D2-52D1B13FC30D}"/>
               </a:ext>
             </a:extLst>
           </p:cNvPr>
@@ -6668,7 +6842,7 @@
         </p:nvSpPr>
         <p:spPr>
           <a:xfrm>
-            <a:off x="708410" y="4931417"/>
+            <a:off x="710743" y="4637241"/>
             <a:ext cx="1080000" cy="432000"/>
           </a:xfrm>
           <a:prstGeom prst="roundRect">
@@ -6712,17 +6886,17 @@
                 <a:latin typeface="微软雅黑" panose="020B0503020204020204" pitchFamily="34" charset="-122"/>
                 <a:ea typeface="微软雅黑" panose="020B0503020204020204" pitchFamily="34" charset="-122"/>
               </a:rPr>
-              <a:t>申请者</a:t>
+              <a:t>基金会会员</a:t>
             </a:r>
           </a:p>
         </p:txBody>
       </p:sp>
       <p:sp>
         <p:nvSpPr>
-          <p:cNvPr id="106" name="矩形: 圆角 105">
-            <a:extLst>
-              <a:ext uri="{FF2B5EF4-FFF2-40B4-BE49-F238E27FC236}">
-                <a16:creationId xmlns:a16="http://schemas.microsoft.com/office/drawing/2014/main" id="{23A35783-45F3-492D-B983-D833D276F213}"/>
+          <p:cNvPr id="49" name="矩形: 圆角 48">
+            <a:extLst>
+              <a:ext uri="{FF2B5EF4-FFF2-40B4-BE49-F238E27FC236}">
+                <a16:creationId xmlns:a16="http://schemas.microsoft.com/office/drawing/2014/main" id="{9318B74D-0975-4412-852D-C0122D209E75}"/>
               </a:ext>
             </a:extLst>
           </p:cNvPr>
@@ -6731,8 +6905,8 @@
         </p:nvSpPr>
         <p:spPr>
           <a:xfrm>
-            <a:off x="3188824" y="4823417"/>
-            <a:ext cx="2232000" cy="648000"/>
+            <a:off x="3549980" y="4529241"/>
+            <a:ext cx="2016000" cy="648000"/>
           </a:xfrm>
           <a:prstGeom prst="roundRect">
             <a:avLst/>
@@ -6775,7 +6949,7 @@
                 <a:latin typeface="微软雅黑" panose="020B0503020204020204" pitchFamily="34" charset="-122"/>
                 <a:ea typeface="微软雅黑" panose="020B0503020204020204" pitchFamily="34" charset="-122"/>
               </a:rPr>
-              <a:t>判断身份</a:t>
+              <a:t>批准</a:t>
             </a:r>
             <a:endParaRPr lang="en-US" altLang="zh-CN" sz="1600" b="1">
               <a:solidFill>
@@ -6795,7 +6969,160 @@
                 <a:latin typeface="微软雅黑" panose="020B0503020204020204" pitchFamily="34" charset="-122"/>
                 <a:ea typeface="微软雅黑" panose="020B0503020204020204" pitchFamily="34" charset="-122"/>
               </a:rPr>
-              <a:t>is_in_temple</a:t>
+              <a:t>approve_temple</a:t>
+            </a:r>
+            <a:endParaRPr lang="zh-CN" altLang="en-US" sz="1600" b="1">
+              <a:solidFill>
+                <a:schemeClr val="tx1"/>
+              </a:solidFill>
+              <a:latin typeface="微软雅黑" panose="020B0503020204020204" pitchFamily="34" charset="-122"/>
+              <a:ea typeface="微软雅黑" panose="020B0503020204020204" pitchFamily="34" charset="-122"/>
+            </a:endParaRPr>
+          </a:p>
+        </p:txBody>
+      </p:sp>
+      <p:sp>
+        <p:nvSpPr>
+          <p:cNvPr id="89" name="矩形: 圆角 88">
+            <a:extLst>
+              <a:ext uri="{FF2B5EF4-FFF2-40B4-BE49-F238E27FC236}">
+                <a16:creationId xmlns:a16="http://schemas.microsoft.com/office/drawing/2014/main" id="{BCB76878-D819-48AC-AEB8-9F028A450BD7}"/>
+              </a:ext>
+            </a:extLst>
+          </p:cNvPr>
+          <p:cNvSpPr/>
+          <p:nvPr/>
+        </p:nvSpPr>
+        <p:spPr>
+          <a:xfrm>
+            <a:off x="710743" y="6014355"/>
+            <a:ext cx="1080000" cy="432000"/>
+          </a:xfrm>
+          <a:prstGeom prst="roundRect">
+            <a:avLst/>
+          </a:prstGeom>
+          <a:solidFill>
+            <a:srgbClr val="00B0F0"/>
+          </a:solidFill>
+          <a:ln>
+            <a:solidFill>
+              <a:schemeClr val="tx1"/>
+            </a:solidFill>
+          </a:ln>
+        </p:spPr>
+        <p:style>
+          <a:lnRef idx="2">
+            <a:schemeClr val="accent1">
+              <a:shade val="50000"/>
+            </a:schemeClr>
+          </a:lnRef>
+          <a:fillRef idx="1">
+            <a:schemeClr val="accent1"/>
+          </a:fillRef>
+          <a:effectRef idx="0">
+            <a:schemeClr val="accent1"/>
+          </a:effectRef>
+          <a:fontRef idx="minor">
+            <a:schemeClr val="lt1"/>
+          </a:fontRef>
+        </p:style>
+        <p:txBody>
+          <a:bodyPr wrap="none" lIns="36000" tIns="36000" rIns="36000" bIns="36000" rtlCol="0" anchor="ctr" anchorCtr="0"/>
+          <a:lstStyle/>
+          <a:p>
+            <a:pPr algn="ctr"/>
+            <a:r>
+              <a:rPr lang="zh-CN" altLang="en-US" sz="1600" b="1">
+                <a:solidFill>
+                  <a:schemeClr val="tx1"/>
+                </a:solidFill>
+                <a:latin typeface="微软雅黑" panose="020B0503020204020204" pitchFamily="34" charset="-122"/>
+                <a:ea typeface="微软雅黑" panose="020B0503020204020204" pitchFamily="34" charset="-122"/>
+              </a:rPr>
+              <a:t>申请者</a:t>
+            </a:r>
+          </a:p>
+        </p:txBody>
+      </p:sp>
+      <p:sp>
+        <p:nvSpPr>
+          <p:cNvPr id="106" name="矩形: 圆角 105">
+            <a:extLst>
+              <a:ext uri="{FF2B5EF4-FFF2-40B4-BE49-F238E27FC236}">
+                <a16:creationId xmlns:a16="http://schemas.microsoft.com/office/drawing/2014/main" id="{23A35783-45F3-492D-B983-D833D276F213}"/>
+              </a:ext>
+            </a:extLst>
+          </p:cNvPr>
+          <p:cNvSpPr/>
+          <p:nvPr/>
+        </p:nvSpPr>
+        <p:spPr>
+          <a:xfrm>
+            <a:off x="3549980" y="5906355"/>
+            <a:ext cx="2016000" cy="648000"/>
+          </a:xfrm>
+          <a:prstGeom prst="roundRect">
+            <a:avLst/>
+          </a:prstGeom>
+          <a:solidFill>
+            <a:srgbClr val="00B050"/>
+          </a:solidFill>
+          <a:ln>
+            <a:solidFill>
+              <a:schemeClr val="tx1"/>
+            </a:solidFill>
+          </a:ln>
+        </p:spPr>
+        <p:style>
+          <a:lnRef idx="2">
+            <a:schemeClr val="accent1">
+              <a:shade val="50000"/>
+            </a:schemeClr>
+          </a:lnRef>
+          <a:fillRef idx="1">
+            <a:schemeClr val="accent1"/>
+          </a:fillRef>
+          <a:effectRef idx="0">
+            <a:schemeClr val="accent1"/>
+          </a:effectRef>
+          <a:fontRef idx="minor">
+            <a:schemeClr val="lt1"/>
+          </a:fontRef>
+        </p:style>
+        <p:txBody>
+          <a:bodyPr wrap="none" lIns="36000" tIns="36000" rIns="36000" bIns="36000" rtlCol="0" anchor="ctr" anchorCtr="0"/>
+          <a:lstStyle/>
+          <a:p>
+            <a:pPr algn="ctr"/>
+            <a:r>
+              <a:rPr lang="zh-CN" altLang="en-US" sz="1600" b="1">
+                <a:solidFill>
+                  <a:schemeClr val="tx1"/>
+                </a:solidFill>
+                <a:latin typeface="微软雅黑" panose="020B0503020204020204" pitchFamily="34" charset="-122"/>
+                <a:ea typeface="微软雅黑" panose="020B0503020204020204" pitchFamily="34" charset="-122"/>
+              </a:rPr>
+              <a:t>判断身份</a:t>
+            </a:r>
+            <a:endParaRPr lang="en-US" altLang="zh-CN" sz="1600" b="1">
+              <a:solidFill>
+                <a:schemeClr val="tx1"/>
+              </a:solidFill>
+              <a:latin typeface="微软雅黑" panose="020B0503020204020204" pitchFamily="34" charset="-122"/>
+              <a:ea typeface="微软雅黑" panose="020B0503020204020204" pitchFamily="34" charset="-122"/>
+            </a:endParaRPr>
+          </a:p>
+          <a:p>
+            <a:pPr algn="ctr"/>
+            <a:r>
+              <a:rPr lang="en-US" altLang="zh-CN" sz="1600" b="1">
+                <a:solidFill>
+                  <a:schemeClr val="tx1"/>
+                </a:solidFill>
+                <a:latin typeface="微软雅黑" panose="020B0503020204020204" pitchFamily="34" charset="-122"/>
+                <a:ea typeface="微软雅黑" panose="020B0503020204020204" pitchFamily="34" charset="-122"/>
+              </a:rPr>
+              <a:t>is_temple</a:t>
             </a:r>
             <a:endParaRPr lang="zh-CN" altLang="en-US" sz="1600" b="1">
               <a:solidFill>
@@ -6941,17 +7268,109 @@
                 <a:latin typeface="Consolas" panose="020B0609020204030204" pitchFamily="49" charset="0"/>
                 <a:ea typeface="微软雅黑" panose="020B0503020204020204" pitchFamily="34" charset="-122"/>
               </a:rPr>
-              <a:t>法师加入寺院</a:t>
+              <a:t>申请成为寺院</a:t>
             </a:r>
           </a:p>
         </p:txBody>
       </p:sp>
+      <p:cxnSp>
+        <p:nvCxnSpPr>
+          <p:cNvPr id="30" name="直接箭头连接符 29">
+            <a:extLst>
+              <a:ext uri="{FF2B5EF4-FFF2-40B4-BE49-F238E27FC236}">
+                <a16:creationId xmlns:a16="http://schemas.microsoft.com/office/drawing/2014/main" id="{6D35BD7F-9341-4FAD-AA79-42D947CB3E9F}"/>
+              </a:ext>
+            </a:extLst>
+          </p:cNvPr>
+          <p:cNvCxnSpPr>
+            <a:cxnSpLocks/>
+            <a:stCxn id="48" idx="3"/>
+            <a:endCxn id="53" idx="1"/>
+          </p:cNvCxnSpPr>
+          <p:nvPr/>
+        </p:nvCxnSpPr>
+        <p:spPr>
+          <a:xfrm>
+            <a:off x="1792379" y="1866966"/>
+            <a:ext cx="1757601" cy="284288"/>
+          </a:xfrm>
+          <a:prstGeom prst="straightConnector1">
+            <a:avLst/>
+          </a:prstGeom>
+          <a:ln w="31750">
+            <a:solidFill>
+              <a:schemeClr val="tx1"/>
+            </a:solidFill>
+            <a:tailEnd type="triangle"/>
+          </a:ln>
+        </p:spPr>
+        <p:style>
+          <a:lnRef idx="1">
+            <a:schemeClr val="accent1"/>
+          </a:lnRef>
+          <a:fillRef idx="0">
+            <a:schemeClr val="accent1"/>
+          </a:fillRef>
+          <a:effectRef idx="0">
+            <a:schemeClr val="accent1"/>
+          </a:effectRef>
+          <a:fontRef idx="minor">
+            <a:schemeClr val="tx1"/>
+          </a:fontRef>
+        </p:style>
+      </p:cxnSp>
+      <p:cxnSp>
+        <p:nvCxnSpPr>
+          <p:cNvPr id="33" name="直接箭头连接符 32">
+            <a:extLst>
+              <a:ext uri="{FF2B5EF4-FFF2-40B4-BE49-F238E27FC236}">
+                <a16:creationId xmlns:a16="http://schemas.microsoft.com/office/drawing/2014/main" id="{BAE5EA08-CCCD-448F-80E7-B1522490F990}"/>
+              </a:ext>
+            </a:extLst>
+          </p:cNvPr>
+          <p:cNvCxnSpPr>
+            <a:cxnSpLocks/>
+            <a:stCxn id="51" idx="3"/>
+            <a:endCxn id="53" idx="1"/>
+          </p:cNvCxnSpPr>
+          <p:nvPr/>
+        </p:nvCxnSpPr>
+        <p:spPr>
+          <a:xfrm flipV="1">
+            <a:off x="1790743" y="2151254"/>
+            <a:ext cx="1759237" cy="256964"/>
+          </a:xfrm>
+          <a:prstGeom prst="straightConnector1">
+            <a:avLst/>
+          </a:prstGeom>
+          <a:ln w="31750">
+            <a:solidFill>
+              <a:schemeClr val="tx1"/>
+            </a:solidFill>
+            <a:tailEnd type="triangle"/>
+          </a:ln>
+        </p:spPr>
+        <p:style>
+          <a:lnRef idx="1">
+            <a:schemeClr val="accent1"/>
+          </a:lnRef>
+          <a:fillRef idx="0">
+            <a:schemeClr val="accent1"/>
+          </a:fillRef>
+          <a:effectRef idx="0">
+            <a:schemeClr val="accent1"/>
+          </a:effectRef>
+          <a:fontRef idx="minor">
+            <a:schemeClr val="tx1"/>
+          </a:fontRef>
+        </p:style>
+      </p:cxnSp>
       <p:sp>
         <p:nvSpPr>
-          <p:cNvPr id="60" name="矩形: 圆角 59">
-            <a:extLst>
-              <a:ext uri="{FF2B5EF4-FFF2-40B4-BE49-F238E27FC236}">
-                <a16:creationId xmlns:a16="http://schemas.microsoft.com/office/drawing/2014/main" id="{80649730-F31C-4650-9EB6-FA2C04FAE2CD}"/>
+          <p:cNvPr id="36" name="矩形: 圆角 35">
+            <a:extLst>
+              <a:ext uri="{FF2B5EF4-FFF2-40B4-BE49-F238E27FC236}">
+                <a16:creationId xmlns:a16="http://schemas.microsoft.com/office/drawing/2014/main" id="{75A7AA2D-75C0-464C-8D06-4B60815D81C4}"/>
               </a:ext>
             </a:extLst>
           </p:cNvPr>
@@ -6960,160 +7379,7 @@
         </p:nvSpPr>
         <p:spPr>
           <a:xfrm>
-            <a:off x="708410" y="3795584"/>
-            <a:ext cx="1080000" cy="432000"/>
-          </a:xfrm>
-          <a:prstGeom prst="roundRect">
-            <a:avLst/>
-          </a:prstGeom>
-          <a:solidFill>
-            <a:srgbClr val="00B0F0"/>
-          </a:solidFill>
-          <a:ln>
-            <a:solidFill>
-              <a:schemeClr val="tx1"/>
-            </a:solidFill>
-          </a:ln>
-        </p:spPr>
-        <p:style>
-          <a:lnRef idx="2">
-            <a:schemeClr val="accent1">
-              <a:shade val="50000"/>
-            </a:schemeClr>
-          </a:lnRef>
-          <a:fillRef idx="1">
-            <a:schemeClr val="accent1"/>
-          </a:fillRef>
-          <a:effectRef idx="0">
-            <a:schemeClr val="accent1"/>
-          </a:effectRef>
-          <a:fontRef idx="minor">
-            <a:schemeClr val="lt1"/>
-          </a:fontRef>
-        </p:style>
-        <p:txBody>
-          <a:bodyPr wrap="none" lIns="36000" tIns="36000" rIns="36000" bIns="36000" rtlCol="0" anchor="ctr" anchorCtr="0"/>
-          <a:lstStyle/>
-          <a:p>
-            <a:pPr algn="ctr"/>
-            <a:r>
-              <a:rPr lang="zh-CN" altLang="en-US" sz="1600" b="1">
-                <a:solidFill>
-                  <a:schemeClr val="tx1"/>
-                </a:solidFill>
-                <a:latin typeface="微软雅黑" panose="020B0503020204020204" pitchFamily="34" charset="-122"/>
-                <a:ea typeface="微软雅黑" panose="020B0503020204020204" pitchFamily="34" charset="-122"/>
-              </a:rPr>
-              <a:t>寺院</a:t>
-            </a:r>
-          </a:p>
-        </p:txBody>
-      </p:sp>
-      <p:sp>
-        <p:nvSpPr>
-          <p:cNvPr id="62" name="矩形: 圆角 61">
-            <a:extLst>
-              <a:ext uri="{FF2B5EF4-FFF2-40B4-BE49-F238E27FC236}">
-                <a16:creationId xmlns:a16="http://schemas.microsoft.com/office/drawing/2014/main" id="{63142F85-844B-455C-ADC6-DC9FB6E80EC5}"/>
-              </a:ext>
-            </a:extLst>
-          </p:cNvPr>
-          <p:cNvSpPr/>
-          <p:nvPr/>
-        </p:nvSpPr>
-        <p:spPr>
-          <a:xfrm>
-            <a:off x="3188824" y="3687584"/>
-            <a:ext cx="2232000" cy="648000"/>
-          </a:xfrm>
-          <a:prstGeom prst="roundRect">
-            <a:avLst/>
-          </a:prstGeom>
-          <a:solidFill>
-            <a:srgbClr val="00B050"/>
-          </a:solidFill>
-          <a:ln>
-            <a:solidFill>
-              <a:schemeClr val="tx1"/>
-            </a:solidFill>
-          </a:ln>
-        </p:spPr>
-        <p:style>
-          <a:lnRef idx="2">
-            <a:schemeClr val="accent1">
-              <a:shade val="50000"/>
-            </a:schemeClr>
-          </a:lnRef>
-          <a:fillRef idx="1">
-            <a:schemeClr val="accent1"/>
-          </a:fillRef>
-          <a:effectRef idx="0">
-            <a:schemeClr val="accent1"/>
-          </a:effectRef>
-          <a:fontRef idx="minor">
-            <a:schemeClr val="lt1"/>
-          </a:fontRef>
-        </p:style>
-        <p:txBody>
-          <a:bodyPr wrap="none" lIns="36000" tIns="36000" rIns="36000" bIns="36000" rtlCol="0" anchor="ctr" anchorCtr="0"/>
-          <a:lstStyle/>
-          <a:p>
-            <a:pPr algn="ctr"/>
-            <a:r>
-              <a:rPr lang="zh-CN" altLang="en-US" sz="1600" b="1">
-                <a:solidFill>
-                  <a:schemeClr val="tx1"/>
-                </a:solidFill>
-                <a:latin typeface="微软雅黑" panose="020B0503020204020204" pitchFamily="34" charset="-122"/>
-                <a:ea typeface="微软雅黑" panose="020B0503020204020204" pitchFamily="34" charset="-122"/>
-              </a:rPr>
-              <a:t>批准</a:t>
-            </a:r>
-            <a:endParaRPr lang="en-US" altLang="zh-CN" sz="1600" b="1">
-              <a:solidFill>
-                <a:schemeClr val="tx1"/>
-              </a:solidFill>
-              <a:latin typeface="微软雅黑" panose="020B0503020204020204" pitchFamily="34" charset="-122"/>
-              <a:ea typeface="微软雅黑" panose="020B0503020204020204" pitchFamily="34" charset="-122"/>
-            </a:endParaRPr>
-          </a:p>
-          <a:p>
-            <a:pPr algn="ctr"/>
-            <a:r>
-              <a:rPr lang="en-US" altLang="zh-CN" sz="1600" b="1">
-                <a:solidFill>
-                  <a:schemeClr val="tx1"/>
-                </a:solidFill>
-                <a:latin typeface="微软雅黑" panose="020B0503020204020204" pitchFamily="34" charset="-122"/>
-                <a:ea typeface="微软雅黑" panose="020B0503020204020204" pitchFamily="34" charset="-122"/>
-              </a:rPr>
-              <a:t>approve_join_temple</a:t>
-            </a:r>
-            <a:endParaRPr lang="zh-CN" altLang="en-US" sz="1600" b="1">
-              <a:solidFill>
-                <a:schemeClr val="tx1"/>
-              </a:solidFill>
-              <a:latin typeface="微软雅黑" panose="020B0503020204020204" pitchFamily="34" charset="-122"/>
-              <a:ea typeface="微软雅黑" panose="020B0503020204020204" pitchFamily="34" charset="-122"/>
-            </a:endParaRPr>
-          </a:p>
-        </p:txBody>
-      </p:sp>
-      <p:sp>
-        <p:nvSpPr>
-          <p:cNvPr id="34" name="矩形: 圆角 33">
-            <a:extLst>
-              <a:ext uri="{FF2B5EF4-FFF2-40B4-BE49-F238E27FC236}">
-                <a16:creationId xmlns:a16="http://schemas.microsoft.com/office/drawing/2014/main" id="{61414349-4A2C-4DF5-B7E6-B02890C28DD8}"/>
-              </a:ext>
-            </a:extLst>
-          </p:cNvPr>
-          <p:cNvSpPr/>
-          <p:nvPr/>
-        </p:nvSpPr>
-        <p:spPr>
-          <a:xfrm>
-            <a:off x="6821238" y="1531176"/>
+            <a:off x="7454210" y="1935254"/>
             <a:ext cx="1728000" cy="432000"/>
           </a:xfrm>
           <a:prstGeom prst="roundRect">
@@ -7159,7 +7425,7 @@
                 <a:latin typeface="微软雅黑" panose="020B0503020204020204" pitchFamily="34" charset="-122"/>
                 <a:ea typeface="微软雅黑" panose="020B0503020204020204" pitchFamily="34" charset="-122"/>
               </a:rPr>
-              <a:t>寺院法师表</a:t>
+              <a:t>寺院表</a:t>
             </a:r>
             <a:endParaRPr lang="en-US" altLang="zh-CN" sz="1600" b="1">
               <a:solidFill>
@@ -7171,12 +7437,150 @@
           </a:p>
         </p:txBody>
       </p:sp>
+      <p:cxnSp>
+        <p:nvCxnSpPr>
+          <p:cNvPr id="39" name="直接箭头连接符 38">
+            <a:extLst>
+              <a:ext uri="{FF2B5EF4-FFF2-40B4-BE49-F238E27FC236}">
+                <a16:creationId xmlns:a16="http://schemas.microsoft.com/office/drawing/2014/main" id="{7C11B197-AA20-4AEC-9767-6C6D6C20E3EE}"/>
+              </a:ext>
+            </a:extLst>
+          </p:cNvPr>
+          <p:cNvCxnSpPr>
+            <a:cxnSpLocks/>
+            <a:stCxn id="61" idx="3"/>
+            <a:endCxn id="101" idx="1"/>
+          </p:cNvCxnSpPr>
+          <p:nvPr/>
+        </p:nvCxnSpPr>
+        <p:spPr>
+          <a:xfrm>
+            <a:off x="1790743" y="3682510"/>
+            <a:ext cx="1759237" cy="0"/>
+          </a:xfrm>
+          <a:prstGeom prst="straightConnector1">
+            <a:avLst/>
+          </a:prstGeom>
+          <a:ln w="31750">
+            <a:solidFill>
+              <a:schemeClr val="tx1"/>
+            </a:solidFill>
+            <a:tailEnd type="triangle"/>
+          </a:ln>
+        </p:spPr>
+        <p:style>
+          <a:lnRef idx="1">
+            <a:schemeClr val="accent1"/>
+          </a:lnRef>
+          <a:fillRef idx="0">
+            <a:schemeClr val="accent1"/>
+          </a:fillRef>
+          <a:effectRef idx="0">
+            <a:schemeClr val="accent1"/>
+          </a:effectRef>
+          <a:fontRef idx="minor">
+            <a:schemeClr val="tx1"/>
+          </a:fontRef>
+        </p:style>
+      </p:cxnSp>
+      <p:cxnSp>
+        <p:nvCxnSpPr>
+          <p:cNvPr id="42" name="直接箭头连接符 41">
+            <a:extLst>
+              <a:ext uri="{FF2B5EF4-FFF2-40B4-BE49-F238E27FC236}">
+                <a16:creationId xmlns:a16="http://schemas.microsoft.com/office/drawing/2014/main" id="{50A0194E-75A8-4602-A77E-12AF60A97D8E}"/>
+              </a:ext>
+            </a:extLst>
+          </p:cNvPr>
+          <p:cNvCxnSpPr>
+            <a:cxnSpLocks/>
+            <a:stCxn id="47" idx="3"/>
+            <a:endCxn id="49" idx="1"/>
+          </p:cNvCxnSpPr>
+          <p:nvPr/>
+        </p:nvCxnSpPr>
+        <p:spPr>
+          <a:xfrm>
+            <a:off x="1790743" y="4853241"/>
+            <a:ext cx="1759237" cy="0"/>
+          </a:xfrm>
+          <a:prstGeom prst="straightConnector1">
+            <a:avLst/>
+          </a:prstGeom>
+          <a:ln w="31750">
+            <a:solidFill>
+              <a:schemeClr val="tx1"/>
+            </a:solidFill>
+            <a:tailEnd type="triangle"/>
+          </a:ln>
+        </p:spPr>
+        <p:style>
+          <a:lnRef idx="1">
+            <a:schemeClr val="accent1"/>
+          </a:lnRef>
+          <a:fillRef idx="0">
+            <a:schemeClr val="accent1"/>
+          </a:fillRef>
+          <a:effectRef idx="0">
+            <a:schemeClr val="accent1"/>
+          </a:effectRef>
+          <a:fontRef idx="minor">
+            <a:schemeClr val="tx1"/>
+          </a:fontRef>
+        </p:style>
+      </p:cxnSp>
+      <p:cxnSp>
+        <p:nvCxnSpPr>
+          <p:cNvPr id="45" name="直接箭头连接符 44">
+            <a:extLst>
+              <a:ext uri="{FF2B5EF4-FFF2-40B4-BE49-F238E27FC236}">
+                <a16:creationId xmlns:a16="http://schemas.microsoft.com/office/drawing/2014/main" id="{2BAF5D67-B7D9-452A-9220-72C5BE5702FB}"/>
+              </a:ext>
+            </a:extLst>
+          </p:cNvPr>
+          <p:cNvCxnSpPr>
+            <a:cxnSpLocks/>
+            <a:stCxn id="89" idx="3"/>
+            <a:endCxn id="106" idx="1"/>
+          </p:cNvCxnSpPr>
+          <p:nvPr/>
+        </p:nvCxnSpPr>
+        <p:spPr>
+          <a:xfrm>
+            <a:off x="1790743" y="6230355"/>
+            <a:ext cx="1759237" cy="0"/>
+          </a:xfrm>
+          <a:prstGeom prst="straightConnector1">
+            <a:avLst/>
+          </a:prstGeom>
+          <a:ln w="31750">
+            <a:solidFill>
+              <a:schemeClr val="tx1"/>
+            </a:solidFill>
+            <a:tailEnd type="triangle"/>
+          </a:ln>
+        </p:spPr>
+        <p:style>
+          <a:lnRef idx="1">
+            <a:schemeClr val="accent1"/>
+          </a:lnRef>
+          <a:fillRef idx="0">
+            <a:schemeClr val="accent1"/>
+          </a:fillRef>
+          <a:effectRef idx="0">
+            <a:schemeClr val="accent1"/>
+          </a:effectRef>
+          <a:fontRef idx="minor">
+            <a:schemeClr val="tx1"/>
+          </a:fontRef>
+        </p:style>
+      </p:cxnSp>
       <p:sp>
         <p:nvSpPr>
-          <p:cNvPr id="35" name="矩形: 圆角 34">
-            <a:extLst>
-              <a:ext uri="{FF2B5EF4-FFF2-40B4-BE49-F238E27FC236}">
-                <a16:creationId xmlns:a16="http://schemas.microsoft.com/office/drawing/2014/main" id="{00B9B42D-DD55-4D05-B27F-ED1B55B21E25}"/>
+          <p:cNvPr id="50" name="矩形: 圆角 49">
+            <a:extLst>
+              <a:ext uri="{FF2B5EF4-FFF2-40B4-BE49-F238E27FC236}">
+                <a16:creationId xmlns:a16="http://schemas.microsoft.com/office/drawing/2014/main" id="{B820FC32-532B-4C2E-BF5E-DCE5F9481DF6}"/>
               </a:ext>
             </a:extLst>
           </p:cNvPr>
@@ -7185,7 +7589,7 @@
         </p:nvSpPr>
         <p:spPr>
           <a:xfrm>
-            <a:off x="6817426" y="2669943"/>
+            <a:off x="7454210" y="3466510"/>
             <a:ext cx="1728000" cy="432000"/>
           </a:xfrm>
           <a:prstGeom prst="roundRect">
@@ -7231,7 +7635,7 @@
                 <a:latin typeface="微软雅黑" panose="020B0503020204020204" pitchFamily="34" charset="-122"/>
                 <a:ea typeface="微软雅黑" panose="020B0503020204020204" pitchFamily="34" charset="-122"/>
               </a:rPr>
-              <a:t>寺院法师表</a:t>
+              <a:t>寺院表</a:t>
             </a:r>
             <a:endParaRPr lang="en-US" altLang="zh-CN" sz="1600" b="1">
               <a:solidFill>
@@ -7245,10 +7649,10 @@
       </p:sp>
       <p:sp>
         <p:nvSpPr>
-          <p:cNvPr id="36" name="矩形: 圆角 35">
-            <a:extLst>
-              <a:ext uri="{FF2B5EF4-FFF2-40B4-BE49-F238E27FC236}">
-                <a16:creationId xmlns:a16="http://schemas.microsoft.com/office/drawing/2014/main" id="{B20C13A2-1747-4E78-BBD1-54C7D969EDCF}"/>
+          <p:cNvPr id="52" name="矩形: 圆角 51">
+            <a:extLst>
+              <a:ext uri="{FF2B5EF4-FFF2-40B4-BE49-F238E27FC236}">
+                <a16:creationId xmlns:a16="http://schemas.microsoft.com/office/drawing/2014/main" id="{09B1FE03-E64E-4975-AADD-F71CB563007F}"/>
               </a:ext>
             </a:extLst>
           </p:cNvPr>
@@ -7257,7 +7661,7 @@
         </p:nvSpPr>
         <p:spPr>
           <a:xfrm>
-            <a:off x="6817426" y="3795879"/>
+            <a:off x="7454210" y="4637241"/>
             <a:ext cx="1728000" cy="432000"/>
           </a:xfrm>
           <a:prstGeom prst="roundRect">
@@ -7303,7 +7707,7 @@
                 <a:latin typeface="微软雅黑" panose="020B0503020204020204" pitchFamily="34" charset="-122"/>
                 <a:ea typeface="微软雅黑" panose="020B0503020204020204" pitchFamily="34" charset="-122"/>
               </a:rPr>
-              <a:t>寺院法师表</a:t>
+              <a:t>寺院表</a:t>
             </a:r>
             <a:endParaRPr lang="en-US" altLang="zh-CN" sz="1600" b="1">
               <a:solidFill>
@@ -7317,10 +7721,10 @@
       </p:sp>
       <p:sp>
         <p:nvSpPr>
-          <p:cNvPr id="37" name="矩形: 圆角 36">
-            <a:extLst>
-              <a:ext uri="{FF2B5EF4-FFF2-40B4-BE49-F238E27FC236}">
-                <a16:creationId xmlns:a16="http://schemas.microsoft.com/office/drawing/2014/main" id="{0A760762-05F3-4F6D-9E83-4C7C882AC2ED}"/>
+          <p:cNvPr id="54" name="矩形: 圆角 53">
+            <a:extLst>
+              <a:ext uri="{FF2B5EF4-FFF2-40B4-BE49-F238E27FC236}">
+                <a16:creationId xmlns:a16="http://schemas.microsoft.com/office/drawing/2014/main" id="{C9507054-03B8-437F-8382-358441382F62}"/>
               </a:ext>
             </a:extLst>
           </p:cNvPr>
@@ -7329,7 +7733,7 @@
         </p:nvSpPr>
         <p:spPr>
           <a:xfrm>
-            <a:off x="6821238" y="4931712"/>
+            <a:off x="7454210" y="6014355"/>
             <a:ext cx="1728000" cy="432000"/>
           </a:xfrm>
           <a:prstGeom prst="roundRect">
@@ -7375,6 +7779,1259 @@
                 <a:latin typeface="微软雅黑" panose="020B0503020204020204" pitchFamily="34" charset="-122"/>
                 <a:ea typeface="微软雅黑" panose="020B0503020204020204" pitchFamily="34" charset="-122"/>
               </a:rPr>
+              <a:t>身份表</a:t>
+            </a:r>
+            <a:endParaRPr lang="en-US" altLang="zh-CN" sz="1600" b="1">
+              <a:solidFill>
+                <a:schemeClr val="tx1"/>
+              </a:solidFill>
+              <a:latin typeface="微软雅黑" panose="020B0503020204020204" pitchFamily="34" charset="-122"/>
+              <a:ea typeface="微软雅黑" panose="020B0503020204020204" pitchFamily="34" charset="-122"/>
+            </a:endParaRPr>
+          </a:p>
+        </p:txBody>
+      </p:sp>
+      <p:cxnSp>
+        <p:nvCxnSpPr>
+          <p:cNvPr id="57" name="直接箭头连接符 56">
+            <a:extLst>
+              <a:ext uri="{FF2B5EF4-FFF2-40B4-BE49-F238E27FC236}">
+                <a16:creationId xmlns:a16="http://schemas.microsoft.com/office/drawing/2014/main" id="{C094293E-A705-41CB-BEA9-46C8B5CAF913}"/>
+              </a:ext>
+            </a:extLst>
+          </p:cNvPr>
+          <p:cNvCxnSpPr>
+            <a:cxnSpLocks/>
+            <a:stCxn id="50" idx="1"/>
+            <a:endCxn id="101" idx="3"/>
+          </p:cNvCxnSpPr>
+          <p:nvPr/>
+        </p:nvCxnSpPr>
+        <p:spPr>
+          <a:xfrm flipH="1">
+            <a:off x="5565980" y="3682510"/>
+            <a:ext cx="1888230" cy="0"/>
+          </a:xfrm>
+          <a:prstGeom prst="straightConnector1">
+            <a:avLst/>
+          </a:prstGeom>
+          <a:ln w="57150">
+            <a:solidFill>
+              <a:srgbClr val="FF0000"/>
+            </a:solidFill>
+            <a:tailEnd type="triangle"/>
+          </a:ln>
+        </p:spPr>
+        <p:style>
+          <a:lnRef idx="1">
+            <a:schemeClr val="accent1"/>
+          </a:lnRef>
+          <a:fillRef idx="0">
+            <a:schemeClr val="accent1"/>
+          </a:fillRef>
+          <a:effectRef idx="0">
+            <a:schemeClr val="accent1"/>
+          </a:effectRef>
+          <a:fontRef idx="minor">
+            <a:schemeClr val="tx1"/>
+          </a:fontRef>
+        </p:style>
+      </p:cxnSp>
+      <p:cxnSp>
+        <p:nvCxnSpPr>
+          <p:cNvPr id="60" name="直接箭头连接符 59">
+            <a:extLst>
+              <a:ext uri="{FF2B5EF4-FFF2-40B4-BE49-F238E27FC236}">
+                <a16:creationId xmlns:a16="http://schemas.microsoft.com/office/drawing/2014/main" id="{7D59CCE1-D8D3-435B-93AA-72780D2CB287}"/>
+              </a:ext>
+            </a:extLst>
+          </p:cNvPr>
+          <p:cNvCxnSpPr>
+            <a:cxnSpLocks/>
+            <a:stCxn id="54" idx="1"/>
+            <a:endCxn id="106" idx="3"/>
+          </p:cNvCxnSpPr>
+          <p:nvPr/>
+        </p:nvCxnSpPr>
+        <p:spPr>
+          <a:xfrm flipH="1">
+            <a:off x="5565980" y="6230355"/>
+            <a:ext cx="1888230" cy="0"/>
+          </a:xfrm>
+          <a:prstGeom prst="straightConnector1">
+            <a:avLst/>
+          </a:prstGeom>
+          <a:ln w="57150">
+            <a:solidFill>
+              <a:srgbClr val="FF0000"/>
+            </a:solidFill>
+            <a:tailEnd type="triangle"/>
+          </a:ln>
+        </p:spPr>
+        <p:style>
+          <a:lnRef idx="1">
+            <a:schemeClr val="accent1"/>
+          </a:lnRef>
+          <a:fillRef idx="0">
+            <a:schemeClr val="accent1"/>
+          </a:fillRef>
+          <a:effectRef idx="0">
+            <a:schemeClr val="accent1"/>
+          </a:effectRef>
+          <a:fontRef idx="minor">
+            <a:schemeClr val="tx1"/>
+          </a:fontRef>
+        </p:style>
+      </p:cxnSp>
+    </p:spTree>
+    <p:extLst>
+      <p:ext uri="{BB962C8B-B14F-4D97-AF65-F5344CB8AC3E}">
+        <p14:creationId xmlns:p14="http://schemas.microsoft.com/office/powerpoint/2010/main" val="299805614"/>
+      </p:ext>
+    </p:extLst>
+  </p:cSld>
+  <p:clrMapOvr>
+    <a:masterClrMapping/>
+  </p:clrMapOvr>
+</p:sld>
+</file>
+
+<file path=ppt/slides/slide12.xml><?xml version="1.0" encoding="utf-8"?>
+<p:sld xmlns:a="http://schemas.openxmlformats.org/drawingml/2006/main" xmlns:r="http://schemas.openxmlformats.org/officeDocument/2006/relationships" xmlns:p="http://schemas.openxmlformats.org/presentationml/2006/main">
+  <p:cSld>
+    <p:spTree>
+      <p:nvGrpSpPr>
+        <p:cNvPr id="1" name=""/>
+        <p:cNvGrpSpPr/>
+        <p:nvPr/>
+      </p:nvGrpSpPr>
+      <p:grpSpPr>
+        <a:xfrm>
+          <a:off x="0" y="0"/>
+          <a:ext cx="0" cy="0"/>
+          <a:chOff x="0" y="0"/>
+          <a:chExt cx="0" cy="0"/>
+        </a:xfrm>
+      </p:grpSpPr>
+      <p:sp>
+        <p:nvSpPr>
+          <p:cNvPr id="53" name="矩形: 圆角 52">
+            <a:extLst>
+              <a:ext uri="{FF2B5EF4-FFF2-40B4-BE49-F238E27FC236}">
+                <a16:creationId xmlns:a16="http://schemas.microsoft.com/office/drawing/2014/main" id="{40CB1BC0-9F2F-42B0-8691-F1896B1D2EE4}"/>
+              </a:ext>
+            </a:extLst>
+          </p:cNvPr>
+          <p:cNvSpPr/>
+          <p:nvPr/>
+        </p:nvSpPr>
+        <p:spPr>
+          <a:xfrm>
+            <a:off x="3188824" y="1427340"/>
+            <a:ext cx="2232000" cy="648000"/>
+          </a:xfrm>
+          <a:prstGeom prst="roundRect">
+            <a:avLst/>
+          </a:prstGeom>
+          <a:solidFill>
+            <a:srgbClr val="00B050"/>
+          </a:solidFill>
+          <a:ln>
+            <a:solidFill>
+              <a:schemeClr val="tx1"/>
+            </a:solidFill>
+          </a:ln>
+        </p:spPr>
+        <p:style>
+          <a:lnRef idx="2">
+            <a:schemeClr val="accent1">
+              <a:shade val="50000"/>
+            </a:schemeClr>
+          </a:lnRef>
+          <a:fillRef idx="1">
+            <a:schemeClr val="accent1"/>
+          </a:fillRef>
+          <a:effectRef idx="0">
+            <a:schemeClr val="accent1"/>
+          </a:effectRef>
+          <a:fontRef idx="minor">
+            <a:schemeClr val="lt1"/>
+          </a:fontRef>
+        </p:style>
+        <p:txBody>
+          <a:bodyPr wrap="none" lIns="36000" tIns="36000" rIns="36000" bIns="36000" rtlCol="0" anchor="ctr" anchorCtr="0"/>
+          <a:lstStyle/>
+          <a:p>
+            <a:pPr algn="ctr"/>
+            <a:r>
+              <a:rPr lang="zh-CN" altLang="en-US" sz="1600" b="1">
+                <a:solidFill>
+                  <a:schemeClr val="tx1"/>
+                </a:solidFill>
+                <a:latin typeface="微软雅黑" panose="020B0503020204020204" pitchFamily="34" charset="-122"/>
+                <a:ea typeface="微软雅黑" panose="020B0503020204020204" pitchFamily="34" charset="-122"/>
+              </a:rPr>
+              <a:t>申请</a:t>
+            </a:r>
+            <a:endParaRPr lang="en-US" altLang="zh-CN" sz="1600" b="1">
+              <a:solidFill>
+                <a:schemeClr val="tx1"/>
+              </a:solidFill>
+              <a:latin typeface="微软雅黑" panose="020B0503020204020204" pitchFamily="34" charset="-122"/>
+              <a:ea typeface="微软雅黑" panose="020B0503020204020204" pitchFamily="34" charset="-122"/>
+            </a:endParaRPr>
+          </a:p>
+          <a:p>
+            <a:pPr algn="ctr"/>
+            <a:r>
+              <a:rPr lang="en-US" altLang="zh-CN" sz="1600" b="1">
+                <a:solidFill>
+                  <a:schemeClr val="tx1"/>
+                </a:solidFill>
+                <a:latin typeface="微软雅黑" panose="020B0503020204020204" pitchFamily="34" charset="-122"/>
+                <a:ea typeface="微软雅黑" panose="020B0503020204020204" pitchFamily="34" charset="-122"/>
+              </a:rPr>
+              <a:t>apply_join_temple</a:t>
+            </a:r>
+            <a:endParaRPr lang="zh-CN" altLang="en-US" sz="1600" b="1">
+              <a:solidFill>
+                <a:schemeClr val="tx1"/>
+              </a:solidFill>
+              <a:latin typeface="微软雅黑" panose="020B0503020204020204" pitchFamily="34" charset="-122"/>
+              <a:ea typeface="微软雅黑" panose="020B0503020204020204" pitchFamily="34" charset="-122"/>
+            </a:endParaRPr>
+          </a:p>
+        </p:txBody>
+      </p:sp>
+      <p:sp>
+        <p:nvSpPr>
+          <p:cNvPr id="48" name="矩形: 圆角 47">
+            <a:extLst>
+              <a:ext uri="{FF2B5EF4-FFF2-40B4-BE49-F238E27FC236}">
+                <a16:creationId xmlns:a16="http://schemas.microsoft.com/office/drawing/2014/main" id="{EBD4EA97-5025-4DE6-B38D-69D50269EB33}"/>
+              </a:ext>
+            </a:extLst>
+          </p:cNvPr>
+          <p:cNvSpPr/>
+          <p:nvPr/>
+        </p:nvSpPr>
+        <p:spPr>
+          <a:xfrm>
+            <a:off x="708410" y="1531176"/>
+            <a:ext cx="1080000" cy="432000"/>
+          </a:xfrm>
+          <a:prstGeom prst="roundRect">
+            <a:avLst/>
+          </a:prstGeom>
+          <a:solidFill>
+            <a:srgbClr val="00B0F0"/>
+          </a:solidFill>
+          <a:ln>
+            <a:solidFill>
+              <a:schemeClr val="tx1"/>
+            </a:solidFill>
+          </a:ln>
+        </p:spPr>
+        <p:style>
+          <a:lnRef idx="2">
+            <a:schemeClr val="accent1">
+              <a:shade val="50000"/>
+            </a:schemeClr>
+          </a:lnRef>
+          <a:fillRef idx="1">
+            <a:schemeClr val="accent1"/>
+          </a:fillRef>
+          <a:effectRef idx="0">
+            <a:schemeClr val="accent1"/>
+          </a:effectRef>
+          <a:fontRef idx="minor">
+            <a:schemeClr val="lt1"/>
+          </a:fontRef>
+        </p:style>
+        <p:txBody>
+          <a:bodyPr wrap="none" lIns="36000" tIns="36000" rIns="36000" bIns="36000" rtlCol="0" anchor="ctr" anchorCtr="0"/>
+          <a:lstStyle/>
+          <a:p>
+            <a:pPr algn="ctr"/>
+            <a:r>
+              <a:rPr lang="zh-CN" altLang="en-US" sz="1600" b="1">
+                <a:solidFill>
+                  <a:schemeClr val="tx1"/>
+                </a:solidFill>
+                <a:latin typeface="微软雅黑" panose="020B0503020204020204" pitchFamily="34" charset="-122"/>
+                <a:ea typeface="微软雅黑" panose="020B0503020204020204" pitchFamily="34" charset="-122"/>
+              </a:rPr>
+              <a:t>法师</a:t>
+            </a:r>
+          </a:p>
+        </p:txBody>
+      </p:sp>
+      <p:sp>
+        <p:nvSpPr>
+          <p:cNvPr id="61" name="矩形: 圆角 60">
+            <a:extLst>
+              <a:ext uri="{FF2B5EF4-FFF2-40B4-BE49-F238E27FC236}">
+                <a16:creationId xmlns:a16="http://schemas.microsoft.com/office/drawing/2014/main" id="{E3777F73-EAAB-43DE-8A90-6B6D895B1B1F}"/>
+              </a:ext>
+            </a:extLst>
+          </p:cNvPr>
+          <p:cNvSpPr/>
+          <p:nvPr/>
+        </p:nvSpPr>
+        <p:spPr>
+          <a:xfrm>
+            <a:off x="708410" y="2663380"/>
+            <a:ext cx="1080000" cy="432000"/>
+          </a:xfrm>
+          <a:prstGeom prst="roundRect">
+            <a:avLst/>
+          </a:prstGeom>
+          <a:solidFill>
+            <a:srgbClr val="00B0F0"/>
+          </a:solidFill>
+          <a:ln>
+            <a:solidFill>
+              <a:schemeClr val="tx1"/>
+            </a:solidFill>
+          </a:ln>
+        </p:spPr>
+        <p:style>
+          <a:lnRef idx="2">
+            <a:schemeClr val="accent1">
+              <a:shade val="50000"/>
+            </a:schemeClr>
+          </a:lnRef>
+          <a:fillRef idx="1">
+            <a:schemeClr val="accent1"/>
+          </a:fillRef>
+          <a:effectRef idx="0">
+            <a:schemeClr val="accent1"/>
+          </a:effectRef>
+          <a:fontRef idx="minor">
+            <a:schemeClr val="lt1"/>
+          </a:fontRef>
+        </p:style>
+        <p:txBody>
+          <a:bodyPr wrap="none" lIns="36000" tIns="36000" rIns="36000" bIns="36000" rtlCol="0" anchor="ctr" anchorCtr="0"/>
+          <a:lstStyle/>
+          <a:p>
+            <a:pPr algn="ctr"/>
+            <a:r>
+              <a:rPr lang="zh-CN" altLang="en-US" sz="1600" b="1">
+                <a:solidFill>
+                  <a:schemeClr val="tx1"/>
+                </a:solidFill>
+                <a:latin typeface="微软雅黑" panose="020B0503020204020204" pitchFamily="34" charset="-122"/>
+                <a:ea typeface="微软雅黑" panose="020B0503020204020204" pitchFamily="34" charset="-122"/>
+              </a:rPr>
+              <a:t>寺院</a:t>
+            </a:r>
+          </a:p>
+        </p:txBody>
+      </p:sp>
+      <p:sp>
+        <p:nvSpPr>
+          <p:cNvPr id="101" name="矩形: 圆角 100">
+            <a:extLst>
+              <a:ext uri="{FF2B5EF4-FFF2-40B4-BE49-F238E27FC236}">
+                <a16:creationId xmlns:a16="http://schemas.microsoft.com/office/drawing/2014/main" id="{2FD8AFDB-B92D-4C27-ABEC-799C66831DBB}"/>
+              </a:ext>
+            </a:extLst>
+          </p:cNvPr>
+          <p:cNvSpPr/>
+          <p:nvPr/>
+        </p:nvSpPr>
+        <p:spPr>
+          <a:xfrm>
+            <a:off x="3188824" y="2555380"/>
+            <a:ext cx="2232000" cy="648000"/>
+          </a:xfrm>
+          <a:prstGeom prst="roundRect">
+            <a:avLst/>
+          </a:prstGeom>
+          <a:solidFill>
+            <a:srgbClr val="00B050"/>
+          </a:solidFill>
+          <a:ln>
+            <a:solidFill>
+              <a:schemeClr val="tx1"/>
+            </a:solidFill>
+          </a:ln>
+        </p:spPr>
+        <p:style>
+          <a:lnRef idx="2">
+            <a:schemeClr val="accent1">
+              <a:shade val="50000"/>
+            </a:schemeClr>
+          </a:lnRef>
+          <a:fillRef idx="1">
+            <a:schemeClr val="accent1"/>
+          </a:fillRef>
+          <a:effectRef idx="0">
+            <a:schemeClr val="accent1"/>
+          </a:effectRef>
+          <a:fontRef idx="minor">
+            <a:schemeClr val="lt1"/>
+          </a:fontRef>
+        </p:style>
+        <p:txBody>
+          <a:bodyPr wrap="none" lIns="36000" tIns="36000" rIns="36000" bIns="36000" rtlCol="0" anchor="ctr" anchorCtr="0"/>
+          <a:lstStyle/>
+          <a:p>
+            <a:pPr algn="ctr"/>
+            <a:r>
+              <a:rPr lang="zh-CN" altLang="en-US" sz="1600" b="1">
+                <a:solidFill>
+                  <a:schemeClr val="tx1"/>
+                </a:solidFill>
+                <a:latin typeface="微软雅黑" panose="020B0503020204020204" pitchFamily="34" charset="-122"/>
+                <a:ea typeface="微软雅黑" panose="020B0503020204020204" pitchFamily="34" charset="-122"/>
+              </a:rPr>
+              <a:t>查找申请</a:t>
+            </a:r>
+            <a:endParaRPr lang="en-US" altLang="zh-CN" sz="1600" b="1">
+              <a:solidFill>
+                <a:schemeClr val="tx1"/>
+              </a:solidFill>
+              <a:latin typeface="微软雅黑" panose="020B0503020204020204" pitchFamily="34" charset="-122"/>
+              <a:ea typeface="微软雅黑" panose="020B0503020204020204" pitchFamily="34" charset="-122"/>
+            </a:endParaRPr>
+          </a:p>
+          <a:p>
+            <a:pPr algn="ctr"/>
+            <a:r>
+              <a:rPr lang="en-US" altLang="zh-CN" sz="1600" b="1">
+                <a:solidFill>
+                  <a:schemeClr val="tx1"/>
+                </a:solidFill>
+                <a:latin typeface="微软雅黑" panose="020B0503020204020204" pitchFamily="34" charset="-122"/>
+                <a:ea typeface="微软雅黑" panose="020B0503020204020204" pitchFamily="34" charset="-122"/>
+              </a:rPr>
+              <a:t>list_temple_master</a:t>
+            </a:r>
+            <a:endParaRPr lang="zh-CN" altLang="en-US" sz="1600" b="1">
+              <a:solidFill>
+                <a:schemeClr val="tx1"/>
+              </a:solidFill>
+              <a:latin typeface="微软雅黑" panose="020B0503020204020204" pitchFamily="34" charset="-122"/>
+              <a:ea typeface="微软雅黑" panose="020B0503020204020204" pitchFamily="34" charset="-122"/>
+            </a:endParaRPr>
+          </a:p>
+        </p:txBody>
+      </p:sp>
+      <p:cxnSp>
+        <p:nvCxnSpPr>
+          <p:cNvPr id="111" name="直接箭头连接符 110">
+            <a:extLst>
+              <a:ext uri="{FF2B5EF4-FFF2-40B4-BE49-F238E27FC236}">
+                <a16:creationId xmlns:a16="http://schemas.microsoft.com/office/drawing/2014/main" id="{E503A773-633A-4D3C-8724-1D424425A2E9}"/>
+              </a:ext>
+            </a:extLst>
+          </p:cNvPr>
+          <p:cNvCxnSpPr>
+            <a:cxnSpLocks/>
+            <a:stCxn id="62" idx="3"/>
+            <a:endCxn id="36" idx="1"/>
+          </p:cNvCxnSpPr>
+          <p:nvPr/>
+        </p:nvCxnSpPr>
+        <p:spPr>
+          <a:xfrm>
+            <a:off x="5420824" y="4011584"/>
+            <a:ext cx="1396602" cy="295"/>
+          </a:xfrm>
+          <a:prstGeom prst="straightConnector1">
+            <a:avLst/>
+          </a:prstGeom>
+          <a:ln w="57150">
+            <a:solidFill>
+              <a:srgbClr val="FFC000"/>
+            </a:solidFill>
+            <a:tailEnd type="triangle"/>
+          </a:ln>
+        </p:spPr>
+        <p:style>
+          <a:lnRef idx="1">
+            <a:schemeClr val="accent1"/>
+          </a:lnRef>
+          <a:fillRef idx="0">
+            <a:schemeClr val="accent1"/>
+          </a:fillRef>
+          <a:effectRef idx="0">
+            <a:schemeClr val="accent1"/>
+          </a:effectRef>
+          <a:fontRef idx="minor">
+            <a:schemeClr val="tx1"/>
+          </a:fontRef>
+        </p:style>
+      </p:cxnSp>
+      <p:cxnSp>
+        <p:nvCxnSpPr>
+          <p:cNvPr id="112" name="直接箭头连接符 111">
+            <a:extLst>
+              <a:ext uri="{FF2B5EF4-FFF2-40B4-BE49-F238E27FC236}">
+                <a16:creationId xmlns:a16="http://schemas.microsoft.com/office/drawing/2014/main" id="{769CDA3F-50AD-4BDB-9B81-EAEAFEAC2A92}"/>
+              </a:ext>
+            </a:extLst>
+          </p:cNvPr>
+          <p:cNvCxnSpPr>
+            <a:cxnSpLocks/>
+            <a:stCxn id="53" idx="3"/>
+            <a:endCxn id="34" idx="1"/>
+          </p:cNvCxnSpPr>
+          <p:nvPr/>
+        </p:nvCxnSpPr>
+        <p:spPr>
+          <a:xfrm flipV="1">
+            <a:off x="5420824" y="1747176"/>
+            <a:ext cx="1396602" cy="4164"/>
+          </a:xfrm>
+          <a:prstGeom prst="straightConnector1">
+            <a:avLst/>
+          </a:prstGeom>
+          <a:ln w="57150">
+            <a:solidFill>
+              <a:srgbClr val="FFC000"/>
+            </a:solidFill>
+            <a:tailEnd type="triangle"/>
+          </a:ln>
+        </p:spPr>
+        <p:style>
+          <a:lnRef idx="1">
+            <a:schemeClr val="accent1"/>
+          </a:lnRef>
+          <a:fillRef idx="0">
+            <a:schemeClr val="accent1"/>
+          </a:fillRef>
+          <a:effectRef idx="0">
+            <a:schemeClr val="accent1"/>
+          </a:effectRef>
+          <a:fontRef idx="minor">
+            <a:schemeClr val="tx1"/>
+          </a:fontRef>
+        </p:style>
+      </p:cxnSp>
+      <p:sp>
+        <p:nvSpPr>
+          <p:cNvPr id="89" name="矩形: 圆角 88">
+            <a:extLst>
+              <a:ext uri="{FF2B5EF4-FFF2-40B4-BE49-F238E27FC236}">
+                <a16:creationId xmlns:a16="http://schemas.microsoft.com/office/drawing/2014/main" id="{BCB76878-D819-48AC-AEB8-9F028A450BD7}"/>
+              </a:ext>
+            </a:extLst>
+          </p:cNvPr>
+          <p:cNvSpPr/>
+          <p:nvPr/>
+        </p:nvSpPr>
+        <p:spPr>
+          <a:xfrm>
+            <a:off x="708410" y="4931417"/>
+            <a:ext cx="1080000" cy="432000"/>
+          </a:xfrm>
+          <a:prstGeom prst="roundRect">
+            <a:avLst/>
+          </a:prstGeom>
+          <a:solidFill>
+            <a:srgbClr val="00B0F0"/>
+          </a:solidFill>
+          <a:ln>
+            <a:solidFill>
+              <a:schemeClr val="tx1"/>
+            </a:solidFill>
+          </a:ln>
+        </p:spPr>
+        <p:style>
+          <a:lnRef idx="2">
+            <a:schemeClr val="accent1">
+              <a:shade val="50000"/>
+            </a:schemeClr>
+          </a:lnRef>
+          <a:fillRef idx="1">
+            <a:schemeClr val="accent1"/>
+          </a:fillRef>
+          <a:effectRef idx="0">
+            <a:schemeClr val="accent1"/>
+          </a:effectRef>
+          <a:fontRef idx="minor">
+            <a:schemeClr val="lt1"/>
+          </a:fontRef>
+        </p:style>
+        <p:txBody>
+          <a:bodyPr wrap="none" lIns="36000" tIns="36000" rIns="36000" bIns="36000" rtlCol="0" anchor="ctr" anchorCtr="0"/>
+          <a:lstStyle/>
+          <a:p>
+            <a:pPr algn="ctr"/>
+            <a:r>
+              <a:rPr lang="zh-CN" altLang="en-US" sz="1600" b="1">
+                <a:solidFill>
+                  <a:schemeClr val="tx1"/>
+                </a:solidFill>
+                <a:latin typeface="微软雅黑" panose="020B0503020204020204" pitchFamily="34" charset="-122"/>
+                <a:ea typeface="微软雅黑" panose="020B0503020204020204" pitchFamily="34" charset="-122"/>
+              </a:rPr>
+              <a:t>申请者</a:t>
+            </a:r>
+          </a:p>
+        </p:txBody>
+      </p:sp>
+      <p:sp>
+        <p:nvSpPr>
+          <p:cNvPr id="106" name="矩形: 圆角 105">
+            <a:extLst>
+              <a:ext uri="{FF2B5EF4-FFF2-40B4-BE49-F238E27FC236}">
+                <a16:creationId xmlns:a16="http://schemas.microsoft.com/office/drawing/2014/main" id="{23A35783-45F3-492D-B983-D833D276F213}"/>
+              </a:ext>
+            </a:extLst>
+          </p:cNvPr>
+          <p:cNvSpPr/>
+          <p:nvPr/>
+        </p:nvSpPr>
+        <p:spPr>
+          <a:xfrm>
+            <a:off x="3188824" y="4823417"/>
+            <a:ext cx="2232000" cy="648000"/>
+          </a:xfrm>
+          <a:prstGeom prst="roundRect">
+            <a:avLst/>
+          </a:prstGeom>
+          <a:solidFill>
+            <a:srgbClr val="00B050"/>
+          </a:solidFill>
+          <a:ln>
+            <a:solidFill>
+              <a:schemeClr val="tx1"/>
+            </a:solidFill>
+          </a:ln>
+        </p:spPr>
+        <p:style>
+          <a:lnRef idx="2">
+            <a:schemeClr val="accent1">
+              <a:shade val="50000"/>
+            </a:schemeClr>
+          </a:lnRef>
+          <a:fillRef idx="1">
+            <a:schemeClr val="accent1"/>
+          </a:fillRef>
+          <a:effectRef idx="0">
+            <a:schemeClr val="accent1"/>
+          </a:effectRef>
+          <a:fontRef idx="minor">
+            <a:schemeClr val="lt1"/>
+          </a:fontRef>
+        </p:style>
+        <p:txBody>
+          <a:bodyPr wrap="none" lIns="36000" tIns="36000" rIns="36000" bIns="36000" rtlCol="0" anchor="ctr" anchorCtr="0"/>
+          <a:lstStyle/>
+          <a:p>
+            <a:pPr algn="ctr"/>
+            <a:r>
+              <a:rPr lang="zh-CN" altLang="en-US" sz="1600" b="1">
+                <a:solidFill>
+                  <a:schemeClr val="tx1"/>
+                </a:solidFill>
+                <a:latin typeface="微软雅黑" panose="020B0503020204020204" pitchFamily="34" charset="-122"/>
+                <a:ea typeface="微软雅黑" panose="020B0503020204020204" pitchFamily="34" charset="-122"/>
+              </a:rPr>
+              <a:t>判断身份</a:t>
+            </a:r>
+            <a:endParaRPr lang="en-US" altLang="zh-CN" sz="1600" b="1">
+              <a:solidFill>
+                <a:schemeClr val="tx1"/>
+              </a:solidFill>
+              <a:latin typeface="微软雅黑" panose="020B0503020204020204" pitchFamily="34" charset="-122"/>
+              <a:ea typeface="微软雅黑" panose="020B0503020204020204" pitchFamily="34" charset="-122"/>
+            </a:endParaRPr>
+          </a:p>
+          <a:p>
+            <a:pPr algn="ctr"/>
+            <a:r>
+              <a:rPr lang="en-US" altLang="zh-CN" sz="1600" b="1">
+                <a:solidFill>
+                  <a:schemeClr val="tx1"/>
+                </a:solidFill>
+                <a:latin typeface="微软雅黑" panose="020B0503020204020204" pitchFamily="34" charset="-122"/>
+                <a:ea typeface="微软雅黑" panose="020B0503020204020204" pitchFamily="34" charset="-122"/>
+              </a:rPr>
+              <a:t>is_in_temple</a:t>
+            </a:r>
+            <a:endParaRPr lang="zh-CN" altLang="en-US" sz="1600" b="1">
+              <a:solidFill>
+                <a:schemeClr val="tx1"/>
+              </a:solidFill>
+              <a:latin typeface="微软雅黑" panose="020B0503020204020204" pitchFamily="34" charset="-122"/>
+              <a:ea typeface="微软雅黑" panose="020B0503020204020204" pitchFamily="34" charset="-122"/>
+            </a:endParaRPr>
+          </a:p>
+        </p:txBody>
+      </p:sp>
+      <p:cxnSp>
+        <p:nvCxnSpPr>
+          <p:cNvPr id="239" name="直接连接符 238">
+            <a:extLst>
+              <a:ext uri="{FF2B5EF4-FFF2-40B4-BE49-F238E27FC236}">
+                <a16:creationId xmlns:a16="http://schemas.microsoft.com/office/drawing/2014/main" id="{05CC9636-A076-48A7-9A94-4E0212BA0C59}"/>
+              </a:ext>
+            </a:extLst>
+          </p:cNvPr>
+          <p:cNvCxnSpPr>
+            <a:cxnSpLocks/>
+          </p:cNvCxnSpPr>
+          <p:nvPr/>
+        </p:nvCxnSpPr>
+        <p:spPr>
+          <a:xfrm flipH="1">
+            <a:off x="433388" y="866051"/>
+            <a:ext cx="11325225" cy="1"/>
+          </a:xfrm>
+          <a:prstGeom prst="line">
+            <a:avLst/>
+          </a:prstGeom>
+          <a:ln w="19050">
+            <a:solidFill>
+              <a:srgbClr val="00576E"/>
+            </a:solidFill>
+          </a:ln>
+          <a:effectLst>
+            <a:outerShdw blurRad="50800" dist="12700" dir="5400000" algn="t" rotWithShape="0">
+              <a:prstClr val="black">
+                <a:alpha val="40000"/>
+              </a:prstClr>
+            </a:outerShdw>
+          </a:effectLst>
+        </p:spPr>
+        <p:style>
+          <a:lnRef idx="2">
+            <a:schemeClr val="accent1"/>
+          </a:lnRef>
+          <a:fillRef idx="0">
+            <a:schemeClr val="accent1"/>
+          </a:fillRef>
+          <a:effectRef idx="1">
+            <a:schemeClr val="accent1"/>
+          </a:effectRef>
+          <a:fontRef idx="minor">
+            <a:schemeClr val="tx1"/>
+          </a:fontRef>
+        </p:style>
+      </p:cxnSp>
+      <p:sp>
+        <p:nvSpPr>
+          <p:cNvPr id="240" name="矩形 239">
+            <a:extLst>
+              <a:ext uri="{FF2B5EF4-FFF2-40B4-BE49-F238E27FC236}">
+                <a16:creationId xmlns:a16="http://schemas.microsoft.com/office/drawing/2014/main" id="{CE6D800A-2E58-40A9-AF4D-2C92406102BA}"/>
+              </a:ext>
+            </a:extLst>
+          </p:cNvPr>
+          <p:cNvSpPr/>
+          <p:nvPr/>
+        </p:nvSpPr>
+        <p:spPr>
+          <a:xfrm>
+            <a:off x="471489" y="209549"/>
+            <a:ext cx="119062" cy="513626"/>
+          </a:xfrm>
+          <a:prstGeom prst="rect">
+            <a:avLst/>
+          </a:prstGeom>
+          <a:solidFill>
+            <a:srgbClr val="00576E"/>
+          </a:solidFill>
+        </p:spPr>
+        <p:style>
+          <a:lnRef idx="2">
+            <a:schemeClr val="accent1">
+              <a:shade val="50000"/>
+            </a:schemeClr>
+          </a:lnRef>
+          <a:fillRef idx="1">
+            <a:schemeClr val="accent1"/>
+          </a:fillRef>
+          <a:effectRef idx="0">
+            <a:schemeClr val="accent1"/>
+          </a:effectRef>
+          <a:fontRef idx="minor">
+            <a:schemeClr val="lt1"/>
+          </a:fontRef>
+        </p:style>
+        <p:txBody>
+          <a:bodyPr rtlCol="0" anchor="ctr"/>
+          <a:lstStyle/>
+          <a:p>
+            <a:pPr algn="ctr"/>
+            <a:endParaRPr lang="zh-CN" altLang="en-US">
+              <a:latin typeface="Consolas" panose="020B0609020204030204" pitchFamily="49" charset="0"/>
+            </a:endParaRPr>
+          </a:p>
+        </p:txBody>
+      </p:sp>
+      <p:sp>
+        <p:nvSpPr>
+          <p:cNvPr id="241" name="文本框 240">
+            <a:extLst>
+              <a:ext uri="{FF2B5EF4-FFF2-40B4-BE49-F238E27FC236}">
+                <a16:creationId xmlns:a16="http://schemas.microsoft.com/office/drawing/2014/main" id="{90ABBAE7-6707-4A6F-819E-32C1CFD4250B}"/>
+              </a:ext>
+            </a:extLst>
+          </p:cNvPr>
+          <p:cNvSpPr txBox="1"/>
+          <p:nvPr/>
+        </p:nvSpPr>
+        <p:spPr>
+          <a:xfrm>
+            <a:off x="712379" y="173975"/>
+            <a:ext cx="3467616" cy="584775"/>
+          </a:xfrm>
+          <a:prstGeom prst="rect">
+            <a:avLst/>
+          </a:prstGeom>
+          <a:noFill/>
+        </p:spPr>
+        <p:txBody>
+          <a:bodyPr wrap="none" rtlCol="0">
+            <a:spAutoFit/>
+          </a:bodyPr>
+          <a:lstStyle/>
+          <a:p>
+            <a:r>
+              <a:rPr lang="zh-CN" altLang="en-US" sz="3200" b="1">
+                <a:latin typeface="Consolas" panose="020B0609020204030204" pitchFamily="49" charset="0"/>
+                <a:ea typeface="微软雅黑" panose="020B0503020204020204" pitchFamily="34" charset="-122"/>
+              </a:rPr>
+              <a:t>法师申请加入寺院</a:t>
+            </a:r>
+          </a:p>
+        </p:txBody>
+      </p:sp>
+      <p:sp>
+        <p:nvSpPr>
+          <p:cNvPr id="60" name="矩形: 圆角 59">
+            <a:extLst>
+              <a:ext uri="{FF2B5EF4-FFF2-40B4-BE49-F238E27FC236}">
+                <a16:creationId xmlns:a16="http://schemas.microsoft.com/office/drawing/2014/main" id="{80649730-F31C-4650-9EB6-FA2C04FAE2CD}"/>
+              </a:ext>
+            </a:extLst>
+          </p:cNvPr>
+          <p:cNvSpPr/>
+          <p:nvPr/>
+        </p:nvSpPr>
+        <p:spPr>
+          <a:xfrm>
+            <a:off x="708410" y="3795584"/>
+            <a:ext cx="1080000" cy="432000"/>
+          </a:xfrm>
+          <a:prstGeom prst="roundRect">
+            <a:avLst/>
+          </a:prstGeom>
+          <a:solidFill>
+            <a:srgbClr val="00B0F0"/>
+          </a:solidFill>
+          <a:ln>
+            <a:solidFill>
+              <a:schemeClr val="tx1"/>
+            </a:solidFill>
+          </a:ln>
+        </p:spPr>
+        <p:style>
+          <a:lnRef idx="2">
+            <a:schemeClr val="accent1">
+              <a:shade val="50000"/>
+            </a:schemeClr>
+          </a:lnRef>
+          <a:fillRef idx="1">
+            <a:schemeClr val="accent1"/>
+          </a:fillRef>
+          <a:effectRef idx="0">
+            <a:schemeClr val="accent1"/>
+          </a:effectRef>
+          <a:fontRef idx="minor">
+            <a:schemeClr val="lt1"/>
+          </a:fontRef>
+        </p:style>
+        <p:txBody>
+          <a:bodyPr wrap="none" lIns="36000" tIns="36000" rIns="36000" bIns="36000" rtlCol="0" anchor="ctr" anchorCtr="0"/>
+          <a:lstStyle/>
+          <a:p>
+            <a:pPr algn="ctr"/>
+            <a:r>
+              <a:rPr lang="zh-CN" altLang="en-US" sz="1600" b="1">
+                <a:solidFill>
+                  <a:schemeClr val="tx1"/>
+                </a:solidFill>
+                <a:latin typeface="微软雅黑" panose="020B0503020204020204" pitchFamily="34" charset="-122"/>
+                <a:ea typeface="微软雅黑" panose="020B0503020204020204" pitchFamily="34" charset="-122"/>
+              </a:rPr>
+              <a:t>寺院</a:t>
+            </a:r>
+          </a:p>
+        </p:txBody>
+      </p:sp>
+      <p:sp>
+        <p:nvSpPr>
+          <p:cNvPr id="62" name="矩形: 圆角 61">
+            <a:extLst>
+              <a:ext uri="{FF2B5EF4-FFF2-40B4-BE49-F238E27FC236}">
+                <a16:creationId xmlns:a16="http://schemas.microsoft.com/office/drawing/2014/main" id="{63142F85-844B-455C-ADC6-DC9FB6E80EC5}"/>
+              </a:ext>
+            </a:extLst>
+          </p:cNvPr>
+          <p:cNvSpPr/>
+          <p:nvPr/>
+        </p:nvSpPr>
+        <p:spPr>
+          <a:xfrm>
+            <a:off x="3188824" y="3687584"/>
+            <a:ext cx="2232000" cy="648000"/>
+          </a:xfrm>
+          <a:prstGeom prst="roundRect">
+            <a:avLst/>
+          </a:prstGeom>
+          <a:solidFill>
+            <a:srgbClr val="00B050"/>
+          </a:solidFill>
+          <a:ln>
+            <a:solidFill>
+              <a:schemeClr val="tx1"/>
+            </a:solidFill>
+          </a:ln>
+        </p:spPr>
+        <p:style>
+          <a:lnRef idx="2">
+            <a:schemeClr val="accent1">
+              <a:shade val="50000"/>
+            </a:schemeClr>
+          </a:lnRef>
+          <a:fillRef idx="1">
+            <a:schemeClr val="accent1"/>
+          </a:fillRef>
+          <a:effectRef idx="0">
+            <a:schemeClr val="accent1"/>
+          </a:effectRef>
+          <a:fontRef idx="minor">
+            <a:schemeClr val="lt1"/>
+          </a:fontRef>
+        </p:style>
+        <p:txBody>
+          <a:bodyPr wrap="none" lIns="36000" tIns="36000" rIns="36000" bIns="36000" rtlCol="0" anchor="ctr" anchorCtr="0"/>
+          <a:lstStyle/>
+          <a:p>
+            <a:pPr algn="ctr"/>
+            <a:r>
+              <a:rPr lang="zh-CN" altLang="en-US" sz="1600" b="1">
+                <a:solidFill>
+                  <a:schemeClr val="tx1"/>
+                </a:solidFill>
+                <a:latin typeface="微软雅黑" panose="020B0503020204020204" pitchFamily="34" charset="-122"/>
+                <a:ea typeface="微软雅黑" panose="020B0503020204020204" pitchFamily="34" charset="-122"/>
+              </a:rPr>
+              <a:t>批准</a:t>
+            </a:r>
+            <a:endParaRPr lang="en-US" altLang="zh-CN" sz="1600" b="1">
+              <a:solidFill>
+                <a:schemeClr val="tx1"/>
+              </a:solidFill>
+              <a:latin typeface="微软雅黑" panose="020B0503020204020204" pitchFamily="34" charset="-122"/>
+              <a:ea typeface="微软雅黑" panose="020B0503020204020204" pitchFamily="34" charset="-122"/>
+            </a:endParaRPr>
+          </a:p>
+          <a:p>
+            <a:pPr algn="ctr"/>
+            <a:r>
+              <a:rPr lang="en-US" altLang="zh-CN" sz="1600" b="1">
+                <a:solidFill>
+                  <a:schemeClr val="tx1"/>
+                </a:solidFill>
+                <a:latin typeface="微软雅黑" panose="020B0503020204020204" pitchFamily="34" charset="-122"/>
+                <a:ea typeface="微软雅黑" panose="020B0503020204020204" pitchFamily="34" charset="-122"/>
+              </a:rPr>
+              <a:t>approve_join_temple</a:t>
+            </a:r>
+            <a:endParaRPr lang="zh-CN" altLang="en-US" sz="1600" b="1">
+              <a:solidFill>
+                <a:schemeClr val="tx1"/>
+              </a:solidFill>
+              <a:latin typeface="微软雅黑" panose="020B0503020204020204" pitchFamily="34" charset="-122"/>
+              <a:ea typeface="微软雅黑" panose="020B0503020204020204" pitchFamily="34" charset="-122"/>
+            </a:endParaRPr>
+          </a:p>
+        </p:txBody>
+      </p:sp>
+      <p:sp>
+        <p:nvSpPr>
+          <p:cNvPr id="34" name="矩形: 圆角 33">
+            <a:extLst>
+              <a:ext uri="{FF2B5EF4-FFF2-40B4-BE49-F238E27FC236}">
+                <a16:creationId xmlns:a16="http://schemas.microsoft.com/office/drawing/2014/main" id="{61414349-4A2C-4DF5-B7E6-B02890C28DD8}"/>
+              </a:ext>
+            </a:extLst>
+          </p:cNvPr>
+          <p:cNvSpPr/>
+          <p:nvPr/>
+        </p:nvSpPr>
+        <p:spPr>
+          <a:xfrm>
+            <a:off x="6817426" y="1531176"/>
+            <a:ext cx="1728000" cy="432000"/>
+          </a:xfrm>
+          <a:prstGeom prst="roundRect">
+            <a:avLst/>
+          </a:prstGeom>
+          <a:solidFill>
+            <a:schemeClr val="bg1">
+              <a:lumMod val="95000"/>
+            </a:schemeClr>
+          </a:solidFill>
+          <a:ln>
+            <a:solidFill>
+              <a:schemeClr val="tx1"/>
+            </a:solidFill>
+          </a:ln>
+        </p:spPr>
+        <p:style>
+          <a:lnRef idx="2">
+            <a:schemeClr val="accent1">
+              <a:shade val="50000"/>
+            </a:schemeClr>
+          </a:lnRef>
+          <a:fillRef idx="1">
+            <a:schemeClr val="accent1"/>
+          </a:fillRef>
+          <a:effectRef idx="0">
+            <a:schemeClr val="accent1"/>
+          </a:effectRef>
+          <a:fontRef idx="minor">
+            <a:schemeClr val="lt1"/>
+          </a:fontRef>
+        </p:style>
+        <p:txBody>
+          <a:bodyPr wrap="none" lIns="36000" tIns="36000" rIns="36000" bIns="36000" rtlCol="0" anchor="ctr" anchorCtr="0"/>
+          <a:lstStyle/>
+          <a:p>
+            <a:pPr algn="ctr"/>
+            <a:r>
+              <a:rPr lang="zh-CN" altLang="en-US" sz="1600" b="1">
+                <a:solidFill>
+                  <a:schemeClr val="tx1"/>
+                </a:solidFill>
+                <a:latin typeface="微软雅黑" panose="020B0503020204020204" pitchFamily="34" charset="-122"/>
+                <a:ea typeface="微软雅黑" panose="020B0503020204020204" pitchFamily="34" charset="-122"/>
+              </a:rPr>
+              <a:t>寺院法师表</a:t>
+            </a:r>
+            <a:endParaRPr lang="en-US" altLang="zh-CN" sz="1600" b="1">
+              <a:solidFill>
+                <a:schemeClr val="tx1"/>
+              </a:solidFill>
+              <a:latin typeface="微软雅黑" panose="020B0503020204020204" pitchFamily="34" charset="-122"/>
+              <a:ea typeface="微软雅黑" panose="020B0503020204020204" pitchFamily="34" charset="-122"/>
+            </a:endParaRPr>
+          </a:p>
+        </p:txBody>
+      </p:sp>
+      <p:sp>
+        <p:nvSpPr>
+          <p:cNvPr id="35" name="矩形: 圆角 34">
+            <a:extLst>
+              <a:ext uri="{FF2B5EF4-FFF2-40B4-BE49-F238E27FC236}">
+                <a16:creationId xmlns:a16="http://schemas.microsoft.com/office/drawing/2014/main" id="{00B9B42D-DD55-4D05-B27F-ED1B55B21E25}"/>
+              </a:ext>
+            </a:extLst>
+          </p:cNvPr>
+          <p:cNvSpPr/>
+          <p:nvPr/>
+        </p:nvSpPr>
+        <p:spPr>
+          <a:xfrm>
+            <a:off x="6817426" y="2669943"/>
+            <a:ext cx="1728000" cy="432000"/>
+          </a:xfrm>
+          <a:prstGeom prst="roundRect">
+            <a:avLst/>
+          </a:prstGeom>
+          <a:solidFill>
+            <a:schemeClr val="bg1">
+              <a:lumMod val="95000"/>
+            </a:schemeClr>
+          </a:solidFill>
+          <a:ln>
+            <a:solidFill>
+              <a:schemeClr val="tx1"/>
+            </a:solidFill>
+          </a:ln>
+        </p:spPr>
+        <p:style>
+          <a:lnRef idx="2">
+            <a:schemeClr val="accent1">
+              <a:shade val="50000"/>
+            </a:schemeClr>
+          </a:lnRef>
+          <a:fillRef idx="1">
+            <a:schemeClr val="accent1"/>
+          </a:fillRef>
+          <a:effectRef idx="0">
+            <a:schemeClr val="accent1"/>
+          </a:effectRef>
+          <a:fontRef idx="minor">
+            <a:schemeClr val="lt1"/>
+          </a:fontRef>
+        </p:style>
+        <p:txBody>
+          <a:bodyPr wrap="none" lIns="36000" tIns="36000" rIns="36000" bIns="36000" rtlCol="0" anchor="ctr" anchorCtr="0"/>
+          <a:lstStyle/>
+          <a:p>
+            <a:pPr algn="ctr"/>
+            <a:r>
+              <a:rPr lang="zh-CN" altLang="en-US" sz="1600" b="1">
+                <a:solidFill>
+                  <a:schemeClr val="tx1"/>
+                </a:solidFill>
+                <a:latin typeface="微软雅黑" panose="020B0503020204020204" pitchFamily="34" charset="-122"/>
+                <a:ea typeface="微软雅黑" panose="020B0503020204020204" pitchFamily="34" charset="-122"/>
+              </a:rPr>
+              <a:t>寺院法师表</a:t>
+            </a:r>
+            <a:endParaRPr lang="en-US" altLang="zh-CN" sz="1600" b="1">
+              <a:solidFill>
+                <a:schemeClr val="tx1"/>
+              </a:solidFill>
+              <a:latin typeface="微软雅黑" panose="020B0503020204020204" pitchFamily="34" charset="-122"/>
+              <a:ea typeface="微软雅黑" panose="020B0503020204020204" pitchFamily="34" charset="-122"/>
+            </a:endParaRPr>
+          </a:p>
+        </p:txBody>
+      </p:sp>
+      <p:sp>
+        <p:nvSpPr>
+          <p:cNvPr id="36" name="矩形: 圆角 35">
+            <a:extLst>
+              <a:ext uri="{FF2B5EF4-FFF2-40B4-BE49-F238E27FC236}">
+                <a16:creationId xmlns:a16="http://schemas.microsoft.com/office/drawing/2014/main" id="{B20C13A2-1747-4E78-BBD1-54C7D969EDCF}"/>
+              </a:ext>
+            </a:extLst>
+          </p:cNvPr>
+          <p:cNvSpPr/>
+          <p:nvPr/>
+        </p:nvSpPr>
+        <p:spPr>
+          <a:xfrm>
+            <a:off x="6817426" y="3795879"/>
+            <a:ext cx="1728000" cy="432000"/>
+          </a:xfrm>
+          <a:prstGeom prst="roundRect">
+            <a:avLst/>
+          </a:prstGeom>
+          <a:solidFill>
+            <a:schemeClr val="bg1">
+              <a:lumMod val="95000"/>
+            </a:schemeClr>
+          </a:solidFill>
+          <a:ln>
+            <a:solidFill>
+              <a:schemeClr val="tx1"/>
+            </a:solidFill>
+          </a:ln>
+        </p:spPr>
+        <p:style>
+          <a:lnRef idx="2">
+            <a:schemeClr val="accent1">
+              <a:shade val="50000"/>
+            </a:schemeClr>
+          </a:lnRef>
+          <a:fillRef idx="1">
+            <a:schemeClr val="accent1"/>
+          </a:fillRef>
+          <a:effectRef idx="0">
+            <a:schemeClr val="accent1"/>
+          </a:effectRef>
+          <a:fontRef idx="minor">
+            <a:schemeClr val="lt1"/>
+          </a:fontRef>
+        </p:style>
+        <p:txBody>
+          <a:bodyPr wrap="none" lIns="36000" tIns="36000" rIns="36000" bIns="36000" rtlCol="0" anchor="ctr" anchorCtr="0"/>
+          <a:lstStyle/>
+          <a:p>
+            <a:pPr algn="ctr"/>
+            <a:r>
+              <a:rPr lang="zh-CN" altLang="en-US" sz="1600" b="1">
+                <a:solidFill>
+                  <a:schemeClr val="tx1"/>
+                </a:solidFill>
+                <a:latin typeface="微软雅黑" panose="020B0503020204020204" pitchFamily="34" charset="-122"/>
+                <a:ea typeface="微软雅黑" panose="020B0503020204020204" pitchFamily="34" charset="-122"/>
+              </a:rPr>
+              <a:t>寺院法师表</a:t>
+            </a:r>
+            <a:endParaRPr lang="en-US" altLang="zh-CN" sz="1600" b="1">
+              <a:solidFill>
+                <a:schemeClr val="tx1"/>
+              </a:solidFill>
+              <a:latin typeface="微软雅黑" panose="020B0503020204020204" pitchFamily="34" charset="-122"/>
+              <a:ea typeface="微软雅黑" panose="020B0503020204020204" pitchFamily="34" charset="-122"/>
+            </a:endParaRPr>
+          </a:p>
+        </p:txBody>
+      </p:sp>
+      <p:sp>
+        <p:nvSpPr>
+          <p:cNvPr id="37" name="矩形: 圆角 36">
+            <a:extLst>
+              <a:ext uri="{FF2B5EF4-FFF2-40B4-BE49-F238E27FC236}">
+                <a16:creationId xmlns:a16="http://schemas.microsoft.com/office/drawing/2014/main" id="{0A760762-05F3-4F6D-9E83-4C7C882AC2ED}"/>
+              </a:ext>
+            </a:extLst>
+          </p:cNvPr>
+          <p:cNvSpPr/>
+          <p:nvPr/>
+        </p:nvSpPr>
+        <p:spPr>
+          <a:xfrm>
+            <a:off x="6817426" y="4931712"/>
+            <a:ext cx="1728000" cy="432000"/>
+          </a:xfrm>
+          <a:prstGeom prst="roundRect">
+            <a:avLst/>
+          </a:prstGeom>
+          <a:solidFill>
+            <a:schemeClr val="bg1">
+              <a:lumMod val="95000"/>
+            </a:schemeClr>
+          </a:solidFill>
+          <a:ln>
+            <a:solidFill>
+              <a:schemeClr val="tx1"/>
+            </a:solidFill>
+          </a:ln>
+        </p:spPr>
+        <p:style>
+          <a:lnRef idx="2">
+            <a:schemeClr val="accent1">
+              <a:shade val="50000"/>
+            </a:schemeClr>
+          </a:lnRef>
+          <a:fillRef idx="1">
+            <a:schemeClr val="accent1"/>
+          </a:fillRef>
+          <a:effectRef idx="0">
+            <a:schemeClr val="accent1"/>
+          </a:effectRef>
+          <a:fontRef idx="minor">
+            <a:schemeClr val="lt1"/>
+          </a:fontRef>
+        </p:style>
+        <p:txBody>
+          <a:bodyPr wrap="none" lIns="36000" tIns="36000" rIns="36000" bIns="36000" rtlCol="0" anchor="ctr" anchorCtr="0"/>
+          <a:lstStyle/>
+          <a:p>
+            <a:pPr algn="ctr"/>
+            <a:r>
+              <a:rPr lang="zh-CN" altLang="en-US" sz="1600" b="1">
+                <a:solidFill>
+                  <a:schemeClr val="tx1"/>
+                </a:solidFill>
+                <a:latin typeface="微软雅黑" panose="020B0503020204020204" pitchFamily="34" charset="-122"/>
+                <a:ea typeface="微软雅黑" panose="020B0503020204020204" pitchFamily="34" charset="-122"/>
+              </a:rPr>
               <a:t>寺院法师表</a:t>
             </a:r>
             <a:endParaRPr lang="en-US" altLang="zh-CN" sz="1600" b="1">
@@ -7636,7 +9293,7 @@
         <p:spPr>
           <a:xfrm flipH="1" flipV="1">
             <a:off x="5420824" y="5147417"/>
-            <a:ext cx="1400414" cy="295"/>
+            <a:ext cx="1396602" cy="295"/>
           </a:xfrm>
           <a:prstGeom prst="straightConnector1">
             <a:avLst/>
@@ -7827,7 +9484,7 @@
                 <a:latin typeface="Consolas" panose="020B0609020204030204" pitchFamily="49" charset="0"/>
                 <a:ea typeface="微软雅黑" panose="020B0503020204020204" pitchFamily="34" charset="-122"/>
               </a:rPr>
-              <a:t>角色</a:t>
+              <a:t>身份</a:t>
             </a:r>
           </a:p>
         </p:txBody>
@@ -7892,7 +9549,7 @@
                 <a:latin typeface="微软雅黑" panose="020B0503020204020204" pitchFamily="34" charset="-122"/>
                 <a:ea typeface="微软雅黑" panose="020B0503020204020204" pitchFamily="34" charset="-122"/>
               </a:rPr>
-              <a:t>角色表</a:t>
+              <a:t>身份表</a:t>
             </a:r>
             <a:endParaRPr lang="en-US" altLang="zh-CN" b="1">
               <a:solidFill>
@@ -7912,7 +9569,7 @@
                 <a:latin typeface="微软雅黑" panose="020B0503020204020204" pitchFamily="34" charset="-122"/>
                 <a:ea typeface="微软雅黑" panose="020B0503020204020204" pitchFamily="34" charset="-122"/>
               </a:rPr>
-              <a:t>role</a:t>
+              <a:t>Identity</a:t>
             </a:r>
             <a:endParaRPr lang="zh-CN" altLang="en-US" b="1">
               <a:solidFill>
@@ -7938,8 +9595,8 @@
         </p:nvSpPr>
         <p:spPr>
           <a:xfrm>
-            <a:off x="712379" y="2188136"/>
-            <a:ext cx="5968339" cy="648001"/>
+            <a:off x="712380" y="2188136"/>
+            <a:ext cx="6033654" cy="648001"/>
           </a:xfrm>
           <a:prstGeom prst="roundRect">
             <a:avLst>
@@ -8011,7 +9668,7 @@
                 <a:latin typeface="微软雅黑" panose="020B0503020204020204" pitchFamily="34" charset="-122"/>
                 <a:ea typeface="微软雅黑" panose="020B0503020204020204" pitchFamily="34" charset="-122"/>
               </a:rPr>
-              <a:t>角色类型 </a:t>
+              <a:t>类型 </a:t>
             </a:r>
             <a:r>
               <a:rPr lang="en-US" altLang="zh-CN" sz="1400" b="1">
@@ -8021,7 +9678,7 @@
                 <a:latin typeface="微软雅黑" panose="020B0503020204020204" pitchFamily="34" charset="-122"/>
                 <a:ea typeface="微软雅黑" panose="020B0503020204020204" pitchFamily="34" charset="-122"/>
               </a:rPr>
-              <a:t>[1~5] [</a:t>
+              <a:t>[1~6] [</a:t>
             </a:r>
             <a:r>
               <a:rPr lang="zh-CN" altLang="en-US" sz="1400" b="1">
@@ -8071,47 +9728,67 @@
                 <a:latin typeface="微软雅黑" panose="020B0503020204020204" pitchFamily="34" charset="-122"/>
                 <a:ea typeface="微软雅黑" panose="020B0503020204020204" pitchFamily="34" charset="-122"/>
               </a:rPr>
+              <a:t>名人</a:t>
+            </a:r>
+            <a:r>
+              <a:rPr lang="en-US" altLang="zh-CN" sz="1400" b="1">
+                <a:solidFill>
+                  <a:schemeClr val="tx1"/>
+                </a:solidFill>
+                <a:latin typeface="微软雅黑" panose="020B0503020204020204" pitchFamily="34" charset="-122"/>
+                <a:ea typeface="微软雅黑" panose="020B0503020204020204" pitchFamily="34" charset="-122"/>
+              </a:rPr>
+              <a:t>,</a:t>
+            </a:r>
+            <a:r>
+              <a:rPr lang="zh-CN" altLang="en-US" sz="1400" b="1">
+                <a:solidFill>
+                  <a:schemeClr val="tx1"/>
+                </a:solidFill>
+                <a:latin typeface="微软雅黑" panose="020B0503020204020204" pitchFamily="34" charset="-122"/>
+                <a:ea typeface="微软雅黑" panose="020B0503020204020204" pitchFamily="34" charset="-122"/>
+              </a:rPr>
+              <a:t> 法师</a:t>
+            </a:r>
+            <a:r>
+              <a:rPr lang="en-US" altLang="zh-CN" sz="1400" b="1">
+                <a:solidFill>
+                  <a:schemeClr val="tx1"/>
+                </a:solidFill>
+                <a:latin typeface="微软雅黑" panose="020B0503020204020204" pitchFamily="34" charset="-122"/>
+                <a:ea typeface="微软雅黑" panose="020B0503020204020204" pitchFamily="34" charset="-122"/>
+              </a:rPr>
+              <a:t>,</a:t>
+            </a:r>
+            <a:r>
+              <a:rPr lang="zh-CN" altLang="en-US" sz="1400" b="1">
+                <a:solidFill>
+                  <a:schemeClr val="tx1"/>
+                </a:solidFill>
+                <a:latin typeface="微软雅黑" panose="020B0503020204020204" pitchFamily="34" charset="-122"/>
+                <a:ea typeface="微软雅黑" panose="020B0503020204020204" pitchFamily="34" charset="-122"/>
+              </a:rPr>
+              <a:t>寺院</a:t>
+            </a:r>
+            <a:r>
+              <a:rPr lang="en-US" altLang="zh-CN" sz="1400" b="1">
+                <a:solidFill>
+                  <a:schemeClr val="tx1"/>
+                </a:solidFill>
+                <a:latin typeface="微软雅黑" panose="020B0503020204020204" pitchFamily="34" charset="-122"/>
+                <a:ea typeface="微软雅黑" panose="020B0503020204020204" pitchFamily="34" charset="-122"/>
+              </a:rPr>
+              <a:t>,</a:t>
+            </a:r>
+            <a:r>
+              <a:rPr lang="zh-CN" altLang="en-US" sz="1400" b="1">
+                <a:solidFill>
+                  <a:schemeClr val="tx1"/>
+                </a:solidFill>
+                <a:latin typeface="微软雅黑" panose="020B0503020204020204" pitchFamily="34" charset="-122"/>
+                <a:ea typeface="微软雅黑" panose="020B0503020204020204" pitchFamily="34" charset="-122"/>
+              </a:rPr>
               <a:t>逝者</a:t>
-            </a:r>
-            <a:r>
-              <a:rPr lang="en-US" altLang="zh-CN" sz="1400" b="1">
-                <a:solidFill>
-                  <a:schemeClr val="tx1"/>
-                </a:solidFill>
-                <a:latin typeface="微软雅黑" panose="020B0503020204020204" pitchFamily="34" charset="-122"/>
-                <a:ea typeface="微软雅黑" panose="020B0503020204020204" pitchFamily="34" charset="-122"/>
-              </a:rPr>
-              <a:t>,</a:t>
-            </a:r>
-            <a:r>
-              <a:rPr lang="zh-CN" altLang="en-US" sz="1400" b="1">
-                <a:solidFill>
-                  <a:schemeClr val="tx1"/>
-                </a:solidFill>
-                <a:latin typeface="微软雅黑" panose="020B0503020204020204" pitchFamily="34" charset="-122"/>
-                <a:ea typeface="微软雅黑" panose="020B0503020204020204" pitchFamily="34" charset="-122"/>
-              </a:rPr>
-              <a:t>寺院</a:t>
-            </a:r>
-            <a:r>
-              <a:rPr lang="en-US" altLang="zh-CN" sz="1400" b="1">
-                <a:solidFill>
-                  <a:schemeClr val="tx1"/>
-                </a:solidFill>
-                <a:latin typeface="微软雅黑" panose="020B0503020204020204" pitchFamily="34" charset="-122"/>
-                <a:ea typeface="微软雅黑" panose="020B0503020204020204" pitchFamily="34" charset="-122"/>
-              </a:rPr>
-              <a:t>,</a:t>
-            </a:r>
-            <a:r>
-              <a:rPr lang="zh-CN" altLang="en-US" sz="1400" b="1">
-                <a:solidFill>
-                  <a:schemeClr val="tx1"/>
-                </a:solidFill>
-                <a:latin typeface="微软雅黑" panose="020B0503020204020204" pitchFamily="34" charset="-122"/>
-                <a:ea typeface="微软雅黑" panose="020B0503020204020204" pitchFamily="34" charset="-122"/>
-              </a:rPr>
-              <a:t>法师</a:t>
             </a:r>
             <a:r>
               <a:rPr lang="en-US" altLang="zh-CN" sz="1400" b="1">
@@ -8389,7 +10066,7 @@
                 <a:latin typeface="微软雅黑" panose="020B0503020204020204" pitchFamily="34" charset="-122"/>
                 <a:ea typeface="微软雅黑" panose="020B0503020204020204" pitchFamily="34" charset="-122"/>
               </a:rPr>
-              <a:t>visitor</a:t>
+              <a:t>Visitor</a:t>
             </a:r>
             <a:endParaRPr lang="zh-CN" altLang="en-US" b="1">
               <a:solidFill>
@@ -8758,7 +10435,7 @@
                 <a:latin typeface="微软雅黑" panose="020B0503020204020204" pitchFamily="34" charset="-122"/>
                 <a:ea typeface="微软雅黑" panose="020B0503020204020204" pitchFamily="34" charset="-122"/>
               </a:rPr>
-              <a:t>user</a:t>
+              <a:t>User</a:t>
             </a:r>
             <a:endParaRPr lang="zh-CN" altLang="en-US" b="1">
               <a:solidFill>
@@ -9382,7 +11059,7 @@
         <p:spPr>
           <a:xfrm>
             <a:off x="712379" y="173975"/>
-            <a:ext cx="1005403" cy="584775"/>
+            <a:ext cx="1826141" cy="584775"/>
           </a:xfrm>
           <a:prstGeom prst="rect">
             <a:avLst/>
@@ -9400,17 +11077,17 @@
                 <a:latin typeface="Consolas" panose="020B0609020204030204" pitchFamily="49" charset="0"/>
                 <a:ea typeface="微软雅黑" panose="020B0503020204020204" pitchFamily="34" charset="-122"/>
               </a:rPr>
-              <a:t>逝者</a:t>
+              <a:t>认证用户</a:t>
             </a:r>
           </a:p>
         </p:txBody>
       </p:sp>
       <p:sp>
         <p:nvSpPr>
-          <p:cNvPr id="24" name="矩形: 圆角 23">
-            <a:extLst>
-              <a:ext uri="{FF2B5EF4-FFF2-40B4-BE49-F238E27FC236}">
-                <a16:creationId xmlns:a16="http://schemas.microsoft.com/office/drawing/2014/main" id="{054B5812-949B-49BF-AC5E-79F7289B8E25}"/>
+          <p:cNvPr id="75" name="矩形: 圆角 74">
+            <a:extLst>
+              <a:ext uri="{FF2B5EF4-FFF2-40B4-BE49-F238E27FC236}">
+                <a16:creationId xmlns:a16="http://schemas.microsoft.com/office/drawing/2014/main" id="{83119C4B-BC8E-48AB-96DE-7AE19D8B7846}"/>
               </a:ext>
             </a:extLst>
           </p:cNvPr>
@@ -9419,7 +11096,7 @@
         </p:nvSpPr>
         <p:spPr>
           <a:xfrm>
-            <a:off x="712379" y="1450650"/>
+            <a:off x="1988835" y="1290282"/>
             <a:ext cx="1728000" cy="648000"/>
           </a:xfrm>
           <a:prstGeom prst="roundRect">
@@ -9465,7 +11142,7 @@
                 <a:latin typeface="微软雅黑" panose="020B0503020204020204" pitchFamily="34" charset="-122"/>
                 <a:ea typeface="微软雅黑" panose="020B0503020204020204" pitchFamily="34" charset="-122"/>
               </a:rPr>
-              <a:t>逝者表</a:t>
+              <a:t>认证用户表</a:t>
             </a:r>
             <a:endParaRPr lang="en-US" altLang="zh-CN" b="1">
               <a:solidFill>
@@ -9485,7 +11162,7 @@
                 <a:latin typeface="微软雅黑" panose="020B0503020204020204" pitchFamily="34" charset="-122"/>
                 <a:ea typeface="微软雅黑" panose="020B0503020204020204" pitchFamily="34" charset="-122"/>
               </a:rPr>
-              <a:t>the_dead</a:t>
+              <a:t>IdentifyUser</a:t>
             </a:r>
             <a:endParaRPr lang="zh-CN" altLang="en-US" b="1">
               <a:solidFill>
@@ -9499,10 +11176,10 @@
       </p:sp>
       <p:sp>
         <p:nvSpPr>
-          <p:cNvPr id="25" name="矩形: 圆角 24">
-            <a:extLst>
-              <a:ext uri="{FF2B5EF4-FFF2-40B4-BE49-F238E27FC236}">
-                <a16:creationId xmlns:a16="http://schemas.microsoft.com/office/drawing/2014/main" id="{94761DED-5DDC-43C9-8ED4-686426672624}"/>
+          <p:cNvPr id="76" name="矩形: 圆角 75">
+            <a:extLst>
+              <a:ext uri="{FF2B5EF4-FFF2-40B4-BE49-F238E27FC236}">
+                <a16:creationId xmlns:a16="http://schemas.microsoft.com/office/drawing/2014/main" id="{67599F8A-A3F4-4877-98C3-03099CBAFA35}"/>
               </a:ext>
             </a:extLst>
           </p:cNvPr>
@@ -9511,12 +11188,12 @@
         </p:nvSpPr>
         <p:spPr>
           <a:xfrm>
-            <a:off x="712379" y="2098650"/>
-            <a:ext cx="1728000" cy="2352052"/>
+            <a:off x="3716835" y="1290282"/>
+            <a:ext cx="3617025" cy="5003566"/>
           </a:xfrm>
           <a:prstGeom prst="roundRect">
             <a:avLst>
-              <a:gd name="adj" fmla="val 5494"/>
+              <a:gd name="adj" fmla="val 3177"/>
             </a:avLst>
           </a:prstGeom>
           <a:noFill/>
@@ -9577,7 +11254,7 @@
                 <a:latin typeface="微软雅黑" panose="020B0503020204020204" pitchFamily="34" charset="-122"/>
                 <a:ea typeface="微软雅黑" panose="020B0503020204020204" pitchFamily="34" charset="-122"/>
               </a:rPr>
-              <a:t>姓名</a:t>
+              <a:t>昵称</a:t>
             </a:r>
             <a:endParaRPr lang="en-US" altLang="zh-CN" sz="1400" b="1">
               <a:solidFill>
@@ -9596,7 +11273,7 @@
                 <a:latin typeface="微软雅黑" panose="020B0503020204020204" pitchFamily="34" charset="-122"/>
                 <a:ea typeface="微软雅黑" panose="020B0503020204020204" pitchFamily="34" charset="-122"/>
               </a:rPr>
-              <a:t>性别</a:t>
+              <a:t>头像哈希</a:t>
             </a:r>
             <a:endParaRPr lang="en-US" altLang="zh-CN" sz="1400" b="1">
               <a:solidFill>
@@ -9615,7 +11292,7 @@
                 <a:latin typeface="微软雅黑" panose="020B0503020204020204" pitchFamily="34" charset="-122"/>
                 <a:ea typeface="微软雅黑" panose="020B0503020204020204" pitchFamily="34" charset="-122"/>
               </a:rPr>
-              <a:t>出生地址</a:t>
+              <a:t>姓名</a:t>
             </a:r>
             <a:endParaRPr lang="en-US" altLang="zh-CN" sz="1400" b="1">
               <a:solidFill>
@@ -9634,26 +11311,7 @@
                 <a:latin typeface="微软雅黑" panose="020B0503020204020204" pitchFamily="34" charset="-122"/>
                 <a:ea typeface="微软雅黑" panose="020B0503020204020204" pitchFamily="34" charset="-122"/>
               </a:rPr>
-              <a:t>逝世地址</a:t>
-            </a:r>
-            <a:br>
-              <a:rPr lang="en-US" altLang="zh-CN" sz="1400" b="1">
-                <a:solidFill>
-                  <a:schemeClr val="tx1"/>
-                </a:solidFill>
-                <a:latin typeface="微软雅黑" panose="020B0503020204020204" pitchFamily="34" charset="-122"/>
-                <a:ea typeface="微软雅黑" panose="020B0503020204020204" pitchFamily="34" charset="-122"/>
-              </a:rPr>
-            </a:br>
-            <a:r>
-              <a:rPr lang="zh-CN" altLang="en-US" sz="1400" b="1">
-                <a:solidFill>
-                  <a:schemeClr val="tx1"/>
-                </a:solidFill>
-                <a:latin typeface="微软雅黑" panose="020B0503020204020204" pitchFamily="34" charset="-122"/>
-                <a:ea typeface="微软雅黑" panose="020B0503020204020204" pitchFamily="34" charset="-122"/>
-              </a:rPr>
-              <a:t>出生年月日</a:t>
+              <a:t>身份名称</a:t>
             </a:r>
             <a:endParaRPr lang="en-US" altLang="zh-CN" sz="1400" b="1">
               <a:solidFill>
@@ -9672,7 +11330,7 @@
                 <a:latin typeface="微软雅黑" panose="020B0503020204020204" pitchFamily="34" charset="-122"/>
                 <a:ea typeface="微软雅黑" panose="020B0503020204020204" pitchFamily="34" charset="-122"/>
               </a:rPr>
-              <a:t>逝世年月日</a:t>
+              <a:t>性别</a:t>
             </a:r>
             <a:endParaRPr lang="en-US" altLang="zh-CN" sz="1400" b="1">
               <a:solidFill>
@@ -9691,7 +11349,7 @@
                 <a:latin typeface="微软雅黑" panose="020B0503020204020204" pitchFamily="34" charset="-122"/>
                 <a:ea typeface="微软雅黑" panose="020B0503020204020204" pitchFamily="34" charset="-122"/>
               </a:rPr>
-              <a:t>身份证</a:t>
+              <a:t>手机号</a:t>
             </a:r>
             <a:endParaRPr lang="en-US" altLang="zh-CN" sz="1400" b="1">
               <a:solidFill>
@@ -9710,7 +11368,64 @@
                 <a:latin typeface="微软雅黑" panose="020B0503020204020204" pitchFamily="34" charset="-122"/>
                 <a:ea typeface="微软雅黑" panose="020B0503020204020204" pitchFamily="34" charset="-122"/>
               </a:rPr>
-              <a:t>其他证件</a:t>
+              <a:t>微信号</a:t>
+            </a:r>
+            <a:br>
+              <a:rPr lang="en-US" altLang="zh-CN" sz="1400" b="1">
+                <a:solidFill>
+                  <a:schemeClr val="tx1"/>
+                </a:solidFill>
+                <a:latin typeface="微软雅黑" panose="020B0503020204020204" pitchFamily="34" charset="-122"/>
+                <a:ea typeface="微软雅黑" panose="020B0503020204020204" pitchFamily="34" charset="-122"/>
+              </a:rPr>
+            </a:br>
+            <a:r>
+              <a:rPr lang="zh-CN" altLang="en-US" sz="1400" b="1">
+                <a:solidFill>
+                  <a:schemeClr val="tx1"/>
+                </a:solidFill>
+                <a:latin typeface="微软雅黑" panose="020B0503020204020204" pitchFamily="34" charset="-122"/>
+                <a:ea typeface="微软雅黑" panose="020B0503020204020204" pitchFamily="34" charset="-122"/>
+              </a:rPr>
+              <a:t>邮箱</a:t>
+            </a:r>
+            <a:br>
+              <a:rPr lang="en-US" altLang="zh-CN" sz="1400" b="1">
+                <a:solidFill>
+                  <a:schemeClr val="tx1"/>
+                </a:solidFill>
+                <a:latin typeface="微软雅黑" panose="020B0503020204020204" pitchFamily="34" charset="-122"/>
+                <a:ea typeface="微软雅黑" panose="020B0503020204020204" pitchFamily="34" charset="-122"/>
+              </a:rPr>
+            </a:br>
+            <a:r>
+              <a:rPr lang="zh-CN" altLang="en-US" sz="1400" b="1">
+                <a:solidFill>
+                  <a:schemeClr val="tx1"/>
+                </a:solidFill>
+                <a:latin typeface="微软雅黑" panose="020B0503020204020204" pitchFamily="34" charset="-122"/>
+                <a:ea typeface="微软雅黑" panose="020B0503020204020204" pitchFamily="34" charset="-122"/>
+              </a:rPr>
+              <a:t>家庭地址</a:t>
+            </a:r>
+            <a:br>
+              <a:rPr lang="en-US" altLang="zh-CN" sz="1400" b="1">
+                <a:solidFill>
+                  <a:schemeClr val="tx1"/>
+                </a:solidFill>
+                <a:latin typeface="微软雅黑" panose="020B0503020204020204" pitchFamily="34" charset="-122"/>
+                <a:ea typeface="微软雅黑" panose="020B0503020204020204" pitchFamily="34" charset="-122"/>
+              </a:rPr>
+            </a:br>
+            <a:r>
+              <a:rPr lang="zh-CN" altLang="en-US" sz="1400" b="1">
+                <a:solidFill>
+                  <a:schemeClr val="tx1"/>
+                </a:solidFill>
+                <a:latin typeface="微软雅黑" panose="020B0503020204020204" pitchFamily="34" charset="-122"/>
+                <a:ea typeface="微软雅黑" panose="020B0503020204020204" pitchFamily="34" charset="-122"/>
+              </a:rPr>
+              <a:t>出生年月日</a:t>
             </a:r>
             <a:endParaRPr lang="en-US" altLang="zh-CN" sz="1400" b="1">
               <a:solidFill>
@@ -9729,7 +11444,7 @@
                 <a:latin typeface="微软雅黑" panose="020B0503020204020204" pitchFamily="34" charset="-122"/>
                 <a:ea typeface="微软雅黑" panose="020B0503020204020204" pitchFamily="34" charset="-122"/>
               </a:rPr>
-              <a:t>简介</a:t>
+              <a:t>身份证</a:t>
             </a:r>
             <a:endParaRPr lang="en-US" altLang="zh-CN" sz="1400" b="1">
               <a:solidFill>
@@ -9739,12 +11454,234 @@
               <a:ea typeface="微软雅黑" panose="020B0503020204020204" pitchFamily="34" charset="-122"/>
             </a:endParaRPr>
           </a:p>
+          <a:p>
+            <a:r>
+              <a:rPr lang="zh-CN" altLang="en-US" sz="1400" b="1">
+                <a:solidFill>
+                  <a:schemeClr val="tx1"/>
+                </a:solidFill>
+                <a:latin typeface="微软雅黑" panose="020B0503020204020204" pitchFamily="34" charset="-122"/>
+                <a:ea typeface="微软雅黑" panose="020B0503020204020204" pitchFamily="34" charset="-122"/>
+              </a:rPr>
+              <a:t>其他证件</a:t>
+            </a:r>
+            <a:endParaRPr lang="en-US" altLang="zh-CN" sz="1400" b="1">
+              <a:solidFill>
+                <a:schemeClr val="tx1"/>
+              </a:solidFill>
+              <a:latin typeface="微软雅黑" panose="020B0503020204020204" pitchFamily="34" charset="-122"/>
+              <a:ea typeface="微软雅黑" panose="020B0503020204020204" pitchFamily="34" charset="-122"/>
+            </a:endParaRPr>
+          </a:p>
+          <a:p>
+            <a:r>
+              <a:rPr lang="zh-CN" altLang="en-US" sz="1400" b="1">
+                <a:solidFill>
+                  <a:schemeClr val="tx1"/>
+                </a:solidFill>
+                <a:latin typeface="微软雅黑" panose="020B0503020204020204" pitchFamily="34" charset="-122"/>
+                <a:ea typeface="微软雅黑" panose="020B0503020204020204" pitchFamily="34" charset="-122"/>
+              </a:rPr>
+              <a:t>照片哈希 </a:t>
+            </a:r>
+            <a:r>
+              <a:rPr lang="en-US" altLang="zh-CN" sz="1400" b="1">
+                <a:solidFill>
+                  <a:schemeClr val="tx1"/>
+                </a:solidFill>
+                <a:latin typeface="微软雅黑" panose="020B0503020204020204" pitchFamily="34" charset="-122"/>
+                <a:ea typeface="微软雅黑" panose="020B0503020204020204" pitchFamily="34" charset="-122"/>
+              </a:rPr>
+              <a:t>[111,222,333]</a:t>
+            </a:r>
+          </a:p>
+          <a:p>
+            <a:r>
+              <a:rPr lang="zh-CN" altLang="en-US" sz="1400" b="1">
+                <a:solidFill>
+                  <a:schemeClr val="tx1"/>
+                </a:solidFill>
+                <a:latin typeface="微软雅黑" panose="020B0503020204020204" pitchFamily="34" charset="-122"/>
+                <a:ea typeface="微软雅黑" panose="020B0503020204020204" pitchFamily="34" charset="-122"/>
+              </a:rPr>
+              <a:t>简介哈希</a:t>
+            </a:r>
+            <a:endParaRPr lang="en-US" altLang="zh-CN" sz="1400" b="1">
+              <a:solidFill>
+                <a:schemeClr val="tx1"/>
+              </a:solidFill>
+              <a:latin typeface="微软雅黑" panose="020B0503020204020204" pitchFamily="34" charset="-122"/>
+              <a:ea typeface="微软雅黑" panose="020B0503020204020204" pitchFamily="34" charset="-122"/>
+            </a:endParaRPr>
+          </a:p>
+          <a:p>
+            <a:r>
+              <a:rPr lang="zh-CN" altLang="en-US" sz="1400" b="1">
+                <a:solidFill>
+                  <a:schemeClr val="tx1"/>
+                </a:solidFill>
+                <a:latin typeface="微软雅黑" panose="020B0503020204020204" pitchFamily="34" charset="-122"/>
+                <a:ea typeface="微软雅黑" panose="020B0503020204020204" pitchFamily="34" charset="-122"/>
+              </a:rPr>
+              <a:t>学历</a:t>
+            </a:r>
+            <a:endParaRPr lang="en-US" altLang="zh-CN" sz="1400" b="1">
+              <a:solidFill>
+                <a:schemeClr val="tx1"/>
+              </a:solidFill>
+              <a:latin typeface="微软雅黑" panose="020B0503020204020204" pitchFamily="34" charset="-122"/>
+              <a:ea typeface="微软雅黑" panose="020B0503020204020204" pitchFamily="34" charset="-122"/>
+            </a:endParaRPr>
+          </a:p>
+          <a:p>
+            <a:r>
+              <a:rPr lang="zh-CN" altLang="en-US" sz="1400" b="1">
+                <a:solidFill>
+                  <a:schemeClr val="tx1"/>
+                </a:solidFill>
+                <a:latin typeface="微软雅黑" panose="020B0503020204020204" pitchFamily="34" charset="-122"/>
+                <a:ea typeface="微软雅黑" panose="020B0503020204020204" pitchFamily="34" charset="-122"/>
+              </a:rPr>
+              <a:t>职业</a:t>
+            </a:r>
+            <a:endParaRPr lang="en-US" altLang="zh-CN" sz="1400" b="1">
+              <a:solidFill>
+                <a:schemeClr val="tx1"/>
+              </a:solidFill>
+              <a:latin typeface="微软雅黑" panose="020B0503020204020204" pitchFamily="34" charset="-122"/>
+              <a:ea typeface="微软雅黑" panose="020B0503020204020204" pitchFamily="34" charset="-122"/>
+            </a:endParaRPr>
+          </a:p>
+          <a:p>
+            <a:r>
+              <a:rPr lang="zh-CN" altLang="en-US" sz="1400" b="1">
+                <a:solidFill>
+                  <a:schemeClr val="tx1"/>
+                </a:solidFill>
+                <a:latin typeface="微软雅黑" panose="020B0503020204020204" pitchFamily="34" charset="-122"/>
+                <a:ea typeface="微软雅黑" panose="020B0503020204020204" pitchFamily="34" charset="-122"/>
+              </a:rPr>
+              <a:t>收入</a:t>
+            </a:r>
+            <a:endParaRPr lang="en-US" altLang="zh-CN" sz="1400" b="1">
+              <a:solidFill>
+                <a:schemeClr val="tx1"/>
+              </a:solidFill>
+              <a:latin typeface="微软雅黑" panose="020B0503020204020204" pitchFamily="34" charset="-122"/>
+              <a:ea typeface="微软雅黑" panose="020B0503020204020204" pitchFamily="34" charset="-122"/>
+            </a:endParaRPr>
+          </a:p>
+          <a:p>
+            <a:r>
+              <a:rPr lang="zh-CN" altLang="en-US" sz="1400" b="1">
+                <a:solidFill>
+                  <a:schemeClr val="tx1"/>
+                </a:solidFill>
+                <a:latin typeface="微软雅黑" panose="020B0503020204020204" pitchFamily="34" charset="-122"/>
+                <a:ea typeface="微软雅黑" panose="020B0503020204020204" pitchFamily="34" charset="-122"/>
+              </a:rPr>
+              <a:t>婚姻状况</a:t>
+            </a:r>
+            <a:endParaRPr lang="en-US" altLang="zh-CN" sz="1400" b="1">
+              <a:solidFill>
+                <a:schemeClr val="tx1"/>
+              </a:solidFill>
+              <a:latin typeface="微软雅黑" panose="020B0503020204020204" pitchFamily="34" charset="-122"/>
+              <a:ea typeface="微软雅黑" panose="020B0503020204020204" pitchFamily="34" charset="-122"/>
+            </a:endParaRPr>
+          </a:p>
+          <a:p>
+            <a:r>
+              <a:rPr lang="zh-CN" altLang="en-US" sz="1400" b="1">
+                <a:solidFill>
+                  <a:schemeClr val="tx1"/>
+                </a:solidFill>
+                <a:latin typeface="微软雅黑" panose="020B0503020204020204" pitchFamily="34" charset="-122"/>
+                <a:ea typeface="微软雅黑" panose="020B0503020204020204" pitchFamily="34" charset="-122"/>
+              </a:rPr>
+              <a:t>爱好</a:t>
+            </a:r>
+            <a:endParaRPr lang="en-US" altLang="zh-CN" sz="1400" b="1">
+              <a:solidFill>
+                <a:schemeClr val="tx1"/>
+              </a:solidFill>
+              <a:latin typeface="微软雅黑" panose="020B0503020204020204" pitchFamily="34" charset="-122"/>
+              <a:ea typeface="微软雅黑" panose="020B0503020204020204" pitchFamily="34" charset="-122"/>
+            </a:endParaRPr>
+          </a:p>
+          <a:p>
+            <a:r>
+              <a:rPr lang="zh-CN" altLang="en-US" sz="1400" b="1">
+                <a:solidFill>
+                  <a:schemeClr val="tx1"/>
+                </a:solidFill>
+                <a:latin typeface="微软雅黑" panose="020B0503020204020204" pitchFamily="34" charset="-122"/>
+                <a:ea typeface="微软雅黑" panose="020B0503020204020204" pitchFamily="34" charset="-122"/>
+              </a:rPr>
+              <a:t>推荐人</a:t>
+            </a:r>
+            <a:r>
+              <a:rPr lang="en-US" altLang="zh-CN" sz="1400" b="1">
+                <a:solidFill>
+                  <a:schemeClr val="tx1"/>
+                </a:solidFill>
+                <a:latin typeface="微软雅黑" panose="020B0503020204020204" pitchFamily="34" charset="-122"/>
+                <a:ea typeface="微软雅黑" panose="020B0503020204020204" pitchFamily="34" charset="-122"/>
+              </a:rPr>
+              <a:t>id</a:t>
+            </a:r>
+            <a:br>
+              <a:rPr lang="en-US" altLang="zh-CN" sz="1400" b="1">
+                <a:solidFill>
+                  <a:schemeClr val="tx1"/>
+                </a:solidFill>
+                <a:latin typeface="微软雅黑" panose="020B0503020204020204" pitchFamily="34" charset="-122"/>
+                <a:ea typeface="微软雅黑" panose="020B0503020204020204" pitchFamily="34" charset="-122"/>
+              </a:rPr>
+            </a:br>
+            <a:r>
+              <a:rPr lang="zh-CN" altLang="en-US" sz="1400" b="1">
+                <a:solidFill>
+                  <a:schemeClr val="tx1"/>
+                </a:solidFill>
+                <a:latin typeface="微软雅黑" panose="020B0503020204020204" pitchFamily="34" charset="-122"/>
+                <a:ea typeface="微软雅黑" panose="020B0503020204020204" pitchFamily="34" charset="-122"/>
+              </a:rPr>
+              <a:t>信佛时长</a:t>
+            </a:r>
+            <a:endParaRPr lang="en-US" altLang="zh-CN" sz="1400" b="1">
+              <a:solidFill>
+                <a:schemeClr val="tx1"/>
+              </a:solidFill>
+              <a:latin typeface="微软雅黑" panose="020B0503020204020204" pitchFamily="34" charset="-122"/>
+              <a:ea typeface="微软雅黑" panose="020B0503020204020204" pitchFamily="34" charset="-122"/>
+            </a:endParaRPr>
+          </a:p>
+          <a:p>
+            <a:r>
+              <a:rPr lang="zh-CN" altLang="en-US" sz="1400" b="1">
+                <a:solidFill>
+                  <a:schemeClr val="tx1"/>
+                </a:solidFill>
+                <a:latin typeface="微软雅黑" panose="020B0503020204020204" pitchFamily="34" charset="-122"/>
+                <a:ea typeface="微软雅黑" panose="020B0503020204020204" pitchFamily="34" charset="-122"/>
+              </a:rPr>
+              <a:t>批准标记</a:t>
+            </a:r>
+            <a:endParaRPr lang="en-US" altLang="zh-CN" sz="1400" b="1">
+              <a:solidFill>
+                <a:schemeClr val="tx1"/>
+              </a:solidFill>
+              <a:latin typeface="微软雅黑" panose="020B0503020204020204" pitchFamily="34" charset="-122"/>
+              <a:ea typeface="微软雅黑" panose="020B0503020204020204" pitchFamily="34" charset="-122"/>
+            </a:endParaRPr>
+          </a:p>
         </p:txBody>
       </p:sp>
     </p:spTree>
     <p:extLst>
       <p:ext uri="{BB962C8B-B14F-4D97-AF65-F5344CB8AC3E}">
-        <p14:creationId xmlns:p14="http://schemas.microsoft.com/office/powerpoint/2010/main" val="3102457330"/>
+        <p14:creationId xmlns:p14="http://schemas.microsoft.com/office/powerpoint/2010/main" val="1346285372"/>
       </p:ext>
     </p:extLst>
   </p:cSld>
@@ -9905,17 +11842,17 @@
                 <a:latin typeface="Consolas" panose="020B0609020204030204" pitchFamily="49" charset="0"/>
                 <a:ea typeface="微软雅黑" panose="020B0503020204020204" pitchFamily="34" charset="-122"/>
               </a:rPr>
-              <a:t>寺院</a:t>
+              <a:t>法师</a:t>
             </a:r>
           </a:p>
         </p:txBody>
       </p:sp>
       <p:sp>
         <p:nvSpPr>
-          <p:cNvPr id="11" name="矩形: 圆角 10">
-            <a:extLst>
-              <a:ext uri="{FF2B5EF4-FFF2-40B4-BE49-F238E27FC236}">
-                <a16:creationId xmlns:a16="http://schemas.microsoft.com/office/drawing/2014/main" id="{D598C837-A7FD-4E99-B179-ECED042678D5}"/>
+          <p:cNvPr id="7" name="矩形: 圆角 6">
+            <a:extLst>
+              <a:ext uri="{FF2B5EF4-FFF2-40B4-BE49-F238E27FC236}">
+                <a16:creationId xmlns:a16="http://schemas.microsoft.com/office/drawing/2014/main" id="{1FBF0CD9-7547-4C5D-94A3-CC6A7C0EF46C}"/>
               </a:ext>
             </a:extLst>
           </p:cNvPr>
@@ -9924,7 +11861,7 @@
         </p:nvSpPr>
         <p:spPr>
           <a:xfrm>
-            <a:off x="712379" y="1425217"/>
+            <a:off x="712379" y="1565176"/>
             <a:ext cx="1728000" cy="648000"/>
           </a:xfrm>
           <a:prstGeom prst="roundRect">
@@ -9970,7 +11907,7 @@
                 <a:latin typeface="微软雅黑" panose="020B0503020204020204" pitchFamily="34" charset="-122"/>
                 <a:ea typeface="微软雅黑" panose="020B0503020204020204" pitchFamily="34" charset="-122"/>
               </a:rPr>
-              <a:t>寺院表</a:t>
+              <a:t>法师表</a:t>
             </a:r>
             <a:endParaRPr lang="en-US" altLang="zh-CN" b="1">
               <a:solidFill>
@@ -9990,7 +11927,7 @@
                 <a:latin typeface="微软雅黑" panose="020B0503020204020204" pitchFamily="34" charset="-122"/>
                 <a:ea typeface="微软雅黑" panose="020B0503020204020204" pitchFamily="34" charset="-122"/>
               </a:rPr>
-              <a:t>temple</a:t>
+              <a:t>master</a:t>
             </a:r>
             <a:endParaRPr lang="zh-CN" altLang="en-US" b="1">
               <a:solidFill>
@@ -10004,10 +11941,10 @@
       </p:sp>
       <p:sp>
         <p:nvSpPr>
-          <p:cNvPr id="12" name="矩形: 圆角 11">
-            <a:extLst>
-              <a:ext uri="{FF2B5EF4-FFF2-40B4-BE49-F238E27FC236}">
-                <a16:creationId xmlns:a16="http://schemas.microsoft.com/office/drawing/2014/main" id="{B5DBAD7C-1B34-4258-B15A-BDF132DAC147}"/>
+          <p:cNvPr id="8" name="矩形: 圆角 7">
+            <a:extLst>
+              <a:ext uri="{FF2B5EF4-FFF2-40B4-BE49-F238E27FC236}">
+                <a16:creationId xmlns:a16="http://schemas.microsoft.com/office/drawing/2014/main" id="{7BEF8CFD-7E83-4C02-85CB-8B573ED5C860}"/>
               </a:ext>
             </a:extLst>
           </p:cNvPr>
@@ -10016,8 +11953,8 @@
         </p:nvSpPr>
         <p:spPr>
           <a:xfrm>
-            <a:off x="712379" y="2073216"/>
-            <a:ext cx="1728000" cy="2041583"/>
+            <a:off x="712379" y="2213175"/>
+            <a:ext cx="1728000" cy="1519069"/>
           </a:xfrm>
           <a:prstGeom prst="roundRect">
             <a:avLst>
@@ -10060,7 +11997,7 @@
                 <a:latin typeface="微软雅黑" panose="020B0503020204020204" pitchFamily="34" charset="-122"/>
                 <a:ea typeface="微软雅黑" panose="020B0503020204020204" pitchFamily="34" charset="-122"/>
               </a:rPr>
-              <a:t>寺院</a:t>
+              <a:t>法师</a:t>
             </a:r>
             <a:r>
               <a:rPr lang="en-US" altLang="zh-CN" sz="1400" b="1">
@@ -10082,7 +12019,7 @@
                 <a:latin typeface="微软雅黑" panose="020B0503020204020204" pitchFamily="34" charset="-122"/>
                 <a:ea typeface="微软雅黑" panose="020B0503020204020204" pitchFamily="34" charset="-122"/>
               </a:rPr>
-              <a:t>图片哈希</a:t>
+              <a:t>头像哈希</a:t>
             </a:r>
             <a:endParaRPr lang="en-US" altLang="zh-CN" sz="1400" b="1">
               <a:solidFill>
@@ -10101,7 +12038,7 @@
                 <a:latin typeface="微软雅黑" panose="020B0503020204020204" pitchFamily="34" charset="-122"/>
                 <a:ea typeface="微软雅黑" panose="020B0503020204020204" pitchFamily="34" charset="-122"/>
               </a:rPr>
-              <a:t>名称</a:t>
+              <a:t>法号</a:t>
             </a:r>
             <a:endParaRPr lang="en-US" altLang="zh-CN" sz="1400" b="1">
               <a:solidFill>
@@ -10120,7 +12057,7 @@
                 <a:latin typeface="微软雅黑" panose="020B0503020204020204" pitchFamily="34" charset="-122"/>
                 <a:ea typeface="微软雅黑" panose="020B0503020204020204" pitchFamily="34" charset="-122"/>
               </a:rPr>
-              <a:t>社会信用代码</a:t>
+              <a:t>宗派</a:t>
             </a:r>
             <a:endParaRPr lang="en-US" altLang="zh-CN" sz="1400" b="1">
               <a:solidFill>
@@ -10139,7 +12076,29 @@
                 <a:latin typeface="微软雅黑" panose="020B0503020204020204" pitchFamily="34" charset="-122"/>
                 <a:ea typeface="微软雅黑" panose="020B0503020204020204" pitchFamily="34" charset="-122"/>
               </a:rPr>
-              <a:t>地址</a:t>
+              <a:t>登记证</a:t>
+            </a:r>
+            <a:r>
+              <a:rPr lang="en-US" altLang="zh-CN" sz="1400" b="1">
+                <a:solidFill>
+                  <a:schemeClr val="tx1"/>
+                </a:solidFill>
+                <a:latin typeface="微软雅黑" panose="020B0503020204020204" pitchFamily="34" charset="-122"/>
+                <a:ea typeface="微软雅黑" panose="020B0503020204020204" pitchFamily="34" charset="-122"/>
+              </a:rPr>
+              <a:t>hash</a:t>
+            </a:r>
+          </a:p>
+          <a:p>
+            <a:r>
+              <a:rPr lang="zh-CN" altLang="en-US" sz="1400" b="1">
+                <a:solidFill>
+                  <a:schemeClr val="tx1"/>
+                </a:solidFill>
+                <a:latin typeface="微软雅黑" panose="020B0503020204020204" pitchFamily="34" charset="-122"/>
+                <a:ea typeface="微软雅黑" panose="020B0503020204020204" pitchFamily="34" charset="-122"/>
+              </a:rPr>
+              <a:t>批准标记</a:t>
             </a:r>
             <a:endParaRPr lang="en-US" altLang="zh-CN" sz="1400" b="1">
               <a:solidFill>
@@ -10149,72 +12108,12 @@
               <a:ea typeface="微软雅黑" panose="020B0503020204020204" pitchFamily="34" charset="-122"/>
             </a:endParaRPr>
           </a:p>
-          <a:p>
-            <a:r>
-              <a:rPr lang="zh-CN" altLang="en-US" sz="1400" b="1">
-                <a:solidFill>
-                  <a:schemeClr val="tx1"/>
-                </a:solidFill>
-                <a:latin typeface="微软雅黑" panose="020B0503020204020204" pitchFamily="34" charset="-122"/>
-                <a:ea typeface="微软雅黑" panose="020B0503020204020204" pitchFamily="34" charset="-122"/>
-              </a:rPr>
-              <a:t>宗派</a:t>
-            </a:r>
-            <a:br>
-              <a:rPr lang="en-US" altLang="zh-CN" sz="1400" b="1">
-                <a:solidFill>
-                  <a:schemeClr val="tx1"/>
-                </a:solidFill>
-                <a:latin typeface="微软雅黑" panose="020B0503020204020204" pitchFamily="34" charset="-122"/>
-                <a:ea typeface="微软雅黑" panose="020B0503020204020204" pitchFamily="34" charset="-122"/>
-              </a:rPr>
-            </a:br>
-            <a:r>
-              <a:rPr lang="zh-CN" altLang="en-US" sz="1400" b="1">
-                <a:solidFill>
-                  <a:schemeClr val="tx1"/>
-                </a:solidFill>
-                <a:latin typeface="微软雅黑" panose="020B0503020204020204" pitchFamily="34" charset="-122"/>
-                <a:ea typeface="微软雅黑" panose="020B0503020204020204" pitchFamily="34" charset="-122"/>
-              </a:rPr>
-              <a:t>登记证</a:t>
-            </a:r>
-            <a:r>
-              <a:rPr lang="en-US" altLang="zh-CN" sz="1400" b="1">
-                <a:solidFill>
-                  <a:schemeClr val="tx1"/>
-                </a:solidFill>
-                <a:latin typeface="微软雅黑" panose="020B0503020204020204" pitchFamily="34" charset="-122"/>
-                <a:ea typeface="微软雅黑" panose="020B0503020204020204" pitchFamily="34" charset="-122"/>
-              </a:rPr>
-              <a:t>hash</a:t>
-            </a:r>
-          </a:p>
-          <a:p>
-            <a:r>
-              <a:rPr lang="zh-CN" altLang="en-US" sz="1400" b="1">
-                <a:solidFill>
-                  <a:schemeClr val="tx1"/>
-                </a:solidFill>
-                <a:latin typeface="微软雅黑" panose="020B0503020204020204" pitchFamily="34" charset="-122"/>
-                <a:ea typeface="微软雅黑" panose="020B0503020204020204" pitchFamily="34" charset="-122"/>
-              </a:rPr>
-              <a:t>批准标记</a:t>
-            </a:r>
-            <a:endParaRPr lang="en-US" altLang="zh-CN" sz="1400" b="1">
-              <a:solidFill>
-                <a:schemeClr val="tx1"/>
-              </a:solidFill>
-              <a:latin typeface="微软雅黑" panose="020B0503020204020204" pitchFamily="34" charset="-122"/>
-              <a:ea typeface="微软雅黑" panose="020B0503020204020204" pitchFamily="34" charset="-122"/>
-            </a:endParaRPr>
-          </a:p>
         </p:txBody>
       </p:sp>
     </p:spTree>
     <p:extLst>
       <p:ext uri="{BB962C8B-B14F-4D97-AF65-F5344CB8AC3E}">
-        <p14:creationId xmlns:p14="http://schemas.microsoft.com/office/powerpoint/2010/main" val="1825651506"/>
+        <p14:creationId xmlns:p14="http://schemas.microsoft.com/office/powerpoint/2010/main" val="3067279633"/>
       </p:ext>
     </p:extLst>
   </p:cSld>
@@ -10375,17 +12274,17 @@
                 <a:latin typeface="Consolas" panose="020B0609020204030204" pitchFamily="49" charset="0"/>
                 <a:ea typeface="微软雅黑" panose="020B0503020204020204" pitchFamily="34" charset="-122"/>
               </a:rPr>
-              <a:t>法师</a:t>
+              <a:t>寺院</a:t>
             </a:r>
           </a:p>
         </p:txBody>
       </p:sp>
       <p:sp>
         <p:nvSpPr>
-          <p:cNvPr id="7" name="矩形: 圆角 6">
-            <a:extLst>
-              <a:ext uri="{FF2B5EF4-FFF2-40B4-BE49-F238E27FC236}">
-                <a16:creationId xmlns:a16="http://schemas.microsoft.com/office/drawing/2014/main" id="{1FBF0CD9-7547-4C5D-94A3-CC6A7C0EF46C}"/>
+          <p:cNvPr id="11" name="矩形: 圆角 10">
+            <a:extLst>
+              <a:ext uri="{FF2B5EF4-FFF2-40B4-BE49-F238E27FC236}">
+                <a16:creationId xmlns:a16="http://schemas.microsoft.com/office/drawing/2014/main" id="{D598C837-A7FD-4E99-B179-ECED042678D5}"/>
               </a:ext>
             </a:extLst>
           </p:cNvPr>
@@ -10394,7 +12293,7 @@
         </p:nvSpPr>
         <p:spPr>
           <a:xfrm>
-            <a:off x="712379" y="1565176"/>
+            <a:off x="712379" y="1425217"/>
             <a:ext cx="1728000" cy="648000"/>
           </a:xfrm>
           <a:prstGeom prst="roundRect">
@@ -10440,7 +12339,7 @@
                 <a:latin typeface="微软雅黑" panose="020B0503020204020204" pitchFamily="34" charset="-122"/>
                 <a:ea typeface="微软雅黑" panose="020B0503020204020204" pitchFamily="34" charset="-122"/>
               </a:rPr>
-              <a:t>法师表</a:t>
+              <a:t>寺院表</a:t>
             </a:r>
             <a:endParaRPr lang="en-US" altLang="zh-CN" b="1">
               <a:solidFill>
@@ -10460,7 +12359,7 @@
                 <a:latin typeface="微软雅黑" panose="020B0503020204020204" pitchFamily="34" charset="-122"/>
                 <a:ea typeface="微软雅黑" panose="020B0503020204020204" pitchFamily="34" charset="-122"/>
               </a:rPr>
-              <a:t>master</a:t>
+              <a:t>temple</a:t>
             </a:r>
             <a:endParaRPr lang="zh-CN" altLang="en-US" b="1">
               <a:solidFill>
@@ -10474,10 +12373,10 @@
       </p:sp>
       <p:sp>
         <p:nvSpPr>
-          <p:cNvPr id="8" name="矩形: 圆角 7">
-            <a:extLst>
-              <a:ext uri="{FF2B5EF4-FFF2-40B4-BE49-F238E27FC236}">
-                <a16:creationId xmlns:a16="http://schemas.microsoft.com/office/drawing/2014/main" id="{7BEF8CFD-7E83-4C02-85CB-8B573ED5C860}"/>
+          <p:cNvPr id="12" name="矩形: 圆角 11">
+            <a:extLst>
+              <a:ext uri="{FF2B5EF4-FFF2-40B4-BE49-F238E27FC236}">
+                <a16:creationId xmlns:a16="http://schemas.microsoft.com/office/drawing/2014/main" id="{B5DBAD7C-1B34-4258-B15A-BDF132DAC147}"/>
               </a:ext>
             </a:extLst>
           </p:cNvPr>
@@ -10486,8 +12385,8 @@
         </p:nvSpPr>
         <p:spPr>
           <a:xfrm>
-            <a:off x="712379" y="2213175"/>
-            <a:ext cx="1728000" cy="1519069"/>
+            <a:off x="712379" y="2073216"/>
+            <a:ext cx="1728000" cy="2041583"/>
           </a:xfrm>
           <a:prstGeom prst="roundRect">
             <a:avLst>
@@ -10530,7 +12429,7 @@
                 <a:latin typeface="微软雅黑" panose="020B0503020204020204" pitchFamily="34" charset="-122"/>
                 <a:ea typeface="微软雅黑" panose="020B0503020204020204" pitchFamily="34" charset="-122"/>
               </a:rPr>
-              <a:t>法师</a:t>
+              <a:t>寺院</a:t>
             </a:r>
             <a:r>
               <a:rPr lang="en-US" altLang="zh-CN" sz="1400" b="1">
@@ -10552,7 +12451,7 @@
                 <a:latin typeface="微软雅黑" panose="020B0503020204020204" pitchFamily="34" charset="-122"/>
                 <a:ea typeface="微软雅黑" panose="020B0503020204020204" pitchFamily="34" charset="-122"/>
               </a:rPr>
-              <a:t>头像哈希</a:t>
+              <a:t>图片哈希</a:t>
             </a:r>
             <a:endParaRPr lang="en-US" altLang="zh-CN" sz="1400" b="1">
               <a:solidFill>
@@ -10571,7 +12470,7 @@
                 <a:latin typeface="微软雅黑" panose="020B0503020204020204" pitchFamily="34" charset="-122"/>
                 <a:ea typeface="微软雅黑" panose="020B0503020204020204" pitchFamily="34" charset="-122"/>
               </a:rPr>
-              <a:t>法号</a:t>
+              <a:t>名称</a:t>
             </a:r>
             <a:endParaRPr lang="en-US" altLang="zh-CN" sz="1400" b="1">
               <a:solidFill>
@@ -10590,7 +12489,7 @@
                 <a:latin typeface="微软雅黑" panose="020B0503020204020204" pitchFamily="34" charset="-122"/>
                 <a:ea typeface="微软雅黑" panose="020B0503020204020204" pitchFamily="34" charset="-122"/>
               </a:rPr>
-              <a:t>宗派</a:t>
+              <a:t>社会信用代码</a:t>
             </a:r>
             <a:endParaRPr lang="en-US" altLang="zh-CN" sz="1400" b="1">
               <a:solidFill>
@@ -10609,29 +12508,7 @@
                 <a:latin typeface="微软雅黑" panose="020B0503020204020204" pitchFamily="34" charset="-122"/>
                 <a:ea typeface="微软雅黑" panose="020B0503020204020204" pitchFamily="34" charset="-122"/>
               </a:rPr>
-              <a:t>登记证</a:t>
-            </a:r>
-            <a:r>
-              <a:rPr lang="en-US" altLang="zh-CN" sz="1400" b="1">
-                <a:solidFill>
-                  <a:schemeClr val="tx1"/>
-                </a:solidFill>
-                <a:latin typeface="微软雅黑" panose="020B0503020204020204" pitchFamily="34" charset="-122"/>
-                <a:ea typeface="微软雅黑" panose="020B0503020204020204" pitchFamily="34" charset="-122"/>
-              </a:rPr>
-              <a:t>hash</a:t>
-            </a:r>
-          </a:p>
-          <a:p>
-            <a:r>
-              <a:rPr lang="zh-CN" altLang="en-US" sz="1400" b="1">
-                <a:solidFill>
-                  <a:schemeClr val="tx1"/>
-                </a:solidFill>
-                <a:latin typeface="微软雅黑" panose="020B0503020204020204" pitchFamily="34" charset="-122"/>
-                <a:ea typeface="微软雅黑" panose="020B0503020204020204" pitchFamily="34" charset="-122"/>
-              </a:rPr>
-              <a:t>批准标记</a:t>
+              <a:t>地址</a:t>
             </a:r>
             <a:endParaRPr lang="en-US" altLang="zh-CN" sz="1400" b="1">
               <a:solidFill>
@@ -10641,12 +12518,278 @@
               <a:ea typeface="微软雅黑" panose="020B0503020204020204" pitchFamily="34" charset="-122"/>
             </a:endParaRPr>
           </a:p>
+          <a:p>
+            <a:r>
+              <a:rPr lang="zh-CN" altLang="en-US" sz="1400" b="1">
+                <a:solidFill>
+                  <a:schemeClr val="tx1"/>
+                </a:solidFill>
+                <a:latin typeface="微软雅黑" panose="020B0503020204020204" pitchFamily="34" charset="-122"/>
+                <a:ea typeface="微软雅黑" panose="020B0503020204020204" pitchFamily="34" charset="-122"/>
+              </a:rPr>
+              <a:t>宗派</a:t>
+            </a:r>
+            <a:br>
+              <a:rPr lang="en-US" altLang="zh-CN" sz="1400" b="1">
+                <a:solidFill>
+                  <a:schemeClr val="tx1"/>
+                </a:solidFill>
+                <a:latin typeface="微软雅黑" panose="020B0503020204020204" pitchFamily="34" charset="-122"/>
+                <a:ea typeface="微软雅黑" panose="020B0503020204020204" pitchFamily="34" charset="-122"/>
+              </a:rPr>
+            </a:br>
+            <a:r>
+              <a:rPr lang="zh-CN" altLang="en-US" sz="1400" b="1">
+                <a:solidFill>
+                  <a:schemeClr val="tx1"/>
+                </a:solidFill>
+                <a:latin typeface="微软雅黑" panose="020B0503020204020204" pitchFamily="34" charset="-122"/>
+                <a:ea typeface="微软雅黑" panose="020B0503020204020204" pitchFamily="34" charset="-122"/>
+              </a:rPr>
+              <a:t>登记证</a:t>
+            </a:r>
+            <a:r>
+              <a:rPr lang="en-US" altLang="zh-CN" sz="1400" b="1">
+                <a:solidFill>
+                  <a:schemeClr val="tx1"/>
+                </a:solidFill>
+                <a:latin typeface="微软雅黑" panose="020B0503020204020204" pitchFamily="34" charset="-122"/>
+                <a:ea typeface="微软雅黑" panose="020B0503020204020204" pitchFamily="34" charset="-122"/>
+              </a:rPr>
+              <a:t>hash</a:t>
+            </a:r>
+          </a:p>
+          <a:p>
+            <a:r>
+              <a:rPr lang="zh-CN" altLang="en-US" sz="1400" b="1">
+                <a:solidFill>
+                  <a:schemeClr val="tx1"/>
+                </a:solidFill>
+                <a:latin typeface="微软雅黑" panose="020B0503020204020204" pitchFamily="34" charset="-122"/>
+                <a:ea typeface="微软雅黑" panose="020B0503020204020204" pitchFamily="34" charset="-122"/>
+              </a:rPr>
+              <a:t>批准标记</a:t>
+            </a:r>
+            <a:endParaRPr lang="en-US" altLang="zh-CN" sz="1400" b="1">
+              <a:solidFill>
+                <a:schemeClr val="tx1"/>
+              </a:solidFill>
+              <a:latin typeface="微软雅黑" panose="020B0503020204020204" pitchFamily="34" charset="-122"/>
+              <a:ea typeface="微软雅黑" panose="020B0503020204020204" pitchFamily="34" charset="-122"/>
+            </a:endParaRPr>
+          </a:p>
+        </p:txBody>
+      </p:sp>
+      <p:sp>
+        <p:nvSpPr>
+          <p:cNvPr id="7" name="矩形: 圆角 6">
+            <a:extLst>
+              <a:ext uri="{FF2B5EF4-FFF2-40B4-BE49-F238E27FC236}">
+                <a16:creationId xmlns:a16="http://schemas.microsoft.com/office/drawing/2014/main" id="{EA7606CC-4F87-49F8-B90F-4101F15492EC}"/>
+              </a:ext>
+            </a:extLst>
+          </p:cNvPr>
+          <p:cNvSpPr/>
+          <p:nvPr/>
+        </p:nvSpPr>
+        <p:spPr>
+          <a:xfrm>
+            <a:off x="3511563" y="1425216"/>
+            <a:ext cx="1944000" cy="648000"/>
+          </a:xfrm>
+          <a:prstGeom prst="roundRect">
+            <a:avLst/>
+          </a:prstGeom>
+          <a:solidFill>
+            <a:schemeClr val="bg1">
+              <a:lumMod val="95000"/>
+            </a:schemeClr>
+          </a:solidFill>
+          <a:ln>
+            <a:solidFill>
+              <a:schemeClr val="tx1"/>
+            </a:solidFill>
+          </a:ln>
+        </p:spPr>
+        <p:style>
+          <a:lnRef idx="2">
+            <a:schemeClr val="accent1">
+              <a:shade val="50000"/>
+            </a:schemeClr>
+          </a:lnRef>
+          <a:fillRef idx="1">
+            <a:schemeClr val="accent1"/>
+          </a:fillRef>
+          <a:effectRef idx="0">
+            <a:schemeClr val="accent1"/>
+          </a:effectRef>
+          <a:fontRef idx="minor">
+            <a:schemeClr val="lt1"/>
+          </a:fontRef>
+        </p:style>
+        <p:txBody>
+          <a:bodyPr wrap="none" lIns="36000" tIns="36000" rIns="36000" bIns="36000" rtlCol="0" anchor="ctr" anchorCtr="0"/>
+          <a:lstStyle/>
+          <a:p>
+            <a:pPr algn="ctr"/>
+            <a:r>
+              <a:rPr lang="zh-CN" altLang="en-US" b="1">
+                <a:solidFill>
+                  <a:schemeClr val="tx1"/>
+                </a:solidFill>
+                <a:latin typeface="微软雅黑" panose="020B0503020204020204" pitchFamily="34" charset="-122"/>
+                <a:ea typeface="微软雅黑" panose="020B0503020204020204" pitchFamily="34" charset="-122"/>
+              </a:rPr>
+              <a:t>寺院法师表</a:t>
+            </a:r>
+            <a:endParaRPr lang="en-US" altLang="zh-CN" b="1">
+              <a:solidFill>
+                <a:schemeClr val="tx1"/>
+              </a:solidFill>
+              <a:latin typeface="微软雅黑" panose="020B0503020204020204" pitchFamily="34" charset="-122"/>
+              <a:ea typeface="微软雅黑" panose="020B0503020204020204" pitchFamily="34" charset="-122"/>
+            </a:endParaRPr>
+          </a:p>
+          <a:p>
+            <a:pPr algn="ctr"/>
+            <a:r>
+              <a:rPr lang="en-US" altLang="zh-CN" b="1">
+                <a:solidFill>
+                  <a:schemeClr val="tx1"/>
+                </a:solidFill>
+                <a:latin typeface="微软雅黑" panose="020B0503020204020204" pitchFamily="34" charset="-122"/>
+                <a:ea typeface="微软雅黑" panose="020B0503020204020204" pitchFamily="34" charset="-122"/>
+              </a:rPr>
+              <a:t>temple_master</a:t>
+            </a:r>
+            <a:endParaRPr lang="zh-CN" altLang="en-US" b="1">
+              <a:solidFill>
+                <a:schemeClr val="tx1"/>
+              </a:solidFill>
+              <a:latin typeface="微软雅黑" panose="020B0503020204020204" pitchFamily="34" charset="-122"/>
+              <a:ea typeface="微软雅黑" panose="020B0503020204020204" pitchFamily="34" charset="-122"/>
+            </a:endParaRPr>
+          </a:p>
+        </p:txBody>
+      </p:sp>
+      <p:sp>
+        <p:nvSpPr>
+          <p:cNvPr id="8" name="矩形: 圆角 7">
+            <a:extLst>
+              <a:ext uri="{FF2B5EF4-FFF2-40B4-BE49-F238E27FC236}">
+                <a16:creationId xmlns:a16="http://schemas.microsoft.com/office/drawing/2014/main" id="{3E958C08-7993-412E-8821-ED04BC0E2E47}"/>
+              </a:ext>
+            </a:extLst>
+          </p:cNvPr>
+          <p:cNvSpPr/>
+          <p:nvPr/>
+        </p:nvSpPr>
+        <p:spPr>
+          <a:xfrm>
+            <a:off x="3511562" y="2073216"/>
+            <a:ext cx="1943999" cy="828604"/>
+          </a:xfrm>
+          <a:prstGeom prst="roundRect">
+            <a:avLst>
+              <a:gd name="adj" fmla="val 5494"/>
+            </a:avLst>
+          </a:prstGeom>
+          <a:noFill/>
+          <a:ln>
+            <a:solidFill>
+              <a:schemeClr val="tx2"/>
+            </a:solidFill>
+            <a:prstDash val="dash"/>
+          </a:ln>
+        </p:spPr>
+        <p:style>
+          <a:lnRef idx="2">
+            <a:schemeClr val="accent1">
+              <a:shade val="50000"/>
+            </a:schemeClr>
+          </a:lnRef>
+          <a:fillRef idx="1">
+            <a:schemeClr val="accent1"/>
+          </a:fillRef>
+          <a:effectRef idx="0">
+            <a:schemeClr val="accent1"/>
+          </a:effectRef>
+          <a:fontRef idx="minor">
+            <a:schemeClr val="lt1"/>
+          </a:fontRef>
+        </p:style>
+        <p:txBody>
+          <a:bodyPr rtlCol="0" anchor="b" anchorCtr="0"/>
+          <a:lstStyle/>
+          <a:p>
+            <a:r>
+              <a:rPr lang="zh-CN" altLang="en-US" sz="1400" b="1">
+                <a:solidFill>
+                  <a:schemeClr val="tx1"/>
+                </a:solidFill>
+                <a:latin typeface="微软雅黑" panose="020B0503020204020204" pitchFamily="34" charset="-122"/>
+                <a:ea typeface="微软雅黑" panose="020B0503020204020204" pitchFamily="34" charset="-122"/>
+              </a:rPr>
+              <a:t>寺院</a:t>
+            </a:r>
+            <a:r>
+              <a:rPr lang="en-US" altLang="zh-CN" sz="1400" b="1">
+                <a:solidFill>
+                  <a:schemeClr val="tx1"/>
+                </a:solidFill>
+                <a:latin typeface="微软雅黑" panose="020B0503020204020204" pitchFamily="34" charset="-122"/>
+                <a:ea typeface="微软雅黑" panose="020B0503020204020204" pitchFamily="34" charset="-122"/>
+              </a:rPr>
+              <a:t>id</a:t>
+            </a:r>
+          </a:p>
+          <a:p>
+            <a:r>
+              <a:rPr lang="zh-CN" altLang="en-US" sz="1400" b="1">
+                <a:solidFill>
+                  <a:schemeClr val="tx1"/>
+                </a:solidFill>
+                <a:latin typeface="微软雅黑" panose="020B0503020204020204" pitchFamily="34" charset="-122"/>
+                <a:ea typeface="微软雅黑" panose="020B0503020204020204" pitchFamily="34" charset="-122"/>
+              </a:rPr>
+              <a:t>法师</a:t>
+            </a:r>
+            <a:r>
+              <a:rPr lang="en-US" altLang="zh-CN" sz="1400" b="1">
+                <a:solidFill>
+                  <a:schemeClr val="tx1"/>
+                </a:solidFill>
+                <a:latin typeface="微软雅黑" panose="020B0503020204020204" pitchFamily="34" charset="-122"/>
+                <a:ea typeface="微软雅黑" panose="020B0503020204020204" pitchFamily="34" charset="-122"/>
+              </a:rPr>
+              <a:t>id</a:t>
+            </a:r>
+          </a:p>
+          <a:p>
+            <a:r>
+              <a:rPr lang="zh-CN" altLang="en-US" sz="1400" b="1">
+                <a:solidFill>
+                  <a:schemeClr val="tx1"/>
+                </a:solidFill>
+                <a:latin typeface="微软雅黑" panose="020B0503020204020204" pitchFamily="34" charset="-122"/>
+                <a:ea typeface="微软雅黑" panose="020B0503020204020204" pitchFamily="34" charset="-122"/>
+              </a:rPr>
+              <a:t>批准标记</a:t>
+            </a:r>
+            <a:endParaRPr lang="en-US" altLang="zh-CN" sz="1400" b="1">
+              <a:solidFill>
+                <a:schemeClr val="tx1"/>
+              </a:solidFill>
+              <a:latin typeface="微软雅黑" panose="020B0503020204020204" pitchFamily="34" charset="-122"/>
+              <a:ea typeface="微软雅黑" panose="020B0503020204020204" pitchFamily="34" charset="-122"/>
+            </a:endParaRPr>
+          </a:p>
         </p:txBody>
       </p:sp>
     </p:spTree>
     <p:extLst>
       <p:ext uri="{BB962C8B-B14F-4D97-AF65-F5344CB8AC3E}">
-        <p14:creationId xmlns:p14="http://schemas.microsoft.com/office/powerpoint/2010/main" val="3067279633"/>
+        <p14:creationId xmlns:p14="http://schemas.microsoft.com/office/powerpoint/2010/main" val="1825651506"/>
       </p:ext>
     </p:extLst>
   </p:cSld>
@@ -10789,7 +12932,7 @@
         <p:spPr>
           <a:xfrm>
             <a:off x="712379" y="173975"/>
-            <a:ext cx="3057247" cy="584775"/>
+            <a:ext cx="1005403" cy="584775"/>
           </a:xfrm>
           <a:prstGeom prst="rect">
             <a:avLst/>
@@ -10807,17 +12950,17 @@
                 <a:latin typeface="Consolas" panose="020B0609020204030204" pitchFamily="49" charset="0"/>
                 <a:ea typeface="微软雅黑" panose="020B0503020204020204" pitchFamily="34" charset="-122"/>
               </a:rPr>
-              <a:t>寺院法师表结构</a:t>
+              <a:t>逝者</a:t>
             </a:r>
           </a:p>
         </p:txBody>
       </p:sp>
       <p:sp>
         <p:nvSpPr>
-          <p:cNvPr id="7" name="矩形: 圆角 6">
-            <a:extLst>
-              <a:ext uri="{FF2B5EF4-FFF2-40B4-BE49-F238E27FC236}">
-                <a16:creationId xmlns:a16="http://schemas.microsoft.com/office/drawing/2014/main" id="{1FBF0CD9-7547-4C5D-94A3-CC6A7C0EF46C}"/>
+          <p:cNvPr id="24" name="矩形: 圆角 23">
+            <a:extLst>
+              <a:ext uri="{FF2B5EF4-FFF2-40B4-BE49-F238E27FC236}">
+                <a16:creationId xmlns:a16="http://schemas.microsoft.com/office/drawing/2014/main" id="{054B5812-949B-49BF-AC5E-79F7289B8E25}"/>
               </a:ext>
             </a:extLst>
           </p:cNvPr>
@@ -10826,8 +12969,8 @@
         </p:nvSpPr>
         <p:spPr>
           <a:xfrm>
-            <a:off x="712379" y="1565176"/>
-            <a:ext cx="1944000" cy="648000"/>
+            <a:off x="712379" y="1450650"/>
+            <a:ext cx="1728000" cy="648000"/>
           </a:xfrm>
           <a:prstGeom prst="roundRect">
             <a:avLst/>
@@ -10872,7 +13015,7 @@
                 <a:latin typeface="微软雅黑" panose="020B0503020204020204" pitchFamily="34" charset="-122"/>
                 <a:ea typeface="微软雅黑" panose="020B0503020204020204" pitchFamily="34" charset="-122"/>
               </a:rPr>
-              <a:t>寺院法师表</a:t>
+              <a:t>逝者表</a:t>
             </a:r>
             <a:endParaRPr lang="en-US" altLang="zh-CN" b="1">
               <a:solidFill>
@@ -10892,7 +13035,7 @@
                 <a:latin typeface="微软雅黑" panose="020B0503020204020204" pitchFamily="34" charset="-122"/>
                 <a:ea typeface="微软雅黑" panose="020B0503020204020204" pitchFamily="34" charset="-122"/>
               </a:rPr>
-              <a:t>temple_master</a:t>
+              <a:t>the_dead</a:t>
             </a:r>
             <a:endParaRPr lang="zh-CN" altLang="en-US" b="1">
               <a:solidFill>
@@ -10906,10 +13049,10 @@
       </p:sp>
       <p:sp>
         <p:nvSpPr>
-          <p:cNvPr id="8" name="矩形: 圆角 7">
-            <a:extLst>
-              <a:ext uri="{FF2B5EF4-FFF2-40B4-BE49-F238E27FC236}">
-                <a16:creationId xmlns:a16="http://schemas.microsoft.com/office/drawing/2014/main" id="{7BEF8CFD-7E83-4C02-85CB-8B573ED5C860}"/>
+          <p:cNvPr id="25" name="矩形: 圆角 24">
+            <a:extLst>
+              <a:ext uri="{FF2B5EF4-FFF2-40B4-BE49-F238E27FC236}">
+                <a16:creationId xmlns:a16="http://schemas.microsoft.com/office/drawing/2014/main" id="{94761DED-5DDC-43C9-8ED4-686426672624}"/>
               </a:ext>
             </a:extLst>
           </p:cNvPr>
@@ -10918,8 +13061,8 @@
         </p:nvSpPr>
         <p:spPr>
           <a:xfrm>
-            <a:off x="712378" y="2213176"/>
-            <a:ext cx="1943999" cy="828604"/>
+            <a:off x="712379" y="2098650"/>
+            <a:ext cx="1728000" cy="2352052"/>
           </a:xfrm>
           <a:prstGeom prst="roundRect">
             <a:avLst>
@@ -10962,7 +13105,7 @@
                 <a:latin typeface="微软雅黑" panose="020B0503020204020204" pitchFamily="34" charset="-122"/>
                 <a:ea typeface="微软雅黑" panose="020B0503020204020204" pitchFamily="34" charset="-122"/>
               </a:rPr>
-              <a:t>寺院</a:t>
+              <a:t>用户</a:t>
             </a:r>
             <a:r>
               <a:rPr lang="en-US" altLang="zh-CN" sz="1400" b="1">
@@ -10984,29 +13127,7 @@
                 <a:latin typeface="微软雅黑" panose="020B0503020204020204" pitchFamily="34" charset="-122"/>
                 <a:ea typeface="微软雅黑" panose="020B0503020204020204" pitchFamily="34" charset="-122"/>
               </a:rPr>
-              <a:t>法师</a:t>
-            </a:r>
-            <a:r>
-              <a:rPr lang="en-US" altLang="zh-CN" sz="1400" b="1">
-                <a:solidFill>
-                  <a:schemeClr val="tx1"/>
-                </a:solidFill>
-                <a:latin typeface="微软雅黑" panose="020B0503020204020204" pitchFamily="34" charset="-122"/>
-                <a:ea typeface="微软雅黑" panose="020B0503020204020204" pitchFamily="34" charset="-122"/>
-              </a:rPr>
-              <a:t>id</a:t>
-            </a:r>
-          </a:p>
-          <a:p>
-            <a:r>
-              <a:rPr lang="zh-CN" altLang="en-US" sz="1400" b="1">
-                <a:solidFill>
-                  <a:schemeClr val="tx1"/>
-                </a:solidFill>
-                <a:latin typeface="微软雅黑" panose="020B0503020204020204" pitchFamily="34" charset="-122"/>
-                <a:ea typeface="微软雅黑" panose="020B0503020204020204" pitchFamily="34" charset="-122"/>
-              </a:rPr>
-              <a:t>批准标记</a:t>
+              <a:t>姓名</a:t>
             </a:r>
             <a:endParaRPr lang="en-US" altLang="zh-CN" sz="1400" b="1">
               <a:solidFill>
@@ -11016,12 +13137,164 @@
               <a:ea typeface="微软雅黑" panose="020B0503020204020204" pitchFamily="34" charset="-122"/>
             </a:endParaRPr>
           </a:p>
+          <a:p>
+            <a:r>
+              <a:rPr lang="zh-CN" altLang="en-US" sz="1400" b="1">
+                <a:solidFill>
+                  <a:schemeClr val="tx1"/>
+                </a:solidFill>
+                <a:latin typeface="微软雅黑" panose="020B0503020204020204" pitchFamily="34" charset="-122"/>
+                <a:ea typeface="微软雅黑" panose="020B0503020204020204" pitchFamily="34" charset="-122"/>
+              </a:rPr>
+              <a:t>性别</a:t>
+            </a:r>
+            <a:endParaRPr lang="en-US" altLang="zh-CN" sz="1400" b="1">
+              <a:solidFill>
+                <a:schemeClr val="tx1"/>
+              </a:solidFill>
+              <a:latin typeface="微软雅黑" panose="020B0503020204020204" pitchFamily="34" charset="-122"/>
+              <a:ea typeface="微软雅黑" panose="020B0503020204020204" pitchFamily="34" charset="-122"/>
+            </a:endParaRPr>
+          </a:p>
+          <a:p>
+            <a:r>
+              <a:rPr lang="zh-CN" altLang="en-US" sz="1400" b="1">
+                <a:solidFill>
+                  <a:schemeClr val="tx1"/>
+                </a:solidFill>
+                <a:latin typeface="微软雅黑" panose="020B0503020204020204" pitchFamily="34" charset="-122"/>
+                <a:ea typeface="微软雅黑" panose="020B0503020204020204" pitchFamily="34" charset="-122"/>
+              </a:rPr>
+              <a:t>出生地址</a:t>
+            </a:r>
+            <a:endParaRPr lang="en-US" altLang="zh-CN" sz="1400" b="1">
+              <a:solidFill>
+                <a:schemeClr val="tx1"/>
+              </a:solidFill>
+              <a:latin typeface="微软雅黑" panose="020B0503020204020204" pitchFamily="34" charset="-122"/>
+              <a:ea typeface="微软雅黑" panose="020B0503020204020204" pitchFamily="34" charset="-122"/>
+            </a:endParaRPr>
+          </a:p>
+          <a:p>
+            <a:r>
+              <a:rPr lang="zh-CN" altLang="en-US" sz="1400" b="1">
+                <a:solidFill>
+                  <a:schemeClr val="tx1"/>
+                </a:solidFill>
+                <a:latin typeface="微软雅黑" panose="020B0503020204020204" pitchFamily="34" charset="-122"/>
+                <a:ea typeface="微软雅黑" panose="020B0503020204020204" pitchFamily="34" charset="-122"/>
+              </a:rPr>
+              <a:t>逝世地址</a:t>
+            </a:r>
+            <a:br>
+              <a:rPr lang="en-US" altLang="zh-CN" sz="1400" b="1">
+                <a:solidFill>
+                  <a:schemeClr val="tx1"/>
+                </a:solidFill>
+                <a:latin typeface="微软雅黑" panose="020B0503020204020204" pitchFamily="34" charset="-122"/>
+                <a:ea typeface="微软雅黑" panose="020B0503020204020204" pitchFamily="34" charset="-122"/>
+              </a:rPr>
+            </a:br>
+            <a:r>
+              <a:rPr lang="zh-CN" altLang="en-US" sz="1400" b="1">
+                <a:solidFill>
+                  <a:schemeClr val="tx1"/>
+                </a:solidFill>
+                <a:latin typeface="微软雅黑" panose="020B0503020204020204" pitchFamily="34" charset="-122"/>
+                <a:ea typeface="微软雅黑" panose="020B0503020204020204" pitchFamily="34" charset="-122"/>
+              </a:rPr>
+              <a:t>出生年月日</a:t>
+            </a:r>
+            <a:endParaRPr lang="en-US" altLang="zh-CN" sz="1400" b="1">
+              <a:solidFill>
+                <a:schemeClr val="tx1"/>
+              </a:solidFill>
+              <a:latin typeface="微软雅黑" panose="020B0503020204020204" pitchFamily="34" charset="-122"/>
+              <a:ea typeface="微软雅黑" panose="020B0503020204020204" pitchFamily="34" charset="-122"/>
+            </a:endParaRPr>
+          </a:p>
+          <a:p>
+            <a:r>
+              <a:rPr lang="zh-CN" altLang="en-US" sz="1400" b="1">
+                <a:solidFill>
+                  <a:schemeClr val="tx1"/>
+                </a:solidFill>
+                <a:latin typeface="微软雅黑" panose="020B0503020204020204" pitchFamily="34" charset="-122"/>
+                <a:ea typeface="微软雅黑" panose="020B0503020204020204" pitchFamily="34" charset="-122"/>
+              </a:rPr>
+              <a:t>逝世年月日</a:t>
+            </a:r>
+            <a:endParaRPr lang="en-US" altLang="zh-CN" sz="1400" b="1">
+              <a:solidFill>
+                <a:schemeClr val="tx1"/>
+              </a:solidFill>
+              <a:latin typeface="微软雅黑" panose="020B0503020204020204" pitchFamily="34" charset="-122"/>
+              <a:ea typeface="微软雅黑" panose="020B0503020204020204" pitchFamily="34" charset="-122"/>
+            </a:endParaRPr>
+          </a:p>
+          <a:p>
+            <a:r>
+              <a:rPr lang="zh-CN" altLang="en-US" sz="1400" b="1">
+                <a:solidFill>
+                  <a:schemeClr val="tx1"/>
+                </a:solidFill>
+                <a:latin typeface="微软雅黑" panose="020B0503020204020204" pitchFamily="34" charset="-122"/>
+                <a:ea typeface="微软雅黑" panose="020B0503020204020204" pitchFamily="34" charset="-122"/>
+              </a:rPr>
+              <a:t>身份证</a:t>
+            </a:r>
+            <a:endParaRPr lang="en-US" altLang="zh-CN" sz="1400" b="1">
+              <a:solidFill>
+                <a:schemeClr val="tx1"/>
+              </a:solidFill>
+              <a:latin typeface="微软雅黑" panose="020B0503020204020204" pitchFamily="34" charset="-122"/>
+              <a:ea typeface="微软雅黑" panose="020B0503020204020204" pitchFamily="34" charset="-122"/>
+            </a:endParaRPr>
+          </a:p>
+          <a:p>
+            <a:r>
+              <a:rPr lang="zh-CN" altLang="en-US" sz="1400" b="1">
+                <a:solidFill>
+                  <a:schemeClr val="tx1"/>
+                </a:solidFill>
+                <a:latin typeface="微软雅黑" panose="020B0503020204020204" pitchFamily="34" charset="-122"/>
+                <a:ea typeface="微软雅黑" panose="020B0503020204020204" pitchFamily="34" charset="-122"/>
+              </a:rPr>
+              <a:t>其他证件</a:t>
+            </a:r>
+            <a:endParaRPr lang="en-US" altLang="zh-CN" sz="1400" b="1">
+              <a:solidFill>
+                <a:schemeClr val="tx1"/>
+              </a:solidFill>
+              <a:latin typeface="微软雅黑" panose="020B0503020204020204" pitchFamily="34" charset="-122"/>
+              <a:ea typeface="微软雅黑" panose="020B0503020204020204" pitchFamily="34" charset="-122"/>
+            </a:endParaRPr>
+          </a:p>
+          <a:p>
+            <a:r>
+              <a:rPr lang="zh-CN" altLang="en-US" sz="1400" b="1">
+                <a:solidFill>
+                  <a:schemeClr val="tx1"/>
+                </a:solidFill>
+                <a:latin typeface="微软雅黑" panose="020B0503020204020204" pitchFamily="34" charset="-122"/>
+                <a:ea typeface="微软雅黑" panose="020B0503020204020204" pitchFamily="34" charset="-122"/>
+              </a:rPr>
+              <a:t>简介</a:t>
+            </a:r>
+            <a:endParaRPr lang="en-US" altLang="zh-CN" sz="1400" b="1">
+              <a:solidFill>
+                <a:schemeClr val="tx1"/>
+              </a:solidFill>
+              <a:latin typeface="微软雅黑" panose="020B0503020204020204" pitchFamily="34" charset="-122"/>
+              <a:ea typeface="微软雅黑" panose="020B0503020204020204" pitchFamily="34" charset="-122"/>
+            </a:endParaRPr>
+          </a:p>
         </p:txBody>
       </p:sp>
     </p:spTree>
     <p:extLst>
       <p:ext uri="{BB962C8B-B14F-4D97-AF65-F5344CB8AC3E}">
-        <p14:creationId xmlns:p14="http://schemas.microsoft.com/office/powerpoint/2010/main" val="1757985072"/>
+        <p14:creationId xmlns:p14="http://schemas.microsoft.com/office/powerpoint/2010/main" val="3102457330"/>
       </p:ext>
     </p:extLst>
   </p:cSld>
@@ -11062,8 +13335,8 @@
         </p:nvSpPr>
         <p:spPr>
           <a:xfrm>
-            <a:off x="3549980" y="1827254"/>
-            <a:ext cx="2016000" cy="648000"/>
+            <a:off x="2506583" y="1247529"/>
+            <a:ext cx="2520000" cy="648000"/>
           </a:xfrm>
           <a:prstGeom prst="roundRect">
             <a:avLst/>
@@ -11126,7 +13399,7 @@
                 <a:latin typeface="微软雅黑" panose="020B0503020204020204" pitchFamily="34" charset="-122"/>
                 <a:ea typeface="微软雅黑" panose="020B0503020204020204" pitchFamily="34" charset="-122"/>
               </a:rPr>
-              <a:t>apply_temple</a:t>
+              <a:t>apply_identify_user</a:t>
             </a:r>
             <a:endParaRPr lang="zh-CN" altLang="en-US" sz="1600" b="1">
               <a:solidFill>
@@ -11152,7 +13425,7 @@
         </p:nvSpPr>
         <p:spPr>
           <a:xfrm>
-            <a:off x="712379" y="1650966"/>
+            <a:off x="712379" y="1355529"/>
             <a:ext cx="1080000" cy="432000"/>
           </a:xfrm>
           <a:prstGeom prst="roundRect">
@@ -11196,17 +13469,17 @@
                 <a:latin typeface="微软雅黑" panose="020B0503020204020204" pitchFamily="34" charset="-122"/>
                 <a:ea typeface="微软雅黑" panose="020B0503020204020204" pitchFamily="34" charset="-122"/>
               </a:rPr>
-              <a:t>单签用户</a:t>
+              <a:t>用户</a:t>
             </a:r>
           </a:p>
         </p:txBody>
       </p:sp>
       <p:sp>
         <p:nvSpPr>
-          <p:cNvPr id="51" name="矩形: 圆角 50">
-            <a:extLst>
-              <a:ext uri="{FF2B5EF4-FFF2-40B4-BE49-F238E27FC236}">
-                <a16:creationId xmlns:a16="http://schemas.microsoft.com/office/drawing/2014/main" id="{3362D236-1F3E-4777-B34E-3E36721FFCFC}"/>
+          <p:cNvPr id="61" name="矩形: 圆角 60">
+            <a:extLst>
+              <a:ext uri="{FF2B5EF4-FFF2-40B4-BE49-F238E27FC236}">
+                <a16:creationId xmlns:a16="http://schemas.microsoft.com/office/drawing/2014/main" id="{E3777F73-EAAB-43DE-8A90-6B6D895B1B1F}"/>
               </a:ext>
             </a:extLst>
           </p:cNvPr>
@@ -11215,7 +13488,7 @@
         </p:nvSpPr>
         <p:spPr>
           <a:xfrm>
-            <a:off x="710743" y="2192218"/>
+            <a:off x="712379" y="2527638"/>
             <a:ext cx="1080000" cy="432000"/>
           </a:xfrm>
           <a:prstGeom prst="roundRect">
@@ -11259,17 +13532,17 @@
                 <a:latin typeface="微软雅黑" panose="020B0503020204020204" pitchFamily="34" charset="-122"/>
                 <a:ea typeface="微软雅黑" panose="020B0503020204020204" pitchFamily="34" charset="-122"/>
               </a:rPr>
-              <a:t>多签用户</a:t>
+              <a:t>基金会会员</a:t>
             </a:r>
           </a:p>
         </p:txBody>
       </p:sp>
       <p:sp>
         <p:nvSpPr>
-          <p:cNvPr id="61" name="矩形: 圆角 60">
-            <a:extLst>
-              <a:ext uri="{FF2B5EF4-FFF2-40B4-BE49-F238E27FC236}">
-                <a16:creationId xmlns:a16="http://schemas.microsoft.com/office/drawing/2014/main" id="{E3777F73-EAAB-43DE-8A90-6B6D895B1B1F}"/>
+          <p:cNvPr id="101" name="矩形: 圆角 100">
+            <a:extLst>
+              <a:ext uri="{FF2B5EF4-FFF2-40B4-BE49-F238E27FC236}">
+                <a16:creationId xmlns:a16="http://schemas.microsoft.com/office/drawing/2014/main" id="{2FD8AFDB-B92D-4C27-ABEC-799C66831DBB}"/>
               </a:ext>
             </a:extLst>
           </p:cNvPr>
@@ -11278,7 +13551,189 @@
         </p:nvSpPr>
         <p:spPr>
           <a:xfrm>
-            <a:off x="710743" y="3466510"/>
+            <a:off x="2506583" y="2419638"/>
+            <a:ext cx="2520000" cy="648000"/>
+          </a:xfrm>
+          <a:prstGeom prst="roundRect">
+            <a:avLst/>
+          </a:prstGeom>
+          <a:solidFill>
+            <a:srgbClr val="00B050"/>
+          </a:solidFill>
+          <a:ln>
+            <a:solidFill>
+              <a:schemeClr val="tx1"/>
+            </a:solidFill>
+          </a:ln>
+        </p:spPr>
+        <p:style>
+          <a:lnRef idx="2">
+            <a:schemeClr val="accent1">
+              <a:shade val="50000"/>
+            </a:schemeClr>
+          </a:lnRef>
+          <a:fillRef idx="1">
+            <a:schemeClr val="accent1"/>
+          </a:fillRef>
+          <a:effectRef idx="0">
+            <a:schemeClr val="accent1"/>
+          </a:effectRef>
+          <a:fontRef idx="minor">
+            <a:schemeClr val="lt1"/>
+          </a:fontRef>
+        </p:style>
+        <p:txBody>
+          <a:bodyPr wrap="none" lIns="36000" tIns="36000" rIns="36000" bIns="36000" rtlCol="0" anchor="ctr" anchorCtr="0"/>
+          <a:lstStyle/>
+          <a:p>
+            <a:pPr algn="ctr"/>
+            <a:r>
+              <a:rPr lang="zh-CN" altLang="en-US" sz="1600" b="1">
+                <a:solidFill>
+                  <a:schemeClr val="tx1"/>
+                </a:solidFill>
+                <a:latin typeface="微软雅黑" panose="020B0503020204020204" pitchFamily="34" charset="-122"/>
+                <a:ea typeface="微软雅黑" panose="020B0503020204020204" pitchFamily="34" charset="-122"/>
+              </a:rPr>
+              <a:t>查看申请者</a:t>
+            </a:r>
+            <a:endParaRPr lang="en-US" altLang="zh-CN" sz="1600" b="1">
+              <a:solidFill>
+                <a:schemeClr val="tx1"/>
+              </a:solidFill>
+              <a:latin typeface="微软雅黑" panose="020B0503020204020204" pitchFamily="34" charset="-122"/>
+              <a:ea typeface="微软雅黑" panose="020B0503020204020204" pitchFamily="34" charset="-122"/>
+            </a:endParaRPr>
+          </a:p>
+          <a:p>
+            <a:pPr algn="ctr"/>
+            <a:r>
+              <a:rPr lang="en-US" altLang="zh-CN" sz="1600" b="1">
+                <a:solidFill>
+                  <a:schemeClr val="tx1"/>
+                </a:solidFill>
+                <a:latin typeface="微软雅黑" panose="020B0503020204020204" pitchFamily="34" charset="-122"/>
+                <a:ea typeface="微软雅黑" panose="020B0503020204020204" pitchFamily="34" charset="-122"/>
+              </a:rPr>
+              <a:t>list_identify_user</a:t>
+            </a:r>
+            <a:endParaRPr lang="zh-CN" altLang="en-US" sz="1600" b="1">
+              <a:solidFill>
+                <a:schemeClr val="tx1"/>
+              </a:solidFill>
+              <a:latin typeface="微软雅黑" panose="020B0503020204020204" pitchFamily="34" charset="-122"/>
+              <a:ea typeface="微软雅黑" panose="020B0503020204020204" pitchFamily="34" charset="-122"/>
+            </a:endParaRPr>
+          </a:p>
+        </p:txBody>
+      </p:sp>
+      <p:cxnSp>
+        <p:nvCxnSpPr>
+          <p:cNvPr id="111" name="直接箭头连接符 110">
+            <a:extLst>
+              <a:ext uri="{FF2B5EF4-FFF2-40B4-BE49-F238E27FC236}">
+                <a16:creationId xmlns:a16="http://schemas.microsoft.com/office/drawing/2014/main" id="{E503A773-633A-4D3C-8724-1D424425A2E9}"/>
+              </a:ext>
+            </a:extLst>
+          </p:cNvPr>
+          <p:cNvCxnSpPr>
+            <a:cxnSpLocks/>
+            <a:stCxn id="49" idx="3"/>
+            <a:endCxn id="32" idx="1"/>
+          </p:cNvCxnSpPr>
+          <p:nvPr/>
+        </p:nvCxnSpPr>
+        <p:spPr>
+          <a:xfrm>
+            <a:off x="5026583" y="3913712"/>
+            <a:ext cx="903918" cy="147"/>
+          </a:xfrm>
+          <a:prstGeom prst="straightConnector1">
+            <a:avLst/>
+          </a:prstGeom>
+          <a:ln w="57150">
+            <a:solidFill>
+              <a:srgbClr val="FFC000"/>
+            </a:solidFill>
+            <a:tailEnd type="triangle"/>
+          </a:ln>
+        </p:spPr>
+        <p:style>
+          <a:lnRef idx="1">
+            <a:schemeClr val="accent1"/>
+          </a:lnRef>
+          <a:fillRef idx="0">
+            <a:schemeClr val="accent1"/>
+          </a:fillRef>
+          <a:effectRef idx="0">
+            <a:schemeClr val="accent1"/>
+          </a:effectRef>
+          <a:fontRef idx="minor">
+            <a:schemeClr val="tx1"/>
+          </a:fontRef>
+        </p:style>
+      </p:cxnSp>
+      <p:cxnSp>
+        <p:nvCxnSpPr>
+          <p:cNvPr id="113" name="直接箭头连接符 112">
+            <a:extLst>
+              <a:ext uri="{FF2B5EF4-FFF2-40B4-BE49-F238E27FC236}">
+                <a16:creationId xmlns:a16="http://schemas.microsoft.com/office/drawing/2014/main" id="{A6C2F5A5-BF99-4B50-8A20-06A63668171D}"/>
+              </a:ext>
+            </a:extLst>
+          </p:cNvPr>
+          <p:cNvCxnSpPr>
+            <a:cxnSpLocks/>
+            <a:stCxn id="53" idx="3"/>
+            <a:endCxn id="28" idx="1"/>
+          </p:cNvCxnSpPr>
+          <p:nvPr/>
+        </p:nvCxnSpPr>
+        <p:spPr>
+          <a:xfrm>
+            <a:off x="5026583" y="1571529"/>
+            <a:ext cx="903918" cy="0"/>
+          </a:xfrm>
+          <a:prstGeom prst="straightConnector1">
+            <a:avLst/>
+          </a:prstGeom>
+          <a:ln w="57150">
+            <a:solidFill>
+              <a:srgbClr val="FFC000"/>
+            </a:solidFill>
+            <a:tailEnd type="triangle"/>
+          </a:ln>
+        </p:spPr>
+        <p:style>
+          <a:lnRef idx="1">
+            <a:schemeClr val="accent1"/>
+          </a:lnRef>
+          <a:fillRef idx="0">
+            <a:schemeClr val="accent1"/>
+          </a:fillRef>
+          <a:effectRef idx="0">
+            <a:schemeClr val="accent1"/>
+          </a:effectRef>
+          <a:fontRef idx="minor">
+            <a:schemeClr val="tx1"/>
+          </a:fontRef>
+        </p:style>
+      </p:cxnSp>
+      <p:sp>
+        <p:nvSpPr>
+          <p:cNvPr id="47" name="矩形: 圆角 46">
+            <a:extLst>
+              <a:ext uri="{FF2B5EF4-FFF2-40B4-BE49-F238E27FC236}">
+                <a16:creationId xmlns:a16="http://schemas.microsoft.com/office/drawing/2014/main" id="{A2832FAA-26D6-45C7-81D2-52D1B13FC30D}"/>
+              </a:ext>
+            </a:extLst>
+          </p:cNvPr>
+          <p:cNvSpPr/>
+          <p:nvPr/>
+        </p:nvSpPr>
+        <p:spPr>
+          <a:xfrm>
+            <a:off x="712379" y="3697637"/>
             <a:ext cx="1080000" cy="432000"/>
           </a:xfrm>
           <a:prstGeom prst="roundRect">
@@ -11329,10 +13784,10 @@
       </p:sp>
       <p:sp>
         <p:nvSpPr>
-          <p:cNvPr id="101" name="矩形: 圆角 100">
-            <a:extLst>
-              <a:ext uri="{FF2B5EF4-FFF2-40B4-BE49-F238E27FC236}">
-                <a16:creationId xmlns:a16="http://schemas.microsoft.com/office/drawing/2014/main" id="{2FD8AFDB-B92D-4C27-ABEC-799C66831DBB}"/>
+          <p:cNvPr id="49" name="矩形: 圆角 48">
+            <a:extLst>
+              <a:ext uri="{FF2B5EF4-FFF2-40B4-BE49-F238E27FC236}">
+                <a16:creationId xmlns:a16="http://schemas.microsoft.com/office/drawing/2014/main" id="{9318B74D-0975-4412-852D-C0122D209E75}"/>
               </a:ext>
             </a:extLst>
           </p:cNvPr>
@@ -11341,8 +13796,8 @@
         </p:nvSpPr>
         <p:spPr>
           <a:xfrm>
-            <a:off x="3549980" y="3358510"/>
-            <a:ext cx="2016000" cy="648000"/>
+            <a:off x="2506583" y="3589712"/>
+            <a:ext cx="2520000" cy="648000"/>
           </a:xfrm>
           <a:prstGeom prst="roundRect">
             <a:avLst/>
@@ -11385,7 +13840,7 @@
                 <a:latin typeface="微软雅黑" panose="020B0503020204020204" pitchFamily="34" charset="-122"/>
                 <a:ea typeface="微软雅黑" panose="020B0503020204020204" pitchFamily="34" charset="-122"/>
               </a:rPr>
-              <a:t>查看申请者</a:t>
+              <a:t>批准</a:t>
             </a:r>
             <a:endParaRPr lang="en-US" altLang="zh-CN" sz="1600" b="1">
               <a:solidFill>
@@ -11405,7 +13860,7 @@
                 <a:latin typeface="微软雅黑" panose="020B0503020204020204" pitchFamily="34" charset="-122"/>
                 <a:ea typeface="微软雅黑" panose="020B0503020204020204" pitchFamily="34" charset="-122"/>
               </a:rPr>
-              <a:t>list_temple</a:t>
+              <a:t>approve_identify_user</a:t>
             </a:r>
             <a:endParaRPr lang="zh-CN" altLang="en-US" sz="1600" b="1">
               <a:solidFill>
@@ -11417,104 +13872,12 @@
           </a:p>
         </p:txBody>
       </p:sp>
-      <p:cxnSp>
-        <p:nvCxnSpPr>
-          <p:cNvPr id="111" name="直接箭头连接符 110">
-            <a:extLst>
-              <a:ext uri="{FF2B5EF4-FFF2-40B4-BE49-F238E27FC236}">
-                <a16:creationId xmlns:a16="http://schemas.microsoft.com/office/drawing/2014/main" id="{E503A773-633A-4D3C-8724-1D424425A2E9}"/>
-              </a:ext>
-            </a:extLst>
-          </p:cNvPr>
-          <p:cNvCxnSpPr>
-            <a:cxnSpLocks/>
-            <a:stCxn id="53" idx="3"/>
-            <a:endCxn id="36" idx="1"/>
-          </p:cNvCxnSpPr>
-          <p:nvPr/>
-        </p:nvCxnSpPr>
-        <p:spPr>
-          <a:xfrm>
-            <a:off x="5565980" y="2151254"/>
-            <a:ext cx="1888230" cy="0"/>
-          </a:xfrm>
-          <a:prstGeom prst="straightConnector1">
-            <a:avLst/>
-          </a:prstGeom>
-          <a:ln w="57150">
-            <a:solidFill>
-              <a:srgbClr val="FFC000"/>
-            </a:solidFill>
-            <a:tailEnd type="triangle"/>
-          </a:ln>
-        </p:spPr>
-        <p:style>
-          <a:lnRef idx="1">
-            <a:schemeClr val="accent1"/>
-          </a:lnRef>
-          <a:fillRef idx="0">
-            <a:schemeClr val="accent1"/>
-          </a:fillRef>
-          <a:effectRef idx="0">
-            <a:schemeClr val="accent1"/>
-          </a:effectRef>
-          <a:fontRef idx="minor">
-            <a:schemeClr val="tx1"/>
-          </a:fontRef>
-        </p:style>
-      </p:cxnSp>
-      <p:cxnSp>
-        <p:nvCxnSpPr>
-          <p:cNvPr id="112" name="直接箭头连接符 111">
-            <a:extLst>
-              <a:ext uri="{FF2B5EF4-FFF2-40B4-BE49-F238E27FC236}">
-                <a16:creationId xmlns:a16="http://schemas.microsoft.com/office/drawing/2014/main" id="{769CDA3F-50AD-4BDB-9B81-EAEAFEAC2A92}"/>
-              </a:ext>
-            </a:extLst>
-          </p:cNvPr>
-          <p:cNvCxnSpPr>
-            <a:cxnSpLocks/>
-            <a:stCxn id="49" idx="3"/>
-            <a:endCxn id="52" idx="1"/>
-          </p:cNvCxnSpPr>
-          <p:nvPr/>
-        </p:nvCxnSpPr>
-        <p:spPr>
-          <a:xfrm>
-            <a:off x="5565980" y="4853241"/>
-            <a:ext cx="1888230" cy="0"/>
-          </a:xfrm>
-          <a:prstGeom prst="straightConnector1">
-            <a:avLst/>
-          </a:prstGeom>
-          <a:ln w="57150">
-            <a:solidFill>
-              <a:srgbClr val="FFC000"/>
-            </a:solidFill>
-            <a:tailEnd type="triangle"/>
-          </a:ln>
-        </p:spPr>
-        <p:style>
-          <a:lnRef idx="1">
-            <a:schemeClr val="accent1"/>
-          </a:lnRef>
-          <a:fillRef idx="0">
-            <a:schemeClr val="accent1"/>
-          </a:fillRef>
-          <a:effectRef idx="0">
-            <a:schemeClr val="accent1"/>
-          </a:effectRef>
-          <a:fontRef idx="minor">
-            <a:schemeClr val="tx1"/>
-          </a:fontRef>
-        </p:style>
-      </p:cxnSp>
       <p:sp>
         <p:nvSpPr>
-          <p:cNvPr id="47" name="矩形: 圆角 46">
-            <a:extLst>
-              <a:ext uri="{FF2B5EF4-FFF2-40B4-BE49-F238E27FC236}">
-                <a16:creationId xmlns:a16="http://schemas.microsoft.com/office/drawing/2014/main" id="{A2832FAA-26D6-45C7-81D2-52D1B13FC30D}"/>
+          <p:cNvPr id="89" name="矩形: 圆角 88">
+            <a:extLst>
+              <a:ext uri="{FF2B5EF4-FFF2-40B4-BE49-F238E27FC236}">
+                <a16:creationId xmlns:a16="http://schemas.microsoft.com/office/drawing/2014/main" id="{BCB76878-D819-48AC-AEB8-9F028A450BD7}"/>
               </a:ext>
             </a:extLst>
           </p:cNvPr>
@@ -11523,7 +13886,7 @@
         </p:nvSpPr>
         <p:spPr>
           <a:xfrm>
-            <a:off x="710743" y="4637241"/>
+            <a:off x="714124" y="4867636"/>
             <a:ext cx="1080000" cy="432000"/>
           </a:xfrm>
           <a:prstGeom prst="roundRect">
@@ -11567,17 +13930,17 @@
                 <a:latin typeface="微软雅黑" panose="020B0503020204020204" pitchFamily="34" charset="-122"/>
                 <a:ea typeface="微软雅黑" panose="020B0503020204020204" pitchFamily="34" charset="-122"/>
               </a:rPr>
-              <a:t>基金会会员</a:t>
+              <a:t>申请者</a:t>
             </a:r>
           </a:p>
         </p:txBody>
       </p:sp>
       <p:sp>
         <p:nvSpPr>
-          <p:cNvPr id="49" name="矩形: 圆角 48">
-            <a:extLst>
-              <a:ext uri="{FF2B5EF4-FFF2-40B4-BE49-F238E27FC236}">
-                <a16:creationId xmlns:a16="http://schemas.microsoft.com/office/drawing/2014/main" id="{9318B74D-0975-4412-852D-C0122D209E75}"/>
+          <p:cNvPr id="106" name="矩形: 圆角 105">
+            <a:extLst>
+              <a:ext uri="{FF2B5EF4-FFF2-40B4-BE49-F238E27FC236}">
+                <a16:creationId xmlns:a16="http://schemas.microsoft.com/office/drawing/2014/main" id="{23A35783-45F3-492D-B983-D833D276F213}"/>
               </a:ext>
             </a:extLst>
           </p:cNvPr>
@@ -11586,8 +13949,8 @@
         </p:nvSpPr>
         <p:spPr>
           <a:xfrm>
-            <a:off x="3549980" y="4529241"/>
-            <a:ext cx="2016000" cy="648000"/>
+            <a:off x="2506583" y="4759786"/>
+            <a:ext cx="2520000" cy="648000"/>
           </a:xfrm>
           <a:prstGeom prst="roundRect">
             <a:avLst/>
@@ -11630,7 +13993,7 @@
                 <a:latin typeface="微软雅黑" panose="020B0503020204020204" pitchFamily="34" charset="-122"/>
                 <a:ea typeface="微软雅黑" panose="020B0503020204020204" pitchFamily="34" charset="-122"/>
               </a:rPr>
-              <a:t>批准</a:t>
+              <a:t>判断身份</a:t>
             </a:r>
             <a:endParaRPr lang="en-US" altLang="zh-CN" sz="1600" b="1">
               <a:solidFill>
@@ -11650,160 +14013,7 @@
                 <a:latin typeface="微软雅黑" panose="020B0503020204020204" pitchFamily="34" charset="-122"/>
                 <a:ea typeface="微软雅黑" panose="020B0503020204020204" pitchFamily="34" charset="-122"/>
               </a:rPr>
-              <a:t>approve_temple</a:t>
-            </a:r>
-            <a:endParaRPr lang="zh-CN" altLang="en-US" sz="1600" b="1">
-              <a:solidFill>
-                <a:schemeClr val="tx1"/>
-              </a:solidFill>
-              <a:latin typeface="微软雅黑" panose="020B0503020204020204" pitchFamily="34" charset="-122"/>
-              <a:ea typeface="微软雅黑" panose="020B0503020204020204" pitchFamily="34" charset="-122"/>
-            </a:endParaRPr>
-          </a:p>
-        </p:txBody>
-      </p:sp>
-      <p:sp>
-        <p:nvSpPr>
-          <p:cNvPr id="89" name="矩形: 圆角 88">
-            <a:extLst>
-              <a:ext uri="{FF2B5EF4-FFF2-40B4-BE49-F238E27FC236}">
-                <a16:creationId xmlns:a16="http://schemas.microsoft.com/office/drawing/2014/main" id="{BCB76878-D819-48AC-AEB8-9F028A450BD7}"/>
-              </a:ext>
-            </a:extLst>
-          </p:cNvPr>
-          <p:cNvSpPr/>
-          <p:nvPr/>
-        </p:nvSpPr>
-        <p:spPr>
-          <a:xfrm>
-            <a:off x="710743" y="6014355"/>
-            <a:ext cx="1080000" cy="432000"/>
-          </a:xfrm>
-          <a:prstGeom prst="roundRect">
-            <a:avLst/>
-          </a:prstGeom>
-          <a:solidFill>
-            <a:srgbClr val="00B0F0"/>
-          </a:solidFill>
-          <a:ln>
-            <a:solidFill>
-              <a:schemeClr val="tx1"/>
-            </a:solidFill>
-          </a:ln>
-        </p:spPr>
-        <p:style>
-          <a:lnRef idx="2">
-            <a:schemeClr val="accent1">
-              <a:shade val="50000"/>
-            </a:schemeClr>
-          </a:lnRef>
-          <a:fillRef idx="1">
-            <a:schemeClr val="accent1"/>
-          </a:fillRef>
-          <a:effectRef idx="0">
-            <a:schemeClr val="accent1"/>
-          </a:effectRef>
-          <a:fontRef idx="minor">
-            <a:schemeClr val="lt1"/>
-          </a:fontRef>
-        </p:style>
-        <p:txBody>
-          <a:bodyPr wrap="none" lIns="36000" tIns="36000" rIns="36000" bIns="36000" rtlCol="0" anchor="ctr" anchorCtr="0"/>
-          <a:lstStyle/>
-          <a:p>
-            <a:pPr algn="ctr"/>
-            <a:r>
-              <a:rPr lang="zh-CN" altLang="en-US" sz="1600" b="1">
-                <a:solidFill>
-                  <a:schemeClr val="tx1"/>
-                </a:solidFill>
-                <a:latin typeface="微软雅黑" panose="020B0503020204020204" pitchFamily="34" charset="-122"/>
-                <a:ea typeface="微软雅黑" panose="020B0503020204020204" pitchFamily="34" charset="-122"/>
-              </a:rPr>
-              <a:t>申请者</a:t>
-            </a:r>
-          </a:p>
-        </p:txBody>
-      </p:sp>
-      <p:sp>
-        <p:nvSpPr>
-          <p:cNvPr id="106" name="矩形: 圆角 105">
-            <a:extLst>
-              <a:ext uri="{FF2B5EF4-FFF2-40B4-BE49-F238E27FC236}">
-                <a16:creationId xmlns:a16="http://schemas.microsoft.com/office/drawing/2014/main" id="{23A35783-45F3-492D-B983-D833D276F213}"/>
-              </a:ext>
-            </a:extLst>
-          </p:cNvPr>
-          <p:cNvSpPr/>
-          <p:nvPr/>
-        </p:nvSpPr>
-        <p:spPr>
-          <a:xfrm>
-            <a:off x="3549980" y="5906355"/>
-            <a:ext cx="2016000" cy="648000"/>
-          </a:xfrm>
-          <a:prstGeom prst="roundRect">
-            <a:avLst/>
-          </a:prstGeom>
-          <a:solidFill>
-            <a:srgbClr val="00B050"/>
-          </a:solidFill>
-          <a:ln>
-            <a:solidFill>
-              <a:schemeClr val="tx1"/>
-            </a:solidFill>
-          </a:ln>
-        </p:spPr>
-        <p:style>
-          <a:lnRef idx="2">
-            <a:schemeClr val="accent1">
-              <a:shade val="50000"/>
-            </a:schemeClr>
-          </a:lnRef>
-          <a:fillRef idx="1">
-            <a:schemeClr val="accent1"/>
-          </a:fillRef>
-          <a:effectRef idx="0">
-            <a:schemeClr val="accent1"/>
-          </a:effectRef>
-          <a:fontRef idx="minor">
-            <a:schemeClr val="lt1"/>
-          </a:fontRef>
-        </p:style>
-        <p:txBody>
-          <a:bodyPr wrap="none" lIns="36000" tIns="36000" rIns="36000" bIns="36000" rtlCol="0" anchor="ctr" anchorCtr="0"/>
-          <a:lstStyle/>
-          <a:p>
-            <a:pPr algn="ctr"/>
-            <a:r>
-              <a:rPr lang="zh-CN" altLang="en-US" sz="1600" b="1">
-                <a:solidFill>
-                  <a:schemeClr val="tx1"/>
-                </a:solidFill>
-                <a:latin typeface="微软雅黑" panose="020B0503020204020204" pitchFamily="34" charset="-122"/>
-                <a:ea typeface="微软雅黑" panose="020B0503020204020204" pitchFamily="34" charset="-122"/>
-              </a:rPr>
-              <a:t>判断身份</a:t>
-            </a:r>
-            <a:endParaRPr lang="en-US" altLang="zh-CN" sz="1600" b="1">
-              <a:solidFill>
-                <a:schemeClr val="tx1"/>
-              </a:solidFill>
-              <a:latin typeface="微软雅黑" panose="020B0503020204020204" pitchFamily="34" charset="-122"/>
-              <a:ea typeface="微软雅黑" panose="020B0503020204020204" pitchFamily="34" charset="-122"/>
-            </a:endParaRPr>
-          </a:p>
-          <a:p>
-            <a:pPr algn="ctr"/>
-            <a:r>
-              <a:rPr lang="en-US" altLang="zh-CN" sz="1600" b="1">
-                <a:solidFill>
-                  <a:schemeClr val="tx1"/>
-                </a:solidFill>
-                <a:latin typeface="微软雅黑" panose="020B0503020204020204" pitchFamily="34" charset="-122"/>
-                <a:ea typeface="微软雅黑" panose="020B0503020204020204" pitchFamily="34" charset="-122"/>
-              </a:rPr>
-              <a:t>is_temple</a:t>
+              <a:t>is_identify_user</a:t>
             </a:r>
             <a:endParaRPr lang="zh-CN" altLang="en-US" sz="1600" b="1">
               <a:solidFill>
@@ -11931,7 +14141,7 @@
         <p:spPr>
           <a:xfrm>
             <a:off x="712379" y="173975"/>
-            <a:ext cx="2646878" cy="584775"/>
+            <a:ext cx="3467616" cy="584775"/>
           </a:xfrm>
           <a:prstGeom prst="rect">
             <a:avLst/>
@@ -11949,109 +14159,17 @@
                 <a:latin typeface="Consolas" panose="020B0609020204030204" pitchFamily="49" charset="0"/>
                 <a:ea typeface="微软雅黑" panose="020B0503020204020204" pitchFamily="34" charset="-122"/>
               </a:rPr>
-              <a:t>申请成为寺院</a:t>
+              <a:t>申请成为认证用户</a:t>
             </a:r>
           </a:p>
         </p:txBody>
       </p:sp>
-      <p:cxnSp>
-        <p:nvCxnSpPr>
-          <p:cNvPr id="30" name="直接箭头连接符 29">
-            <a:extLst>
-              <a:ext uri="{FF2B5EF4-FFF2-40B4-BE49-F238E27FC236}">
-                <a16:creationId xmlns:a16="http://schemas.microsoft.com/office/drawing/2014/main" id="{6D35BD7F-9341-4FAD-AA79-42D947CB3E9F}"/>
-              </a:ext>
-            </a:extLst>
-          </p:cNvPr>
-          <p:cNvCxnSpPr>
-            <a:cxnSpLocks/>
-            <a:stCxn id="48" idx="3"/>
-            <a:endCxn id="53" idx="1"/>
-          </p:cNvCxnSpPr>
-          <p:nvPr/>
-        </p:nvCxnSpPr>
-        <p:spPr>
-          <a:xfrm>
-            <a:off x="1792379" y="1866966"/>
-            <a:ext cx="1757601" cy="284288"/>
-          </a:xfrm>
-          <a:prstGeom prst="straightConnector1">
-            <a:avLst/>
-          </a:prstGeom>
-          <a:ln w="31750">
-            <a:solidFill>
-              <a:schemeClr val="tx1"/>
-            </a:solidFill>
-            <a:tailEnd type="triangle"/>
-          </a:ln>
-        </p:spPr>
-        <p:style>
-          <a:lnRef idx="1">
-            <a:schemeClr val="accent1"/>
-          </a:lnRef>
-          <a:fillRef idx="0">
-            <a:schemeClr val="accent1"/>
-          </a:fillRef>
-          <a:effectRef idx="0">
-            <a:schemeClr val="accent1"/>
-          </a:effectRef>
-          <a:fontRef idx="minor">
-            <a:schemeClr val="tx1"/>
-          </a:fontRef>
-        </p:style>
-      </p:cxnSp>
-      <p:cxnSp>
-        <p:nvCxnSpPr>
-          <p:cNvPr id="33" name="直接箭头连接符 32">
-            <a:extLst>
-              <a:ext uri="{FF2B5EF4-FFF2-40B4-BE49-F238E27FC236}">
-                <a16:creationId xmlns:a16="http://schemas.microsoft.com/office/drawing/2014/main" id="{BAE5EA08-CCCD-448F-80E7-B1522490F990}"/>
-              </a:ext>
-            </a:extLst>
-          </p:cNvPr>
-          <p:cNvCxnSpPr>
-            <a:cxnSpLocks/>
-            <a:stCxn id="51" idx="3"/>
-            <a:endCxn id="53" idx="1"/>
-          </p:cNvCxnSpPr>
-          <p:nvPr/>
-        </p:nvCxnSpPr>
-        <p:spPr>
-          <a:xfrm flipV="1">
-            <a:off x="1790743" y="2151254"/>
-            <a:ext cx="1759237" cy="256964"/>
-          </a:xfrm>
-          <a:prstGeom prst="straightConnector1">
-            <a:avLst/>
-          </a:prstGeom>
-          <a:ln w="31750">
-            <a:solidFill>
-              <a:schemeClr val="tx1"/>
-            </a:solidFill>
-            <a:tailEnd type="triangle"/>
-          </a:ln>
-        </p:spPr>
-        <p:style>
-          <a:lnRef idx="1">
-            <a:schemeClr val="accent1"/>
-          </a:lnRef>
-          <a:fillRef idx="0">
-            <a:schemeClr val="accent1"/>
-          </a:fillRef>
-          <a:effectRef idx="0">
-            <a:schemeClr val="accent1"/>
-          </a:effectRef>
-          <a:fontRef idx="minor">
-            <a:schemeClr val="tx1"/>
-          </a:fontRef>
-        </p:style>
-      </p:cxnSp>
       <p:sp>
         <p:nvSpPr>
-          <p:cNvPr id="36" name="矩形: 圆角 35">
-            <a:extLst>
-              <a:ext uri="{FF2B5EF4-FFF2-40B4-BE49-F238E27FC236}">
-                <a16:creationId xmlns:a16="http://schemas.microsoft.com/office/drawing/2014/main" id="{75A7AA2D-75C0-464C-8D06-4B60815D81C4}"/>
+          <p:cNvPr id="28" name="矩形: 圆角 27">
+            <a:extLst>
+              <a:ext uri="{FF2B5EF4-FFF2-40B4-BE49-F238E27FC236}">
+                <a16:creationId xmlns:a16="http://schemas.microsoft.com/office/drawing/2014/main" id="{AB4DE673-24F1-43A2-BCAF-B68C77E8E497}"/>
               </a:ext>
             </a:extLst>
           </p:cNvPr>
@@ -12060,7 +14178,7 @@
         </p:nvSpPr>
         <p:spPr>
           <a:xfrm>
-            <a:off x="7454210" y="1935254"/>
+            <a:off x="5930501" y="1355529"/>
             <a:ext cx="1728000" cy="432000"/>
           </a:xfrm>
           <a:prstGeom prst="roundRect">
@@ -12106,7 +14224,7 @@
                 <a:latin typeface="微软雅黑" panose="020B0503020204020204" pitchFamily="34" charset="-122"/>
                 <a:ea typeface="微软雅黑" panose="020B0503020204020204" pitchFamily="34" charset="-122"/>
               </a:rPr>
-              <a:t>寺院表</a:t>
+              <a:t>认证用户表</a:t>
             </a:r>
             <a:endParaRPr lang="en-US" altLang="zh-CN" sz="1600" b="1">
               <a:solidFill>
@@ -12118,150 +14236,12 @@
           </a:p>
         </p:txBody>
       </p:sp>
-      <p:cxnSp>
-        <p:nvCxnSpPr>
-          <p:cNvPr id="39" name="直接箭头连接符 38">
-            <a:extLst>
-              <a:ext uri="{FF2B5EF4-FFF2-40B4-BE49-F238E27FC236}">
-                <a16:creationId xmlns:a16="http://schemas.microsoft.com/office/drawing/2014/main" id="{7C11B197-AA20-4AEC-9767-6C6D6C20E3EE}"/>
-              </a:ext>
-            </a:extLst>
-          </p:cNvPr>
-          <p:cNvCxnSpPr>
-            <a:cxnSpLocks/>
-            <a:stCxn id="61" idx="3"/>
-            <a:endCxn id="101" idx="1"/>
-          </p:cNvCxnSpPr>
-          <p:nvPr/>
-        </p:nvCxnSpPr>
-        <p:spPr>
-          <a:xfrm>
-            <a:off x="1790743" y="3682510"/>
-            <a:ext cx="1759237" cy="0"/>
-          </a:xfrm>
-          <a:prstGeom prst="straightConnector1">
-            <a:avLst/>
-          </a:prstGeom>
-          <a:ln w="31750">
-            <a:solidFill>
-              <a:schemeClr val="tx1"/>
-            </a:solidFill>
-            <a:tailEnd type="triangle"/>
-          </a:ln>
-        </p:spPr>
-        <p:style>
-          <a:lnRef idx="1">
-            <a:schemeClr val="accent1"/>
-          </a:lnRef>
-          <a:fillRef idx="0">
-            <a:schemeClr val="accent1"/>
-          </a:fillRef>
-          <a:effectRef idx="0">
-            <a:schemeClr val="accent1"/>
-          </a:effectRef>
-          <a:fontRef idx="minor">
-            <a:schemeClr val="tx1"/>
-          </a:fontRef>
-        </p:style>
-      </p:cxnSp>
-      <p:cxnSp>
-        <p:nvCxnSpPr>
-          <p:cNvPr id="42" name="直接箭头连接符 41">
-            <a:extLst>
-              <a:ext uri="{FF2B5EF4-FFF2-40B4-BE49-F238E27FC236}">
-                <a16:creationId xmlns:a16="http://schemas.microsoft.com/office/drawing/2014/main" id="{50A0194E-75A8-4602-A77E-12AF60A97D8E}"/>
-              </a:ext>
-            </a:extLst>
-          </p:cNvPr>
-          <p:cNvCxnSpPr>
-            <a:cxnSpLocks/>
-            <a:stCxn id="47" idx="3"/>
-            <a:endCxn id="49" idx="1"/>
-          </p:cNvCxnSpPr>
-          <p:nvPr/>
-        </p:nvCxnSpPr>
-        <p:spPr>
-          <a:xfrm>
-            <a:off x="1790743" y="4853241"/>
-            <a:ext cx="1759237" cy="0"/>
-          </a:xfrm>
-          <a:prstGeom prst="straightConnector1">
-            <a:avLst/>
-          </a:prstGeom>
-          <a:ln w="31750">
-            <a:solidFill>
-              <a:schemeClr val="tx1"/>
-            </a:solidFill>
-            <a:tailEnd type="triangle"/>
-          </a:ln>
-        </p:spPr>
-        <p:style>
-          <a:lnRef idx="1">
-            <a:schemeClr val="accent1"/>
-          </a:lnRef>
-          <a:fillRef idx="0">
-            <a:schemeClr val="accent1"/>
-          </a:fillRef>
-          <a:effectRef idx="0">
-            <a:schemeClr val="accent1"/>
-          </a:effectRef>
-          <a:fontRef idx="minor">
-            <a:schemeClr val="tx1"/>
-          </a:fontRef>
-        </p:style>
-      </p:cxnSp>
-      <p:cxnSp>
-        <p:nvCxnSpPr>
-          <p:cNvPr id="45" name="直接箭头连接符 44">
-            <a:extLst>
-              <a:ext uri="{FF2B5EF4-FFF2-40B4-BE49-F238E27FC236}">
-                <a16:creationId xmlns:a16="http://schemas.microsoft.com/office/drawing/2014/main" id="{2BAF5D67-B7D9-452A-9220-72C5BE5702FB}"/>
-              </a:ext>
-            </a:extLst>
-          </p:cNvPr>
-          <p:cNvCxnSpPr>
-            <a:cxnSpLocks/>
-            <a:stCxn id="89" idx="3"/>
-            <a:endCxn id="106" idx="1"/>
-          </p:cNvCxnSpPr>
-          <p:nvPr/>
-        </p:nvCxnSpPr>
-        <p:spPr>
-          <a:xfrm>
-            <a:off x="1790743" y="6230355"/>
-            <a:ext cx="1759237" cy="0"/>
-          </a:xfrm>
-          <a:prstGeom prst="straightConnector1">
-            <a:avLst/>
-          </a:prstGeom>
-          <a:ln w="31750">
-            <a:solidFill>
-              <a:schemeClr val="tx1"/>
-            </a:solidFill>
-            <a:tailEnd type="triangle"/>
-          </a:ln>
-        </p:spPr>
-        <p:style>
-          <a:lnRef idx="1">
-            <a:schemeClr val="accent1"/>
-          </a:lnRef>
-          <a:fillRef idx="0">
-            <a:schemeClr val="accent1"/>
-          </a:fillRef>
-          <a:effectRef idx="0">
-            <a:schemeClr val="accent1"/>
-          </a:effectRef>
-          <a:fontRef idx="minor">
-            <a:schemeClr val="tx1"/>
-          </a:fontRef>
-        </p:style>
-      </p:cxnSp>
       <p:sp>
         <p:nvSpPr>
-          <p:cNvPr id="50" name="矩形: 圆角 49">
-            <a:extLst>
-              <a:ext uri="{FF2B5EF4-FFF2-40B4-BE49-F238E27FC236}">
-                <a16:creationId xmlns:a16="http://schemas.microsoft.com/office/drawing/2014/main" id="{B820FC32-532B-4C2E-BF5E-DCE5F9481DF6}"/>
+          <p:cNvPr id="29" name="矩形: 圆角 28">
+            <a:extLst>
+              <a:ext uri="{FF2B5EF4-FFF2-40B4-BE49-F238E27FC236}">
+                <a16:creationId xmlns:a16="http://schemas.microsoft.com/office/drawing/2014/main" id="{A4F902C6-6B93-41CF-919B-8FA5B2861830}"/>
               </a:ext>
             </a:extLst>
           </p:cNvPr>
@@ -12270,7 +14250,7 @@
         </p:nvSpPr>
         <p:spPr>
           <a:xfrm>
-            <a:off x="7454210" y="3466510"/>
+            <a:off x="5930501" y="2527933"/>
             <a:ext cx="1728000" cy="432000"/>
           </a:xfrm>
           <a:prstGeom prst="roundRect">
@@ -12316,7 +14296,7 @@
                 <a:latin typeface="微软雅黑" panose="020B0503020204020204" pitchFamily="34" charset="-122"/>
                 <a:ea typeface="微软雅黑" panose="020B0503020204020204" pitchFamily="34" charset="-122"/>
               </a:rPr>
-              <a:t>寺院表</a:t>
+              <a:t>认证用户表</a:t>
             </a:r>
             <a:endParaRPr lang="en-US" altLang="zh-CN" sz="1600" b="1">
               <a:solidFill>
@@ -12330,10 +14310,10 @@
       </p:sp>
       <p:sp>
         <p:nvSpPr>
-          <p:cNvPr id="52" name="矩形: 圆角 51">
-            <a:extLst>
-              <a:ext uri="{FF2B5EF4-FFF2-40B4-BE49-F238E27FC236}">
-                <a16:creationId xmlns:a16="http://schemas.microsoft.com/office/drawing/2014/main" id="{09B1FE03-E64E-4975-AADD-F71CB563007F}"/>
+          <p:cNvPr id="31" name="矩形: 圆角 30">
+            <a:extLst>
+              <a:ext uri="{FF2B5EF4-FFF2-40B4-BE49-F238E27FC236}">
+                <a16:creationId xmlns:a16="http://schemas.microsoft.com/office/drawing/2014/main" id="{E819C106-E82F-4142-8480-4231C86DEDC3}"/>
               </a:ext>
             </a:extLst>
           </p:cNvPr>
@@ -12342,7 +14322,7 @@
         </p:nvSpPr>
         <p:spPr>
           <a:xfrm>
-            <a:off x="7454210" y="4637241"/>
+            <a:off x="5930501" y="4868226"/>
             <a:ext cx="1728000" cy="432000"/>
           </a:xfrm>
           <a:prstGeom prst="roundRect">
@@ -12388,7 +14368,7 @@
                 <a:latin typeface="微软雅黑" panose="020B0503020204020204" pitchFamily="34" charset="-122"/>
                 <a:ea typeface="微软雅黑" panose="020B0503020204020204" pitchFamily="34" charset="-122"/>
               </a:rPr>
-              <a:t>寺院表</a:t>
+              <a:t>身份表</a:t>
             </a:r>
             <a:endParaRPr lang="en-US" altLang="zh-CN" sz="1600" b="1">
               <a:solidFill>
@@ -12400,98 +14380,210 @@
           </a:p>
         </p:txBody>
       </p:sp>
-      <p:sp>
-        <p:nvSpPr>
-          <p:cNvPr id="54" name="矩形: 圆角 53">
-            <a:extLst>
-              <a:ext uri="{FF2B5EF4-FFF2-40B4-BE49-F238E27FC236}">
-                <a16:creationId xmlns:a16="http://schemas.microsoft.com/office/drawing/2014/main" id="{C9507054-03B8-437F-8382-358441382F62}"/>
-              </a:ext>
-            </a:extLst>
-          </p:cNvPr>
-          <p:cNvSpPr/>
+      <p:cxnSp>
+        <p:nvCxnSpPr>
+          <p:cNvPr id="36" name="直接箭头连接符 35">
+            <a:extLst>
+              <a:ext uri="{FF2B5EF4-FFF2-40B4-BE49-F238E27FC236}">
+                <a16:creationId xmlns:a16="http://schemas.microsoft.com/office/drawing/2014/main" id="{7FC5FF20-90B8-4813-8B3D-EA4D4A445065}"/>
+              </a:ext>
+            </a:extLst>
+          </p:cNvPr>
+          <p:cNvCxnSpPr>
+            <a:cxnSpLocks/>
+            <a:stCxn id="48" idx="3"/>
+            <a:endCxn id="53" idx="1"/>
+          </p:cNvCxnSpPr>
           <p:nvPr/>
-        </p:nvSpPr>
+        </p:nvCxnSpPr>
         <p:spPr>
           <a:xfrm>
-            <a:off x="7454210" y="6014355"/>
-            <a:ext cx="1728000" cy="432000"/>
-          </a:xfrm>
-          <a:prstGeom prst="roundRect">
+            <a:off x="1792379" y="1571529"/>
+            <a:ext cx="714204" cy="0"/>
+          </a:xfrm>
+          <a:prstGeom prst="straightConnector1">
             <a:avLst/>
           </a:prstGeom>
-          <a:solidFill>
-            <a:schemeClr val="bg1">
-              <a:lumMod val="95000"/>
-            </a:schemeClr>
-          </a:solidFill>
-          <a:ln>
+          <a:ln w="31750">
             <a:solidFill>
               <a:schemeClr val="tx1"/>
             </a:solidFill>
+            <a:tailEnd type="triangle"/>
           </a:ln>
         </p:spPr>
         <p:style>
-          <a:lnRef idx="2">
-            <a:schemeClr val="accent1">
-              <a:shade val="50000"/>
-            </a:schemeClr>
+          <a:lnRef idx="1">
+            <a:schemeClr val="accent1"/>
           </a:lnRef>
-          <a:fillRef idx="1">
+          <a:fillRef idx="0">
             <a:schemeClr val="accent1"/>
           </a:fillRef>
           <a:effectRef idx="0">
             <a:schemeClr val="accent1"/>
           </a:effectRef>
           <a:fontRef idx="minor">
-            <a:schemeClr val="lt1"/>
+            <a:schemeClr val="tx1"/>
           </a:fontRef>
         </p:style>
-        <p:txBody>
-          <a:bodyPr wrap="none" lIns="36000" tIns="36000" rIns="36000" bIns="36000" rtlCol="0" anchor="ctr" anchorCtr="0"/>
-          <a:lstStyle/>
-          <a:p>
-            <a:pPr algn="ctr"/>
-            <a:r>
-              <a:rPr lang="zh-CN" altLang="en-US" sz="1600" b="1">
-                <a:solidFill>
-                  <a:schemeClr val="tx1"/>
-                </a:solidFill>
-                <a:latin typeface="微软雅黑" panose="020B0503020204020204" pitchFamily="34" charset="-122"/>
-                <a:ea typeface="微软雅黑" panose="020B0503020204020204" pitchFamily="34" charset="-122"/>
-              </a:rPr>
-              <a:t>寺院表</a:t>
-            </a:r>
-            <a:endParaRPr lang="en-US" altLang="zh-CN" sz="1600" b="1">
-              <a:solidFill>
-                <a:schemeClr val="tx1"/>
-              </a:solidFill>
-              <a:latin typeface="微软雅黑" panose="020B0503020204020204" pitchFamily="34" charset="-122"/>
-              <a:ea typeface="微软雅黑" panose="020B0503020204020204" pitchFamily="34" charset="-122"/>
-            </a:endParaRPr>
-          </a:p>
-        </p:txBody>
-      </p:sp>
+      </p:cxnSp>
       <p:cxnSp>
         <p:nvCxnSpPr>
-          <p:cNvPr id="57" name="直接箭头连接符 56">
-            <a:extLst>
-              <a:ext uri="{FF2B5EF4-FFF2-40B4-BE49-F238E27FC236}">
-                <a16:creationId xmlns:a16="http://schemas.microsoft.com/office/drawing/2014/main" id="{C094293E-A705-41CB-BEA9-46C8B5CAF913}"/>
+          <p:cNvPr id="37" name="直接箭头连接符 36">
+            <a:extLst>
+              <a:ext uri="{FF2B5EF4-FFF2-40B4-BE49-F238E27FC236}">
+                <a16:creationId xmlns:a16="http://schemas.microsoft.com/office/drawing/2014/main" id="{FFC79E0D-D038-4874-A3C2-A37A7DB0BC4B}"/>
               </a:ext>
             </a:extLst>
           </p:cNvPr>
           <p:cNvCxnSpPr>
             <a:cxnSpLocks/>
-            <a:stCxn id="50" idx="1"/>
+            <a:stCxn id="61" idx="3"/>
+            <a:endCxn id="101" idx="1"/>
+          </p:cNvCxnSpPr>
+          <p:nvPr/>
+        </p:nvCxnSpPr>
+        <p:spPr>
+          <a:xfrm>
+            <a:off x="1792379" y="2743638"/>
+            <a:ext cx="714204" cy="0"/>
+          </a:xfrm>
+          <a:prstGeom prst="straightConnector1">
+            <a:avLst/>
+          </a:prstGeom>
+          <a:ln w="31750">
+            <a:solidFill>
+              <a:schemeClr val="tx1"/>
+            </a:solidFill>
+            <a:tailEnd type="triangle"/>
+          </a:ln>
+        </p:spPr>
+        <p:style>
+          <a:lnRef idx="1">
+            <a:schemeClr val="accent1"/>
+          </a:lnRef>
+          <a:fillRef idx="0">
+            <a:schemeClr val="accent1"/>
+          </a:fillRef>
+          <a:effectRef idx="0">
+            <a:schemeClr val="accent1"/>
+          </a:effectRef>
+          <a:fontRef idx="minor">
+            <a:schemeClr val="tx1"/>
+          </a:fontRef>
+        </p:style>
+      </p:cxnSp>
+      <p:cxnSp>
+        <p:nvCxnSpPr>
+          <p:cNvPr id="38" name="直接箭头连接符 37">
+            <a:extLst>
+              <a:ext uri="{FF2B5EF4-FFF2-40B4-BE49-F238E27FC236}">
+                <a16:creationId xmlns:a16="http://schemas.microsoft.com/office/drawing/2014/main" id="{E8F92AF9-D69F-4D7B-B5D9-1D4A43E17114}"/>
+              </a:ext>
+            </a:extLst>
+          </p:cNvPr>
+          <p:cNvCxnSpPr>
+            <a:cxnSpLocks/>
+            <a:stCxn id="47" idx="3"/>
+            <a:endCxn id="49" idx="1"/>
+          </p:cNvCxnSpPr>
+          <p:nvPr/>
+        </p:nvCxnSpPr>
+        <p:spPr>
+          <a:xfrm>
+            <a:off x="1792379" y="3913637"/>
+            <a:ext cx="714204" cy="75"/>
+          </a:xfrm>
+          <a:prstGeom prst="straightConnector1">
+            <a:avLst/>
+          </a:prstGeom>
+          <a:ln w="31750">
+            <a:solidFill>
+              <a:schemeClr val="tx1"/>
+            </a:solidFill>
+            <a:tailEnd type="triangle"/>
+          </a:ln>
+        </p:spPr>
+        <p:style>
+          <a:lnRef idx="1">
+            <a:schemeClr val="accent1"/>
+          </a:lnRef>
+          <a:fillRef idx="0">
+            <a:schemeClr val="accent1"/>
+          </a:fillRef>
+          <a:effectRef idx="0">
+            <a:schemeClr val="accent1"/>
+          </a:effectRef>
+          <a:fontRef idx="minor">
+            <a:schemeClr val="tx1"/>
+          </a:fontRef>
+        </p:style>
+      </p:cxnSp>
+      <p:cxnSp>
+        <p:nvCxnSpPr>
+          <p:cNvPr id="39" name="直接箭头连接符 38">
+            <a:extLst>
+              <a:ext uri="{FF2B5EF4-FFF2-40B4-BE49-F238E27FC236}">
+                <a16:creationId xmlns:a16="http://schemas.microsoft.com/office/drawing/2014/main" id="{1A0D88EE-5297-46FB-B2C2-398888577CDC}"/>
+              </a:ext>
+            </a:extLst>
+          </p:cNvPr>
+          <p:cNvCxnSpPr>
+            <a:cxnSpLocks/>
+            <a:stCxn id="89" idx="3"/>
+            <a:endCxn id="106" idx="1"/>
+          </p:cNvCxnSpPr>
+          <p:nvPr/>
+        </p:nvCxnSpPr>
+        <p:spPr>
+          <a:xfrm>
+            <a:off x="1794124" y="5083636"/>
+            <a:ext cx="712459" cy="150"/>
+          </a:xfrm>
+          <a:prstGeom prst="straightConnector1">
+            <a:avLst/>
+          </a:prstGeom>
+          <a:ln w="31750">
+            <a:solidFill>
+              <a:schemeClr val="tx1"/>
+            </a:solidFill>
+            <a:tailEnd type="triangle"/>
+          </a:ln>
+        </p:spPr>
+        <p:style>
+          <a:lnRef idx="1">
+            <a:schemeClr val="accent1"/>
+          </a:lnRef>
+          <a:fillRef idx="0">
+            <a:schemeClr val="accent1"/>
+          </a:fillRef>
+          <a:effectRef idx="0">
+            <a:schemeClr val="accent1"/>
+          </a:effectRef>
+          <a:fontRef idx="minor">
+            <a:schemeClr val="tx1"/>
+          </a:fontRef>
+        </p:style>
+      </p:cxnSp>
+      <p:cxnSp>
+        <p:nvCxnSpPr>
+          <p:cNvPr id="50" name="直接箭头连接符 49">
+            <a:extLst>
+              <a:ext uri="{FF2B5EF4-FFF2-40B4-BE49-F238E27FC236}">
+                <a16:creationId xmlns:a16="http://schemas.microsoft.com/office/drawing/2014/main" id="{EDA11599-43E1-46C0-9B21-A13B65DE2D70}"/>
+              </a:ext>
+            </a:extLst>
+          </p:cNvPr>
+          <p:cNvCxnSpPr>
+            <a:cxnSpLocks/>
+            <a:stCxn id="29" idx="1"/>
             <a:endCxn id="101" idx="3"/>
           </p:cNvCxnSpPr>
           <p:nvPr/>
         </p:nvCxnSpPr>
         <p:spPr>
-          <a:xfrm flipH="1">
-            <a:off x="5565980" y="3682510"/>
-            <a:ext cx="1888230" cy="0"/>
+          <a:xfrm flipH="1" flipV="1">
+            <a:off x="5026583" y="2743638"/>
+            <a:ext cx="903918" cy="295"/>
           </a:xfrm>
           <a:prstGeom prst="straightConnector1">
             <a:avLst/>
@@ -12520,24 +14612,24 @@
       </p:cxnSp>
       <p:cxnSp>
         <p:nvCxnSpPr>
-          <p:cNvPr id="60" name="直接箭头连接符 59">
-            <a:extLst>
-              <a:ext uri="{FF2B5EF4-FFF2-40B4-BE49-F238E27FC236}">
-                <a16:creationId xmlns:a16="http://schemas.microsoft.com/office/drawing/2014/main" id="{7D59CCE1-D8D3-435B-93AA-72780D2CB287}"/>
+          <p:cNvPr id="51" name="直接箭头连接符 50">
+            <a:extLst>
+              <a:ext uri="{FF2B5EF4-FFF2-40B4-BE49-F238E27FC236}">
+                <a16:creationId xmlns:a16="http://schemas.microsoft.com/office/drawing/2014/main" id="{BDFA6272-0009-4F0B-8BAA-96B8AB2F5157}"/>
               </a:ext>
             </a:extLst>
           </p:cNvPr>
           <p:cNvCxnSpPr>
             <a:cxnSpLocks/>
-            <a:stCxn id="54" idx="1"/>
+            <a:stCxn id="31" idx="1"/>
             <a:endCxn id="106" idx="3"/>
           </p:cNvCxnSpPr>
           <p:nvPr/>
         </p:nvCxnSpPr>
         <p:spPr>
-          <a:xfrm flipH="1">
-            <a:off x="5565980" y="6230355"/>
-            <a:ext cx="1888230" cy="0"/>
+          <a:xfrm flipH="1" flipV="1">
+            <a:off x="5026583" y="5083786"/>
+            <a:ext cx="903918" cy="440"/>
           </a:xfrm>
           <a:prstGeom prst="straightConnector1">
             <a:avLst/>
@@ -12564,10 +14656,328 @@
           </a:fontRef>
         </p:style>
       </p:cxnSp>
+      <p:grpSp>
+        <p:nvGrpSpPr>
+          <p:cNvPr id="5" name="组合 4">
+            <a:extLst>
+              <a:ext uri="{FF2B5EF4-FFF2-40B4-BE49-F238E27FC236}">
+                <a16:creationId xmlns:a16="http://schemas.microsoft.com/office/drawing/2014/main" id="{36F0CAD7-0551-466C-9862-B419272D9474}"/>
+              </a:ext>
+            </a:extLst>
+          </p:cNvPr>
+          <p:cNvGrpSpPr/>
+          <p:nvPr/>
+        </p:nvGrpSpPr>
+        <p:grpSpPr>
+          <a:xfrm>
+            <a:off x="5930501" y="3606419"/>
+            <a:ext cx="5563289" cy="614880"/>
+            <a:chOff x="6628711" y="3620192"/>
+            <a:chExt cx="5563289" cy="614880"/>
+          </a:xfrm>
+        </p:grpSpPr>
+        <p:grpSp>
+          <p:nvGrpSpPr>
+            <p:cNvPr id="2" name="组合 1">
+              <a:extLst>
+                <a:ext uri="{FF2B5EF4-FFF2-40B4-BE49-F238E27FC236}">
+                  <a16:creationId xmlns:a16="http://schemas.microsoft.com/office/drawing/2014/main" id="{F70F7EAF-4D3C-4C0A-8B52-527F2C235945}"/>
+                </a:ext>
+              </a:extLst>
+            </p:cNvPr>
+            <p:cNvGrpSpPr/>
+            <p:nvPr/>
+          </p:nvGrpSpPr>
+          <p:grpSpPr>
+            <a:xfrm>
+              <a:off x="6698402" y="3711337"/>
+              <a:ext cx="5429219" cy="432590"/>
+              <a:chOff x="6698402" y="3697637"/>
+              <a:chExt cx="5429219" cy="432590"/>
+            </a:xfrm>
+          </p:grpSpPr>
+          <p:sp>
+            <p:nvSpPr>
+              <p:cNvPr id="30" name="矩形: 圆角 29">
+                <a:extLst>
+                  <a:ext uri="{FF2B5EF4-FFF2-40B4-BE49-F238E27FC236}">
+                    <a16:creationId xmlns:a16="http://schemas.microsoft.com/office/drawing/2014/main" id="{AB802689-C340-4C27-BA03-1900C5FC70F2}"/>
+                  </a:ext>
+                </a:extLst>
+              </p:cNvPr>
+              <p:cNvSpPr/>
+              <p:nvPr/>
+            </p:nvSpPr>
+            <p:spPr>
+              <a:xfrm>
+                <a:off x="6698402" y="3698227"/>
+                <a:ext cx="1728000" cy="432000"/>
+              </a:xfrm>
+              <a:prstGeom prst="roundRect">
+                <a:avLst/>
+              </a:prstGeom>
+              <a:solidFill>
+                <a:schemeClr val="bg1">
+                  <a:lumMod val="95000"/>
+                </a:schemeClr>
+              </a:solidFill>
+              <a:ln>
+                <a:solidFill>
+                  <a:schemeClr val="tx1"/>
+                </a:solidFill>
+              </a:ln>
+            </p:spPr>
+            <p:style>
+              <a:lnRef idx="2">
+                <a:schemeClr val="accent1">
+                  <a:shade val="50000"/>
+                </a:schemeClr>
+              </a:lnRef>
+              <a:fillRef idx="1">
+                <a:schemeClr val="accent1"/>
+              </a:fillRef>
+              <a:effectRef idx="0">
+                <a:schemeClr val="accent1"/>
+              </a:effectRef>
+              <a:fontRef idx="minor">
+                <a:schemeClr val="lt1"/>
+              </a:fontRef>
+            </p:style>
+            <p:txBody>
+              <a:bodyPr wrap="none" lIns="36000" tIns="36000" rIns="36000" bIns="36000" rtlCol="0" anchor="ctr" anchorCtr="0"/>
+              <a:lstStyle/>
+              <a:p>
+                <a:pPr algn="ctr"/>
+                <a:r>
+                  <a:rPr lang="zh-CN" altLang="en-US" sz="1600" b="1">
+                    <a:solidFill>
+                      <a:schemeClr val="tx1"/>
+                    </a:solidFill>
+                    <a:latin typeface="微软雅黑" panose="020B0503020204020204" pitchFamily="34" charset="-122"/>
+                    <a:ea typeface="微软雅黑" panose="020B0503020204020204" pitchFamily="34" charset="-122"/>
+                  </a:rPr>
+                  <a:t>身份表</a:t>
+                </a:r>
+                <a:endParaRPr lang="en-US" altLang="zh-CN" sz="1600" b="1">
+                  <a:solidFill>
+                    <a:schemeClr val="tx1"/>
+                  </a:solidFill>
+                  <a:latin typeface="微软雅黑" panose="020B0503020204020204" pitchFamily="34" charset="-122"/>
+                  <a:ea typeface="微软雅黑" panose="020B0503020204020204" pitchFamily="34" charset="-122"/>
+                </a:endParaRPr>
+              </a:p>
+            </p:txBody>
+          </p:sp>
+          <p:sp>
+            <p:nvSpPr>
+              <p:cNvPr id="25" name="矩形: 圆角 24">
+                <a:extLst>
+                  <a:ext uri="{FF2B5EF4-FFF2-40B4-BE49-F238E27FC236}">
+                    <a16:creationId xmlns:a16="http://schemas.microsoft.com/office/drawing/2014/main" id="{77ABD838-1157-43E4-97DC-0A2C7A4211CD}"/>
+                  </a:ext>
+                </a:extLst>
+              </p:cNvPr>
+              <p:cNvSpPr/>
+              <p:nvPr/>
+            </p:nvSpPr>
+            <p:spPr>
+              <a:xfrm>
+                <a:off x="8549011" y="3697637"/>
+                <a:ext cx="1728000" cy="432000"/>
+              </a:xfrm>
+              <a:prstGeom prst="roundRect">
+                <a:avLst/>
+              </a:prstGeom>
+              <a:solidFill>
+                <a:schemeClr val="bg1">
+                  <a:lumMod val="95000"/>
+                </a:schemeClr>
+              </a:solidFill>
+              <a:ln>
+                <a:solidFill>
+                  <a:schemeClr val="tx1"/>
+                </a:solidFill>
+              </a:ln>
+            </p:spPr>
+            <p:style>
+              <a:lnRef idx="2">
+                <a:schemeClr val="accent1">
+                  <a:shade val="50000"/>
+                </a:schemeClr>
+              </a:lnRef>
+              <a:fillRef idx="1">
+                <a:schemeClr val="accent1"/>
+              </a:fillRef>
+              <a:effectRef idx="0">
+                <a:schemeClr val="accent1"/>
+              </a:effectRef>
+              <a:fontRef idx="minor">
+                <a:schemeClr val="lt1"/>
+              </a:fontRef>
+            </p:style>
+            <p:txBody>
+              <a:bodyPr wrap="none" lIns="36000" tIns="36000" rIns="36000" bIns="36000" rtlCol="0" anchor="ctr" anchorCtr="0"/>
+              <a:lstStyle/>
+              <a:p>
+                <a:pPr algn="ctr"/>
+                <a:r>
+                  <a:rPr lang="zh-CN" altLang="en-US" sz="1600" b="1">
+                    <a:solidFill>
+                      <a:schemeClr val="tx1"/>
+                    </a:solidFill>
+                    <a:latin typeface="微软雅黑" panose="020B0503020204020204" pitchFamily="34" charset="-122"/>
+                    <a:ea typeface="微软雅黑" panose="020B0503020204020204" pitchFamily="34" charset="-122"/>
+                  </a:rPr>
+                  <a:t>用户表</a:t>
+                </a:r>
+                <a:endParaRPr lang="en-US" altLang="zh-CN" sz="1600" b="1">
+                  <a:solidFill>
+                    <a:schemeClr val="tx1"/>
+                  </a:solidFill>
+                  <a:latin typeface="微软雅黑" panose="020B0503020204020204" pitchFamily="34" charset="-122"/>
+                  <a:ea typeface="微软雅黑" panose="020B0503020204020204" pitchFamily="34" charset="-122"/>
+                </a:endParaRPr>
+              </a:p>
+            </p:txBody>
+          </p:sp>
+          <p:sp>
+            <p:nvSpPr>
+              <p:cNvPr id="26" name="矩形: 圆角 25">
+                <a:extLst>
+                  <a:ext uri="{FF2B5EF4-FFF2-40B4-BE49-F238E27FC236}">
+                    <a16:creationId xmlns:a16="http://schemas.microsoft.com/office/drawing/2014/main" id="{D15B18EA-533D-4922-84CC-B862D85DE005}"/>
+                  </a:ext>
+                </a:extLst>
+              </p:cNvPr>
+              <p:cNvSpPr/>
+              <p:nvPr/>
+            </p:nvSpPr>
+            <p:spPr>
+              <a:xfrm>
+                <a:off x="10399621" y="3697637"/>
+                <a:ext cx="1728000" cy="432000"/>
+              </a:xfrm>
+              <a:prstGeom prst="roundRect">
+                <a:avLst/>
+              </a:prstGeom>
+              <a:solidFill>
+                <a:schemeClr val="bg1">
+                  <a:lumMod val="95000"/>
+                </a:schemeClr>
+              </a:solidFill>
+              <a:ln>
+                <a:solidFill>
+                  <a:schemeClr val="tx1"/>
+                </a:solidFill>
+              </a:ln>
+            </p:spPr>
+            <p:style>
+              <a:lnRef idx="2">
+                <a:schemeClr val="accent1">
+                  <a:shade val="50000"/>
+                </a:schemeClr>
+              </a:lnRef>
+              <a:fillRef idx="1">
+                <a:schemeClr val="accent1"/>
+              </a:fillRef>
+              <a:effectRef idx="0">
+                <a:schemeClr val="accent1"/>
+              </a:effectRef>
+              <a:fontRef idx="minor">
+                <a:schemeClr val="lt1"/>
+              </a:fontRef>
+            </p:style>
+            <p:txBody>
+              <a:bodyPr wrap="none" lIns="36000" tIns="36000" rIns="36000" bIns="36000" rtlCol="0" anchor="ctr" anchorCtr="0"/>
+              <a:lstStyle/>
+              <a:p>
+                <a:pPr algn="ctr"/>
+                <a:r>
+                  <a:rPr lang="zh-CN" altLang="en-US" sz="1600" b="1">
+                    <a:solidFill>
+                      <a:schemeClr val="tx1"/>
+                    </a:solidFill>
+                    <a:latin typeface="微软雅黑" panose="020B0503020204020204" pitchFamily="34" charset="-122"/>
+                    <a:ea typeface="微软雅黑" panose="020B0503020204020204" pitchFamily="34" charset="-122"/>
+                  </a:rPr>
+                  <a:t>认证用户表</a:t>
+                </a:r>
+                <a:endParaRPr lang="en-US" altLang="zh-CN" sz="1600" b="1">
+                  <a:solidFill>
+                    <a:schemeClr val="tx1"/>
+                  </a:solidFill>
+                  <a:latin typeface="微软雅黑" panose="020B0503020204020204" pitchFamily="34" charset="-122"/>
+                  <a:ea typeface="微软雅黑" panose="020B0503020204020204" pitchFamily="34" charset="-122"/>
+                </a:endParaRPr>
+              </a:p>
+            </p:txBody>
+          </p:sp>
+        </p:grpSp>
+        <p:sp>
+          <p:nvSpPr>
+            <p:cNvPr id="32" name="矩形: 圆角 31">
+              <a:extLst>
+                <a:ext uri="{FF2B5EF4-FFF2-40B4-BE49-F238E27FC236}">
+                  <a16:creationId xmlns:a16="http://schemas.microsoft.com/office/drawing/2014/main" id="{09FB4DB3-59B0-4289-8A77-D51655239A0B}"/>
+                </a:ext>
+              </a:extLst>
+            </p:cNvPr>
+            <p:cNvSpPr/>
+            <p:nvPr/>
+          </p:nvSpPr>
+          <p:spPr>
+            <a:xfrm>
+              <a:off x="6628711" y="3620192"/>
+              <a:ext cx="5563289" cy="614880"/>
+            </a:xfrm>
+            <a:prstGeom prst="roundRect">
+              <a:avLst>
+                <a:gd name="adj" fmla="val 1930"/>
+              </a:avLst>
+            </a:prstGeom>
+            <a:noFill/>
+            <a:ln>
+              <a:solidFill>
+                <a:schemeClr val="tx2"/>
+              </a:solidFill>
+              <a:prstDash val="dash"/>
+            </a:ln>
+          </p:spPr>
+          <p:style>
+            <a:lnRef idx="2">
+              <a:schemeClr val="accent1">
+                <a:shade val="50000"/>
+              </a:schemeClr>
+            </a:lnRef>
+            <a:fillRef idx="1">
+              <a:schemeClr val="accent1"/>
+            </a:fillRef>
+            <a:effectRef idx="0">
+              <a:schemeClr val="accent1"/>
+            </a:effectRef>
+            <a:fontRef idx="minor">
+              <a:schemeClr val="lt1"/>
+            </a:fontRef>
+          </p:style>
+          <p:txBody>
+            <a:bodyPr rtlCol="0" anchor="b" anchorCtr="0"/>
+            <a:lstStyle/>
+            <a:p>
+              <a:endParaRPr lang="en-US" altLang="zh-CN" sz="1400" b="1">
+                <a:solidFill>
+                  <a:schemeClr val="tx1"/>
+                </a:solidFill>
+                <a:latin typeface="微软雅黑" panose="020B0503020204020204" pitchFamily="34" charset="-122"/>
+                <a:ea typeface="微软雅黑" panose="020B0503020204020204" pitchFamily="34" charset="-122"/>
+              </a:endParaRPr>
+            </a:p>
+          </p:txBody>
+        </p:sp>
+      </p:grpSp>
     </p:spTree>
     <p:extLst>
       <p:ext uri="{BB962C8B-B14F-4D97-AF65-F5344CB8AC3E}">
-        <p14:creationId xmlns:p14="http://schemas.microsoft.com/office/powerpoint/2010/main" val="299805614"/>
+        <p14:creationId xmlns:p14="http://schemas.microsoft.com/office/powerpoint/2010/main" val="2609802873"/>
       </p:ext>
     </p:extLst>
   </p:cSld>
